--- a/1. Introduction to DSP.pptx
+++ b/1. Introduction to DSP.pptx
@@ -5,20 +5,30 @@
     <p:sldMasterId id="2147483678" r:id="rId1"/>
   </p:sldMasterIdLst>
   <p:notesMasterIdLst>
-    <p:notesMasterId r:id="rId13"/>
+    <p:notesMasterId r:id="rId23"/>
   </p:notesMasterIdLst>
   <p:sldIdLst>
     <p:sldId id="261" r:id="rId2"/>
     <p:sldId id="269" r:id="rId3"/>
-    <p:sldId id="263" r:id="rId4"/>
-    <p:sldId id="262" r:id="rId5"/>
-    <p:sldId id="258" r:id="rId6"/>
-    <p:sldId id="264" r:id="rId7"/>
-    <p:sldId id="267" r:id="rId8"/>
-    <p:sldId id="268" r:id="rId9"/>
-    <p:sldId id="259" r:id="rId10"/>
-    <p:sldId id="260" r:id="rId11"/>
-    <p:sldId id="256" r:id="rId12"/>
+    <p:sldId id="273" r:id="rId4"/>
+    <p:sldId id="274" r:id="rId5"/>
+    <p:sldId id="263" r:id="rId6"/>
+    <p:sldId id="262" r:id="rId7"/>
+    <p:sldId id="258" r:id="rId8"/>
+    <p:sldId id="264" r:id="rId9"/>
+    <p:sldId id="267" r:id="rId10"/>
+    <p:sldId id="268" r:id="rId11"/>
+    <p:sldId id="270" r:id="rId12"/>
+    <p:sldId id="271" r:id="rId13"/>
+    <p:sldId id="275" r:id="rId14"/>
+    <p:sldId id="259" r:id="rId15"/>
+    <p:sldId id="260" r:id="rId16"/>
+    <p:sldId id="276" r:id="rId17"/>
+    <p:sldId id="277" r:id="rId18"/>
+    <p:sldId id="278" r:id="rId19"/>
+    <p:sldId id="279" r:id="rId20"/>
+    <p:sldId id="272" r:id="rId21"/>
+    <p:sldId id="256" r:id="rId22"/>
   </p:sldIdLst>
   <p:sldSz cx="12192000" cy="6858000"/>
   <p:notesSz cx="6858000" cy="9144000"/>
@@ -124,14 +134,24 @@
           <p14:sldIdLst>
             <p14:sldId id="261"/>
             <p14:sldId id="269"/>
+            <p14:sldId id="273"/>
+            <p14:sldId id="274"/>
             <p14:sldId id="263"/>
             <p14:sldId id="262"/>
             <p14:sldId id="258"/>
             <p14:sldId id="264"/>
             <p14:sldId id="267"/>
             <p14:sldId id="268"/>
+            <p14:sldId id="270"/>
+            <p14:sldId id="271"/>
+            <p14:sldId id="275"/>
             <p14:sldId id="259"/>
             <p14:sldId id="260"/>
+            <p14:sldId id="276"/>
+            <p14:sldId id="277"/>
+            <p14:sldId id="278"/>
+            <p14:sldId id="279"/>
+            <p14:sldId id="272"/>
           </p14:sldIdLst>
         </p14:section>
         <p14:section name="Brainstroming" id="{44C23139-4C2F-42EF-A357-A79FDBC46289}">
@@ -230,7 +250,7 @@
           <a:p>
             <a:fld id="{B6BCAA7C-BF80-435D-8C4C-978F6C77C3C5}" type="datetimeFigureOut">
               <a:rPr lang="en-US" smtClean="0"/>
-              <a:t>2/18/2018</a:t>
+              <a:t>2/25/2018</a:t>
             </a:fld>
             <a:endParaRPr lang="en-US"/>
           </a:p>
@@ -581,6 +601,590 @@
 </p:notes>
 </file>
 
+<file path=ppt/notesSlides/notesSlide10.xml><?xml version="1.0" encoding="utf-8"?>
+<p:notes xmlns:a="http://schemas.openxmlformats.org/drawingml/2006/main" xmlns:r="http://schemas.openxmlformats.org/officeDocument/2006/relationships" xmlns:p="http://schemas.openxmlformats.org/presentationml/2006/main">
+  <p:cSld>
+    <p:spTree>
+      <p:nvGrpSpPr>
+        <p:cNvPr id="1" name=""/>
+        <p:cNvGrpSpPr/>
+        <p:nvPr/>
+      </p:nvGrpSpPr>
+      <p:grpSpPr>
+        <a:xfrm>
+          <a:off x="0" y="0"/>
+          <a:ext cx="0" cy="0"/>
+          <a:chOff x="0" y="0"/>
+          <a:chExt cx="0" cy="0"/>
+        </a:xfrm>
+      </p:grpSpPr>
+      <p:sp>
+        <p:nvSpPr>
+          <p:cNvPr id="2" name="Slide Image Placeholder 1"/>
+          <p:cNvSpPr>
+            <a:spLocks noGrp="1" noRot="1" noChangeAspect="1"/>
+          </p:cNvSpPr>
+          <p:nvPr>
+            <p:ph type="sldImg"/>
+          </p:nvPr>
+        </p:nvSpPr>
+        <p:spPr/>
+      </p:sp>
+      <p:sp>
+        <p:nvSpPr>
+          <p:cNvPr id="3" name="Notes Placeholder 2"/>
+          <p:cNvSpPr>
+            <a:spLocks noGrp="1"/>
+          </p:cNvSpPr>
+          <p:nvPr>
+            <p:ph type="body" idx="1"/>
+          </p:nvPr>
+        </p:nvSpPr>
+        <p:spPr/>
+        <p:txBody>
+          <a:bodyPr/>
+          <a:lstStyle/>
+          <a:p>
+            <a:r>
+              <a:rPr lang="en-US" altLang="ko-KR" dirty="0"/>
+              <a:t>Sinusoid</a:t>
+            </a:r>
+            <a:r>
+              <a:rPr lang="ko-KR" altLang="en-US" dirty="0"/>
+              <a:t>는 이런 주옥같은 공식이 됩니다</a:t>
+            </a:r>
+            <a:r>
+              <a:rPr lang="en-US" altLang="ko-KR" dirty="0"/>
+              <a:t>.</a:t>
+            </a:r>
+          </a:p>
+          <a:p>
+            <a:r>
+              <a:rPr lang="ko-KR" altLang="en-US" dirty="0"/>
+              <a:t>분명 다아는 문잔데 모여있으니 뭔소린지</a:t>
+            </a:r>
+            <a:endParaRPr lang="en-US" dirty="0"/>
+          </a:p>
+        </p:txBody>
+      </p:sp>
+      <p:sp>
+        <p:nvSpPr>
+          <p:cNvPr id="4" name="Slide Number Placeholder 3"/>
+          <p:cNvSpPr>
+            <a:spLocks noGrp="1"/>
+          </p:cNvSpPr>
+          <p:nvPr>
+            <p:ph type="sldNum" sz="quarter" idx="10"/>
+          </p:nvPr>
+        </p:nvSpPr>
+        <p:spPr/>
+        <p:txBody>
+          <a:bodyPr/>
+          <a:lstStyle/>
+          <a:p>
+            <a:fld id="{61D10338-FE70-4813-8AD0-4BEFB23E07C8}" type="slidenum">
+              <a:rPr lang="en-US" smtClean="0"/>
+              <a:t>10</a:t>
+            </a:fld>
+            <a:endParaRPr lang="en-US"/>
+          </a:p>
+        </p:txBody>
+      </p:sp>
+    </p:spTree>
+    <p:extLst>
+      <p:ext uri="{BB962C8B-B14F-4D97-AF65-F5344CB8AC3E}">
+        <p14:creationId xmlns:p14="http://schemas.microsoft.com/office/powerpoint/2010/main" val="1806630836"/>
+      </p:ext>
+    </p:extLst>
+  </p:cSld>
+  <p:clrMapOvr>
+    <a:masterClrMapping/>
+  </p:clrMapOvr>
+</p:notes>
+</file>
+
+<file path=ppt/notesSlides/notesSlide11.xml><?xml version="1.0" encoding="utf-8"?>
+<p:notes xmlns:a="http://schemas.openxmlformats.org/drawingml/2006/main" xmlns:r="http://schemas.openxmlformats.org/officeDocument/2006/relationships" xmlns:p="http://schemas.openxmlformats.org/presentationml/2006/main">
+  <p:cSld>
+    <p:spTree>
+      <p:nvGrpSpPr>
+        <p:cNvPr id="1" name=""/>
+        <p:cNvGrpSpPr/>
+        <p:nvPr/>
+      </p:nvGrpSpPr>
+      <p:grpSpPr>
+        <a:xfrm>
+          <a:off x="0" y="0"/>
+          <a:ext cx="0" cy="0"/>
+          <a:chOff x="0" y="0"/>
+          <a:chExt cx="0" cy="0"/>
+        </a:xfrm>
+      </p:grpSpPr>
+      <p:sp>
+        <p:nvSpPr>
+          <p:cNvPr id="2" name="Slide Image Placeholder 1"/>
+          <p:cNvSpPr>
+            <a:spLocks noGrp="1" noRot="1" noChangeAspect="1"/>
+          </p:cNvSpPr>
+          <p:nvPr>
+            <p:ph type="sldImg"/>
+          </p:nvPr>
+        </p:nvSpPr>
+        <p:spPr/>
+      </p:sp>
+      <p:sp>
+        <p:nvSpPr>
+          <p:cNvPr id="3" name="Notes Placeholder 2"/>
+          <p:cNvSpPr>
+            <a:spLocks noGrp="1"/>
+          </p:cNvSpPr>
+          <p:nvPr>
+            <p:ph type="body" idx="1"/>
+          </p:nvPr>
+        </p:nvSpPr>
+        <p:spPr/>
+        <p:txBody>
+          <a:bodyPr/>
+          <a:lstStyle/>
+          <a:p>
+            <a:r>
+              <a:rPr lang="ko-KR" altLang="en-US"/>
+              <a:t>테일러 아저씨의 마법</a:t>
+            </a:r>
+            <a:endParaRPr lang="en-US" dirty="0"/>
+          </a:p>
+        </p:txBody>
+      </p:sp>
+      <p:sp>
+        <p:nvSpPr>
+          <p:cNvPr id="4" name="Slide Number Placeholder 3"/>
+          <p:cNvSpPr>
+            <a:spLocks noGrp="1"/>
+          </p:cNvSpPr>
+          <p:nvPr>
+            <p:ph type="sldNum" sz="quarter" idx="10"/>
+          </p:nvPr>
+        </p:nvSpPr>
+        <p:spPr/>
+        <p:txBody>
+          <a:bodyPr/>
+          <a:lstStyle/>
+          <a:p>
+            <a:fld id="{61D10338-FE70-4813-8AD0-4BEFB23E07C8}" type="slidenum">
+              <a:rPr lang="en-US" smtClean="0"/>
+              <a:t>11</a:t>
+            </a:fld>
+            <a:endParaRPr lang="en-US"/>
+          </a:p>
+        </p:txBody>
+      </p:sp>
+    </p:spTree>
+    <p:extLst>
+      <p:ext uri="{BB962C8B-B14F-4D97-AF65-F5344CB8AC3E}">
+        <p14:creationId xmlns:p14="http://schemas.microsoft.com/office/powerpoint/2010/main" val="1079095956"/>
+      </p:ext>
+    </p:extLst>
+  </p:cSld>
+  <p:clrMapOvr>
+    <a:masterClrMapping/>
+  </p:clrMapOvr>
+</p:notes>
+</file>
+
+<file path=ppt/notesSlides/notesSlide12.xml><?xml version="1.0" encoding="utf-8"?>
+<p:notes xmlns:a="http://schemas.openxmlformats.org/drawingml/2006/main" xmlns:r="http://schemas.openxmlformats.org/officeDocument/2006/relationships" xmlns:p="http://schemas.openxmlformats.org/presentationml/2006/main">
+  <p:cSld>
+    <p:spTree>
+      <p:nvGrpSpPr>
+        <p:cNvPr id="1" name=""/>
+        <p:cNvGrpSpPr/>
+        <p:nvPr/>
+      </p:nvGrpSpPr>
+      <p:grpSpPr>
+        <a:xfrm>
+          <a:off x="0" y="0"/>
+          <a:ext cx="0" cy="0"/>
+          <a:chOff x="0" y="0"/>
+          <a:chExt cx="0" cy="0"/>
+        </a:xfrm>
+      </p:grpSpPr>
+      <p:sp>
+        <p:nvSpPr>
+          <p:cNvPr id="2" name="Slide Image Placeholder 1"/>
+          <p:cNvSpPr>
+            <a:spLocks noGrp="1" noRot="1" noChangeAspect="1"/>
+          </p:cNvSpPr>
+          <p:nvPr>
+            <p:ph type="sldImg"/>
+          </p:nvPr>
+        </p:nvSpPr>
+        <p:spPr/>
+      </p:sp>
+      <p:sp>
+        <p:nvSpPr>
+          <p:cNvPr id="3" name="Notes Placeholder 2"/>
+          <p:cNvSpPr>
+            <a:spLocks noGrp="1"/>
+          </p:cNvSpPr>
+          <p:nvPr>
+            <p:ph type="body" idx="1"/>
+          </p:nvPr>
+        </p:nvSpPr>
+        <p:spPr/>
+        <p:txBody>
+          <a:bodyPr/>
+          <a:lstStyle/>
+          <a:p>
+            <a:r>
+              <a:rPr lang="ko-KR" altLang="en-US" dirty="0"/>
+              <a:t>폴라 폼 </a:t>
+            </a:r>
+            <a:r>
+              <a:rPr lang="en-US" dirty="0">
+                <a:solidFill>
+                  <a:schemeClr val="bg1"/>
+                </a:solidFill>
+              </a:rPr>
+              <a:t>complex plane(Polar coordinate system)</a:t>
+            </a:r>
+          </a:p>
+          <a:p>
+            <a:r>
+              <a:rPr lang="en-US" dirty="0">
+                <a:solidFill>
+                  <a:schemeClr val="bg1"/>
+                </a:solidFill>
+              </a:rPr>
+              <a:t>X</a:t>
+            </a:r>
+            <a:r>
+              <a:rPr lang="ko-KR" altLang="en-US" dirty="0">
+                <a:solidFill>
+                  <a:schemeClr val="bg1"/>
+                </a:solidFill>
+              </a:rPr>
+              <a:t>축 </a:t>
+            </a:r>
+            <a:r>
+              <a:rPr lang="en-US" altLang="ko-KR" dirty="0">
+                <a:solidFill>
+                  <a:schemeClr val="bg1"/>
+                </a:solidFill>
+              </a:rPr>
+              <a:t>y</a:t>
+            </a:r>
+            <a:r>
+              <a:rPr lang="ko-KR" altLang="en-US" dirty="0">
+                <a:solidFill>
+                  <a:schemeClr val="bg1"/>
+                </a:solidFill>
+              </a:rPr>
+              <a:t>축이아닌 실수축과 허수축을 가진 좌표계 </a:t>
+            </a:r>
+            <a:r>
+              <a:rPr lang="en-US" altLang="ko-KR" dirty="0">
+                <a:solidFill>
+                  <a:schemeClr val="bg1"/>
+                </a:solidFill>
+              </a:rPr>
+              <a:t>= </a:t>
+            </a:r>
+            <a:r>
+              <a:rPr lang="ko-KR" altLang="en-US" dirty="0">
+                <a:solidFill>
+                  <a:schemeClr val="bg1"/>
+                </a:solidFill>
+              </a:rPr>
+              <a:t>주파수 도메인</a:t>
+            </a:r>
+            <a:r>
+              <a:rPr lang="en-US" altLang="ko-KR" dirty="0">
+                <a:solidFill>
+                  <a:schemeClr val="bg1"/>
+                </a:solidFill>
+              </a:rPr>
+              <a:t>(</a:t>
+            </a:r>
+            <a:r>
+              <a:rPr lang="ko-KR" altLang="en-US" dirty="0">
+                <a:solidFill>
+                  <a:schemeClr val="bg1"/>
+                </a:solidFill>
+              </a:rPr>
+              <a:t>영역</a:t>
+            </a:r>
+            <a:r>
+              <a:rPr lang="en-US" altLang="ko-KR" dirty="0">
+                <a:solidFill>
+                  <a:schemeClr val="bg1"/>
+                </a:solidFill>
+              </a:rPr>
+              <a:t>)</a:t>
+            </a:r>
+          </a:p>
+          <a:p>
+            <a:r>
+              <a:rPr lang="ko-KR" altLang="en-US" dirty="0">
+                <a:solidFill>
+                  <a:schemeClr val="bg1"/>
+                </a:solidFill>
+              </a:rPr>
+              <a:t>중복이 많다</a:t>
+            </a:r>
+            <a:r>
+              <a:rPr lang="en-US" altLang="ko-KR" dirty="0">
+                <a:solidFill>
+                  <a:schemeClr val="bg1"/>
+                </a:solidFill>
+              </a:rPr>
+              <a:t>.</a:t>
+            </a:r>
+            <a:endParaRPr lang="en-US" dirty="0"/>
+          </a:p>
+        </p:txBody>
+      </p:sp>
+      <p:sp>
+        <p:nvSpPr>
+          <p:cNvPr id="4" name="Slide Number Placeholder 3"/>
+          <p:cNvSpPr>
+            <a:spLocks noGrp="1"/>
+          </p:cNvSpPr>
+          <p:nvPr>
+            <p:ph type="sldNum" sz="quarter" idx="10"/>
+          </p:nvPr>
+        </p:nvSpPr>
+        <p:spPr/>
+        <p:txBody>
+          <a:bodyPr/>
+          <a:lstStyle/>
+          <a:p>
+            <a:fld id="{61D10338-FE70-4813-8AD0-4BEFB23E07C8}" type="slidenum">
+              <a:rPr lang="en-US" smtClean="0"/>
+              <a:t>12</a:t>
+            </a:fld>
+            <a:endParaRPr lang="en-US"/>
+          </a:p>
+        </p:txBody>
+      </p:sp>
+    </p:spTree>
+    <p:extLst>
+      <p:ext uri="{BB962C8B-B14F-4D97-AF65-F5344CB8AC3E}">
+        <p14:creationId xmlns:p14="http://schemas.microsoft.com/office/powerpoint/2010/main" val="4056223234"/>
+      </p:ext>
+    </p:extLst>
+  </p:cSld>
+  <p:clrMapOvr>
+    <a:masterClrMapping/>
+  </p:clrMapOvr>
+</p:notes>
+</file>
+
+<file path=ppt/notesSlides/notesSlide13.xml><?xml version="1.0" encoding="utf-8"?>
+<p:notes xmlns:a="http://schemas.openxmlformats.org/drawingml/2006/main" xmlns:r="http://schemas.openxmlformats.org/officeDocument/2006/relationships" xmlns:p="http://schemas.openxmlformats.org/presentationml/2006/main">
+  <p:cSld>
+    <p:spTree>
+      <p:nvGrpSpPr>
+        <p:cNvPr id="1" name=""/>
+        <p:cNvGrpSpPr/>
+        <p:nvPr/>
+      </p:nvGrpSpPr>
+      <p:grpSpPr>
+        <a:xfrm>
+          <a:off x="0" y="0"/>
+          <a:ext cx="0" cy="0"/>
+          <a:chOff x="0" y="0"/>
+          <a:chExt cx="0" cy="0"/>
+        </a:xfrm>
+      </p:grpSpPr>
+      <p:sp>
+        <p:nvSpPr>
+          <p:cNvPr id="2" name="Slide Image Placeholder 1"/>
+          <p:cNvSpPr>
+            <a:spLocks noGrp="1" noRot="1" noChangeAspect="1"/>
+          </p:cNvSpPr>
+          <p:nvPr>
+            <p:ph type="sldImg"/>
+          </p:nvPr>
+        </p:nvSpPr>
+        <p:spPr/>
+      </p:sp>
+      <p:sp>
+        <p:nvSpPr>
+          <p:cNvPr id="3" name="Notes Placeholder 2"/>
+          <p:cNvSpPr>
+            <a:spLocks noGrp="1"/>
+          </p:cNvSpPr>
+          <p:nvPr>
+            <p:ph type="body" idx="1"/>
+          </p:nvPr>
+        </p:nvSpPr>
+        <p:spPr/>
+        <p:txBody>
+          <a:bodyPr/>
+          <a:lstStyle/>
+          <a:p>
+            <a:r>
+              <a:rPr lang="ko-KR" altLang="en-US" dirty="0"/>
+              <a:t>실수 또는 허수값만 가질경우 사인또는 코사인이 된다는것을 이렇게 볼수있다</a:t>
+            </a:r>
+            <a:r>
+              <a:rPr lang="en-US" altLang="ko-KR" dirty="0"/>
+              <a:t>.</a:t>
+            </a:r>
+            <a:endParaRPr lang="en-US" dirty="0"/>
+          </a:p>
+        </p:txBody>
+      </p:sp>
+      <p:sp>
+        <p:nvSpPr>
+          <p:cNvPr id="4" name="Slide Number Placeholder 3"/>
+          <p:cNvSpPr>
+            <a:spLocks noGrp="1"/>
+          </p:cNvSpPr>
+          <p:nvPr>
+            <p:ph type="sldNum" sz="quarter" idx="10"/>
+          </p:nvPr>
+        </p:nvSpPr>
+        <p:spPr/>
+        <p:txBody>
+          <a:bodyPr/>
+          <a:lstStyle/>
+          <a:p>
+            <a:fld id="{61D10338-FE70-4813-8AD0-4BEFB23E07C8}" type="slidenum">
+              <a:rPr lang="en-US" smtClean="0"/>
+              <a:t>13</a:t>
+            </a:fld>
+            <a:endParaRPr lang="en-US"/>
+          </a:p>
+        </p:txBody>
+      </p:sp>
+    </p:spTree>
+    <p:extLst>
+      <p:ext uri="{BB962C8B-B14F-4D97-AF65-F5344CB8AC3E}">
+        <p14:creationId xmlns:p14="http://schemas.microsoft.com/office/powerpoint/2010/main" val="2932229337"/>
+      </p:ext>
+    </p:extLst>
+  </p:cSld>
+  <p:clrMapOvr>
+    <a:masterClrMapping/>
+  </p:clrMapOvr>
+</p:notes>
+</file>
+
+<file path=ppt/notesSlides/notesSlide14.xml><?xml version="1.0" encoding="utf-8"?>
+<p:notes xmlns:a="http://schemas.openxmlformats.org/drawingml/2006/main" xmlns:r="http://schemas.openxmlformats.org/officeDocument/2006/relationships" xmlns:p="http://schemas.openxmlformats.org/presentationml/2006/main">
+  <p:cSld>
+    <p:spTree>
+      <p:nvGrpSpPr>
+        <p:cNvPr id="1" name=""/>
+        <p:cNvGrpSpPr/>
+        <p:nvPr/>
+      </p:nvGrpSpPr>
+      <p:grpSpPr>
+        <a:xfrm>
+          <a:off x="0" y="0"/>
+          <a:ext cx="0" cy="0"/>
+          <a:chOff x="0" y="0"/>
+          <a:chExt cx="0" cy="0"/>
+        </a:xfrm>
+      </p:grpSpPr>
+      <p:sp>
+        <p:nvSpPr>
+          <p:cNvPr id="2" name="Slide Image Placeholder 1"/>
+          <p:cNvSpPr>
+            <a:spLocks noGrp="1" noRot="1" noChangeAspect="1"/>
+          </p:cNvSpPr>
+          <p:nvPr>
+            <p:ph type="sldImg"/>
+          </p:nvPr>
+        </p:nvSpPr>
+        <p:spPr/>
+      </p:sp>
+      <p:sp>
+        <p:nvSpPr>
+          <p:cNvPr id="3" name="Notes Placeholder 2"/>
+          <p:cNvSpPr>
+            <a:spLocks noGrp="1"/>
+          </p:cNvSpPr>
+          <p:nvPr>
+            <p:ph type="body" idx="1"/>
+          </p:nvPr>
+        </p:nvSpPr>
+        <p:spPr/>
+        <p:txBody>
+          <a:bodyPr/>
+          <a:lstStyle/>
+          <a:p>
+            <a:r>
+              <a:rPr lang="ko-KR" altLang="en-US" dirty="0"/>
+              <a:t>폴라 폼 </a:t>
+            </a:r>
+            <a:r>
+              <a:rPr lang="en-US" dirty="0">
+                <a:solidFill>
+                  <a:schemeClr val="bg1"/>
+                </a:solidFill>
+              </a:rPr>
+              <a:t>complex plane(Polar coordinate system)</a:t>
+            </a:r>
+          </a:p>
+          <a:p>
+            <a:r>
+              <a:rPr lang="ko-KR" altLang="en-US" dirty="0">
+                <a:solidFill>
+                  <a:schemeClr val="bg1"/>
+                </a:solidFill>
+              </a:rPr>
+              <a:t>왜 사용하나</a:t>
+            </a:r>
+            <a:r>
+              <a:rPr lang="en-US" altLang="ko-KR" dirty="0">
+                <a:solidFill>
+                  <a:schemeClr val="bg1"/>
+                </a:solidFill>
+              </a:rPr>
+              <a:t>?</a:t>
+            </a:r>
+            <a:endParaRPr lang="en-US" dirty="0"/>
+          </a:p>
+        </p:txBody>
+      </p:sp>
+      <p:sp>
+        <p:nvSpPr>
+          <p:cNvPr id="4" name="Slide Number Placeholder 3"/>
+          <p:cNvSpPr>
+            <a:spLocks noGrp="1"/>
+          </p:cNvSpPr>
+          <p:nvPr>
+            <p:ph type="sldNum" sz="quarter" idx="10"/>
+          </p:nvPr>
+        </p:nvSpPr>
+        <p:spPr/>
+        <p:txBody>
+          <a:bodyPr/>
+          <a:lstStyle/>
+          <a:p>
+            <a:fld id="{61D10338-FE70-4813-8AD0-4BEFB23E07C8}" type="slidenum">
+              <a:rPr lang="en-US" smtClean="0"/>
+              <a:t>14</a:t>
+            </a:fld>
+            <a:endParaRPr lang="en-US"/>
+          </a:p>
+        </p:txBody>
+      </p:sp>
+    </p:spTree>
+    <p:extLst>
+      <p:ext uri="{BB962C8B-B14F-4D97-AF65-F5344CB8AC3E}">
+        <p14:creationId xmlns:p14="http://schemas.microsoft.com/office/powerpoint/2010/main" val="1014792424"/>
+      </p:ext>
+    </p:extLst>
+  </p:cSld>
+  <p:clrMapOvr>
+    <a:masterClrMapping/>
+  </p:clrMapOvr>
+</p:notes>
+</file>
+
 <file path=ppt/notesSlides/notesSlide2.xml><?xml version="1.0" encoding="utf-8"?>
 <p:notes xmlns:a="http://schemas.openxmlformats.org/drawingml/2006/main" xmlns:r="http://schemas.openxmlformats.org/officeDocument/2006/relationships" xmlns:p="http://schemas.openxmlformats.org/presentationml/2006/main">
   <p:cSld>
@@ -627,13 +1231,6 @@
           <a:p>
             <a:r>
               <a:rPr lang="ko-KR" altLang="en-US" dirty="0"/>
-              <a:t>인트로덕션</a:t>
-            </a:r>
-            <a:endParaRPr lang="en-US" altLang="ko-KR" dirty="0"/>
-          </a:p>
-          <a:p>
-            <a:r>
-              <a:rPr lang="ko-KR" altLang="en-US" dirty="0"/>
               <a:t>아날로그 시그널은 </a:t>
             </a:r>
             <a:r>
@@ -653,73 +1250,6 @@
               <a:t>개의 코사인이 합쳐진 것</a:t>
             </a:r>
             <a:endParaRPr lang="en-US" altLang="ko-KR" dirty="0"/>
-          </a:p>
-          <a:p>
-            <a:r>
-              <a:rPr lang="en-US" altLang="ko-KR" dirty="0"/>
-              <a:t>DSP</a:t>
-            </a:r>
-            <a:r>
-              <a:rPr lang="ko-KR" altLang="en-US" dirty="0"/>
-              <a:t>는 그것을 디지털화된 시그널만들어 재가공 하는것</a:t>
-            </a:r>
-            <a:endParaRPr lang="en-US" altLang="ko-KR" dirty="0"/>
-          </a:p>
-          <a:p>
-            <a:r>
-              <a:rPr lang="ko-KR" altLang="en-US" dirty="0"/>
-              <a:t>디지털화된 시그널 </a:t>
-            </a:r>
-            <a:r>
-              <a:rPr lang="en-US" altLang="ko-KR" dirty="0"/>
-              <a:t>= </a:t>
-            </a:r>
-            <a:r>
-              <a:rPr lang="ko-KR" altLang="en-US" dirty="0"/>
-              <a:t>그저 </a:t>
-            </a:r>
-            <a:r>
-              <a:rPr lang="en-US" altLang="ko-KR" dirty="0"/>
-              <a:t>array of </a:t>
-            </a:r>
-            <a:r>
-              <a:rPr lang="en-US" altLang="ko-KR" dirty="0" err="1"/>
-              <a:t>int</a:t>
-            </a:r>
-            <a:r>
-              <a:rPr lang="en-US" altLang="ko-KR" dirty="0"/>
-              <a:t> type</a:t>
-            </a:r>
-          </a:p>
-          <a:p>
-            <a:endParaRPr lang="en-US" altLang="ko-KR" dirty="0"/>
-          </a:p>
-          <a:p>
-            <a:r>
-              <a:rPr lang="ko-KR" altLang="en-US" dirty="0"/>
-              <a:t>로우패스</a:t>
-            </a:r>
-            <a:r>
-              <a:rPr lang="en-US" altLang="ko-KR" dirty="0"/>
-              <a:t>(</a:t>
-            </a:r>
-            <a:r>
-              <a:rPr lang="ko-KR" altLang="en-US" dirty="0"/>
-              <a:t>저 주파수 역대만 살리는것</a:t>
-            </a:r>
-            <a:r>
-              <a:rPr lang="en-US" altLang="ko-KR" dirty="0"/>
-              <a:t>)</a:t>
-            </a:r>
-            <a:r>
-              <a:rPr lang="ko-KR" altLang="en-US" dirty="0"/>
-              <a:t>  </a:t>
-            </a:r>
-            <a:r>
-              <a:rPr lang="en-US" altLang="ko-KR" dirty="0"/>
-              <a:t>= (x(t) + x(t-1)) / 2</a:t>
-            </a:r>
-            <a:endParaRPr lang="en-US" dirty="0"/>
           </a:p>
         </p:txBody>
       </p:sp>
@@ -804,22 +1334,68 @@
           <a:lstStyle/>
           <a:p>
             <a:r>
+              <a:rPr lang="en-US" altLang="ko-KR" dirty="0"/>
+              <a:t>DSP</a:t>
+            </a:r>
+            <a:r>
               <a:rPr lang="ko-KR" altLang="en-US" dirty="0"/>
-              <a:t>현실에서의 음악 </a:t>
+              <a:t>는 그것을 디지털화된 시그널만들어 재가공 하는것</a:t>
+            </a:r>
+            <a:endParaRPr lang="en-US" altLang="ko-KR" dirty="0"/>
+          </a:p>
+          <a:p>
+            <a:r>
+              <a:rPr lang="ko-KR" altLang="en-US" dirty="0"/>
+              <a:t>디지털화된 시그널 </a:t>
             </a:r>
             <a:r>
               <a:rPr lang="en-US" altLang="ko-KR" dirty="0"/>
-              <a:t>iPod</a:t>
-            </a:r>
-          </a:p>
-          <a:p>
+              <a:t>= </a:t>
+            </a:r>
             <a:r>
               <a:rPr lang="ko-KR" altLang="en-US" dirty="0"/>
-              <a:t>하지만 디지털 세상은</a:t>
+              <a:t>그저 </a:t>
             </a:r>
             <a:r>
               <a:rPr lang="en-US" altLang="ko-KR" dirty="0"/>
-              <a:t>?!</a:t>
+              <a:t>array of </a:t>
+            </a:r>
+            <a:r>
+              <a:rPr lang="en-US" altLang="ko-KR" dirty="0" err="1"/>
+              <a:t>int</a:t>
+            </a:r>
+            <a:r>
+              <a:rPr lang="en-US" altLang="ko-KR" dirty="0"/>
+              <a:t> type</a:t>
+            </a:r>
+          </a:p>
+          <a:p>
+            <a:endParaRPr lang="en-US" altLang="ko-KR" dirty="0"/>
+          </a:p>
+          <a:p>
+            <a:r>
+              <a:rPr lang="ko-KR" altLang="en-US" dirty="0"/>
+              <a:t>로우패스</a:t>
+            </a:r>
+            <a:r>
+              <a:rPr lang="en-US" altLang="ko-KR" dirty="0"/>
+              <a:t>(</a:t>
+            </a:r>
+            <a:r>
+              <a:rPr lang="ko-KR" altLang="en-US" dirty="0"/>
+              <a:t>저 주파수 역대만 살리는것</a:t>
+            </a:r>
+            <a:r>
+              <a:rPr lang="en-US" altLang="ko-KR" dirty="0"/>
+              <a:t>)</a:t>
+            </a:r>
+            <a:r>
+              <a:rPr lang="ko-KR" altLang="en-US" dirty="0"/>
+              <a:t>  </a:t>
+            </a:r>
+            <a:r>
+              <a:rPr lang="en-US" altLang="ko-KR" dirty="0"/>
+              <a:t>= (x(t) + x(t-1)) / 2</a:t>
             </a:r>
             <a:endParaRPr lang="en-US" dirty="0"/>
           </a:p>
@@ -851,7 +1427,7 @@
     </p:spTree>
     <p:extLst>
       <p:ext uri="{BB962C8B-B14F-4D97-AF65-F5344CB8AC3E}">
-        <p14:creationId xmlns:p14="http://schemas.microsoft.com/office/powerpoint/2010/main" val="967954477"/>
+        <p14:creationId xmlns:p14="http://schemas.microsoft.com/office/powerpoint/2010/main" val="3749005833"/>
       </p:ext>
     </p:extLst>
   </p:cSld>
@@ -906,20 +1482,28 @@
           <a:lstStyle/>
           <a:p>
             <a:r>
-              <a:rPr lang="en-US" dirty="0"/>
-              <a:t>iPod</a:t>
-            </a:r>
-            <a:r>
               <a:rPr lang="ko-KR" altLang="en-US" dirty="0"/>
-              <a:t>에서 그저 </a:t>
-            </a:r>
-            <a:r>
-              <a:rPr lang="en-US" altLang="ko-KR" dirty="0" err="1"/>
-              <a:t>i</a:t>
+              <a:t>로우패스</a:t>
+            </a:r>
+            <a:r>
+              <a:rPr lang="en-US" altLang="ko-KR" dirty="0"/>
+              <a:t>(</a:t>
             </a:r>
             <a:r>
               <a:rPr lang="ko-KR" altLang="en-US" dirty="0"/>
-              <a:t>만 남았다고 한다</a:t>
+              <a:t>저 주파수 역대만 살리는것</a:t>
+            </a:r>
+            <a:r>
+              <a:rPr lang="en-US" altLang="ko-KR" dirty="0"/>
+              <a:t>)</a:t>
+            </a:r>
+            <a:r>
+              <a:rPr lang="ko-KR" altLang="en-US" dirty="0"/>
+              <a:t>  </a:t>
+            </a:r>
+            <a:r>
+              <a:rPr lang="en-US" altLang="ko-KR" dirty="0"/>
+              <a:t>= (x(t) + x(t-1)) / 2</a:t>
             </a:r>
             <a:endParaRPr lang="en-US" dirty="0"/>
           </a:p>
@@ -951,7 +1535,7 @@
     </p:spTree>
     <p:extLst>
       <p:ext uri="{BB962C8B-B14F-4D97-AF65-F5344CB8AC3E}">
-        <p14:creationId xmlns:p14="http://schemas.microsoft.com/office/powerpoint/2010/main" val="2437175864"/>
+        <p14:creationId xmlns:p14="http://schemas.microsoft.com/office/powerpoint/2010/main" val="3529493184"/>
       </p:ext>
     </p:extLst>
   </p:cSld>
@@ -1007,7 +1591,21 @@
           <a:p>
             <a:r>
               <a:rPr lang="ko-KR" altLang="en-US" dirty="0"/>
-              <a:t>사인유 소이드가 뭔지 찾아보시면</a:t>
+              <a:t>현실에서의 음악 </a:t>
+            </a:r>
+            <a:r>
+              <a:rPr lang="en-US" altLang="ko-KR" dirty="0"/>
+              <a:t>iPod</a:t>
+            </a:r>
+          </a:p>
+          <a:p>
+            <a:r>
+              <a:rPr lang="ko-KR" altLang="en-US" dirty="0"/>
+              <a:t>하지만 디지털 세상은</a:t>
+            </a:r>
+            <a:r>
+              <a:rPr lang="en-US" altLang="ko-KR" dirty="0"/>
+              <a:t>?!</a:t>
             </a:r>
             <a:endParaRPr lang="en-US" dirty="0"/>
           </a:p>
@@ -1039,7 +1637,7 @@
     </p:spTree>
     <p:extLst>
       <p:ext uri="{BB962C8B-B14F-4D97-AF65-F5344CB8AC3E}">
-        <p14:creationId xmlns:p14="http://schemas.microsoft.com/office/powerpoint/2010/main" val="3703261633"/>
+        <p14:creationId xmlns:p14="http://schemas.microsoft.com/office/powerpoint/2010/main" val="967954477"/>
       </p:ext>
     </p:extLst>
   </p:cSld>
@@ -1094,8 +1692,20 @@
           <a:lstStyle/>
           <a:p>
             <a:r>
+              <a:rPr lang="en-US" dirty="0"/>
+              <a:t>iPod</a:t>
+            </a:r>
+            <a:r>
               <a:rPr lang="ko-KR" altLang="en-US" dirty="0"/>
-              <a:t>아 이친구가 아니라</a:t>
+              <a:t>에서 그저 </a:t>
+            </a:r>
+            <a:r>
+              <a:rPr lang="en-US" altLang="ko-KR" dirty="0" err="1"/>
+              <a:t>i</a:t>
+            </a:r>
+            <a:r>
+              <a:rPr lang="ko-KR" altLang="en-US" dirty="0"/>
+              <a:t>만 남았다고 한다</a:t>
             </a:r>
             <a:endParaRPr lang="en-US" dirty="0"/>
           </a:p>
@@ -1127,7 +1737,7 @@
     </p:spTree>
     <p:extLst>
       <p:ext uri="{BB962C8B-B14F-4D97-AF65-F5344CB8AC3E}">
-        <p14:creationId xmlns:p14="http://schemas.microsoft.com/office/powerpoint/2010/main" val="1141344469"/>
+        <p14:creationId xmlns:p14="http://schemas.microsoft.com/office/powerpoint/2010/main" val="2437175864"/>
       </p:ext>
     </p:extLst>
   </p:cSld>
@@ -1183,7 +1793,7 @@
           <a:p>
             <a:r>
               <a:rPr lang="ko-KR" altLang="en-US" dirty="0"/>
-              <a:t>이친구가 나올겁니다 그리고 대망의 수학적 마법을 부리면</a:t>
+              <a:t>사인유 소이드가 뭔지 찾아보시면</a:t>
             </a:r>
             <a:endParaRPr lang="en-US" dirty="0"/>
           </a:p>
@@ -1215,7 +1825,7 @@
     </p:spTree>
     <p:extLst>
       <p:ext uri="{BB962C8B-B14F-4D97-AF65-F5344CB8AC3E}">
-        <p14:creationId xmlns:p14="http://schemas.microsoft.com/office/powerpoint/2010/main" val="4022870082"/>
+        <p14:creationId xmlns:p14="http://schemas.microsoft.com/office/powerpoint/2010/main" val="3703261633"/>
       </p:ext>
     </p:extLst>
   </p:cSld>
@@ -1270,22 +1880,8 @@
           <a:lstStyle/>
           <a:p>
             <a:r>
-              <a:rPr lang="en-US" altLang="ko-KR" dirty="0"/>
-              <a:t>Sinusoid</a:t>
-            </a:r>
-            <a:r>
               <a:rPr lang="ko-KR" altLang="en-US" dirty="0"/>
-              <a:t>는 이런 주옥같은 공식이 됩니다</a:t>
-            </a:r>
-            <a:r>
-              <a:rPr lang="en-US" altLang="ko-KR" dirty="0"/>
-              <a:t>.</a:t>
-            </a:r>
-          </a:p>
-          <a:p>
-            <a:r>
-              <a:rPr lang="ko-KR" altLang="en-US" dirty="0"/>
-              <a:t>분명 다아는 문잔데 모여있으니 뭔소린지</a:t>
+              <a:t>아 이친구가 아니라</a:t>
             </a:r>
             <a:endParaRPr lang="en-US" dirty="0"/>
           </a:p>
@@ -1317,7 +1913,7 @@
     </p:spTree>
     <p:extLst>
       <p:ext uri="{BB962C8B-B14F-4D97-AF65-F5344CB8AC3E}">
-        <p14:creationId xmlns:p14="http://schemas.microsoft.com/office/powerpoint/2010/main" val="1806630836"/>
+        <p14:creationId xmlns:p14="http://schemas.microsoft.com/office/powerpoint/2010/main" val="1141344469"/>
       </p:ext>
     </p:extLst>
   </p:cSld>
@@ -1373,15 +1969,7 @@
           <a:p>
             <a:r>
               <a:rPr lang="ko-KR" altLang="en-US" dirty="0"/>
-              <a:t>폴라 폼 </a:t>
-            </a:r>
-            <a:r>
-              <a:rPr lang="en-US">
-                <a:solidFill>
-                  <a:schemeClr val="bg1"/>
-                </a:solidFill>
-              </a:rPr>
-              <a:t>complex plane(Polar coordinate system)</a:t>
+              <a:t>이친구가 나올겁니다 그리고 대망의 수학적 마법을 부리면</a:t>
             </a:r>
             <a:endParaRPr lang="en-US" dirty="0"/>
           </a:p>
@@ -1413,7 +2001,7 @@
     </p:spTree>
     <p:extLst>
       <p:ext uri="{BB962C8B-B14F-4D97-AF65-F5344CB8AC3E}">
-        <p14:creationId xmlns:p14="http://schemas.microsoft.com/office/powerpoint/2010/main" val="1014792424"/>
+        <p14:creationId xmlns:p14="http://schemas.microsoft.com/office/powerpoint/2010/main" val="4022870082"/>
       </p:ext>
     </p:extLst>
   </p:cSld>
@@ -4095,7 +4683,7 @@
             <a:fld id="{E0211D34-BCFD-4C3E-B8C4-73EB97883599}" type="datetimeFigureOut">
               <a:rPr lang="en-US" smtClean="0"/>
               <a:pPr/>
-              <a:t>2/18/2018</a:t>
+              <a:t>2/25/2018</a:t>
             </a:fld>
             <a:endParaRPr lang="en-US"/>
           </a:p>
@@ -4668,6 +5256,4025 @@
           <a:chExt cx="0" cy="0"/>
         </a:xfrm>
       </p:grpSpPr>
+      <p:sp>
+        <p:nvSpPr>
+          <p:cNvPr id="2" name="Title 1">
+            <a:extLst>
+              <a:ext uri="{FF2B5EF4-FFF2-40B4-BE49-F238E27FC236}">
+                <a16:creationId xmlns:a16="http://schemas.microsoft.com/office/drawing/2014/main" id="{465FE338-8D59-4C44-9919-282B3DCF3828}"/>
+              </a:ext>
+            </a:extLst>
+          </p:cNvPr>
+          <p:cNvSpPr>
+            <a:spLocks noGrp="1"/>
+          </p:cNvSpPr>
+          <p:nvPr>
+            <p:ph type="title"/>
+          </p:nvPr>
+        </p:nvSpPr>
+        <p:spPr/>
+        <p:txBody>
+          <a:bodyPr/>
+          <a:lstStyle/>
+          <a:p>
+            <a:r>
+              <a:rPr lang="ko-KR" altLang="en-US" dirty="0"/>
+              <a:t>시그널 </a:t>
+            </a:r>
+            <a:r>
+              <a:rPr lang="en-US" altLang="ko-KR" dirty="0"/>
+              <a:t>- Sinusoid</a:t>
+            </a:r>
+            <a:endParaRPr lang="en-US" dirty="0"/>
+          </a:p>
+        </p:txBody>
+      </p:sp>
+      <p:sp>
+        <p:nvSpPr>
+          <p:cNvPr id="3" name="Content Placeholder 2">
+            <a:extLst>
+              <a:ext uri="{FF2B5EF4-FFF2-40B4-BE49-F238E27FC236}">
+                <a16:creationId xmlns:a16="http://schemas.microsoft.com/office/drawing/2014/main" id="{496199A0-D814-40DD-948E-59BEABF12F6A}"/>
+              </a:ext>
+            </a:extLst>
+          </p:cNvPr>
+          <p:cNvSpPr>
+            <a:spLocks noGrp="1"/>
+          </p:cNvSpPr>
+          <p:nvPr>
+            <p:ph idx="1"/>
+          </p:nvPr>
+        </p:nvSpPr>
+        <p:spPr>
+          <a:xfrm>
+            <a:off x="598620" y="2054655"/>
+            <a:ext cx="10972800" cy="4069419"/>
+          </a:xfrm>
+        </p:spPr>
+        <p:txBody>
+          <a:bodyPr anchor="ctr">
+            <a:normAutofit/>
+          </a:bodyPr>
+          <a:lstStyle/>
+          <a:p>
+            <a:pPr marL="0" indent="0">
+              <a:buNone/>
+            </a:pPr>
+            <a:r>
+              <a:rPr lang="en-US" altLang="ko-KR" sz="15000" dirty="0" err="1"/>
+              <a:t>re</a:t>
+            </a:r>
+            <a:r>
+              <a:rPr lang="en-US" altLang="ko-KR" sz="15000" baseline="30000" dirty="0" err="1"/>
+              <a:t>iθ</a:t>
+            </a:r>
+            <a:endParaRPr lang="ko-KR" altLang="en-US" sz="15000" baseline="30000" dirty="0"/>
+          </a:p>
+        </p:txBody>
+      </p:sp>
+      <p:sp>
+        <p:nvSpPr>
+          <p:cNvPr id="4" name="TextBox 3">
+            <a:extLst>
+              <a:ext uri="{FF2B5EF4-FFF2-40B4-BE49-F238E27FC236}">
+                <a16:creationId xmlns:a16="http://schemas.microsoft.com/office/drawing/2014/main" id="{6C9AC25A-9B15-4683-B071-C8765E26540E}"/>
+              </a:ext>
+            </a:extLst>
+          </p:cNvPr>
+          <p:cNvSpPr txBox="1"/>
+          <p:nvPr/>
+        </p:nvSpPr>
+        <p:spPr>
+          <a:xfrm>
+            <a:off x="5384799" y="4813999"/>
+            <a:ext cx="2023311" cy="1477328"/>
+          </a:xfrm>
+          <a:prstGeom prst="rect">
+            <a:avLst/>
+          </a:prstGeom>
+          <a:noFill/>
+        </p:spPr>
+        <p:txBody>
+          <a:bodyPr wrap="none" rtlCol="0">
+            <a:spAutoFit/>
+          </a:bodyPr>
+          <a:lstStyle/>
+          <a:p>
+            <a:r>
+              <a:rPr lang="en-US" altLang="ko-KR" dirty="0"/>
+              <a:t>r</a:t>
+            </a:r>
+            <a:r>
+              <a:rPr lang="ko-KR" altLang="en-US" dirty="0"/>
+              <a:t>도 알고</a:t>
+            </a:r>
+            <a:endParaRPr lang="en-US" altLang="ko-KR" dirty="0"/>
+          </a:p>
+          <a:p>
+            <a:r>
+              <a:rPr lang="en-US" altLang="ko-KR" dirty="0"/>
+              <a:t>e</a:t>
+            </a:r>
+            <a:r>
+              <a:rPr lang="ko-KR" altLang="en-US" dirty="0"/>
+              <a:t>도알고</a:t>
+            </a:r>
+            <a:endParaRPr lang="en-US" altLang="ko-KR" dirty="0"/>
+          </a:p>
+          <a:p>
+            <a:r>
+              <a:rPr lang="en-US" altLang="ko-KR" dirty="0" err="1"/>
+              <a:t>i</a:t>
+            </a:r>
+            <a:r>
+              <a:rPr lang="ko-KR" altLang="en-US" dirty="0"/>
+              <a:t>도 알고</a:t>
+            </a:r>
+            <a:endParaRPr lang="en-US" altLang="ko-KR" dirty="0"/>
+          </a:p>
+          <a:p>
+            <a:r>
+              <a:rPr lang="en-US" altLang="ko-KR" dirty="0"/>
+              <a:t>θ</a:t>
+            </a:r>
+            <a:r>
+              <a:rPr lang="ko-KR" altLang="en-US" dirty="0"/>
+              <a:t>도 아는데</a:t>
+            </a:r>
+            <a:endParaRPr lang="en-US" altLang="ko-KR" dirty="0"/>
+          </a:p>
+          <a:p>
+            <a:r>
+              <a:rPr lang="ko-KR" altLang="en-US" dirty="0"/>
+              <a:t>이건 </a:t>
+            </a:r>
+            <a:r>
+              <a:rPr lang="en-US" altLang="ko-KR" dirty="0"/>
+              <a:t>1</a:t>
+            </a:r>
+            <a:r>
+              <a:rPr lang="ko-KR" altLang="en-US" dirty="0"/>
+              <a:t>도 모르겠다</a:t>
+            </a:r>
+            <a:endParaRPr lang="en-US" altLang="ko-KR" dirty="0"/>
+          </a:p>
+        </p:txBody>
+      </p:sp>
+    </p:spTree>
+    <p:extLst>
+      <p:ext uri="{BB962C8B-B14F-4D97-AF65-F5344CB8AC3E}">
+        <p14:creationId xmlns:p14="http://schemas.microsoft.com/office/powerpoint/2010/main" val="3375650675"/>
+      </p:ext>
+    </p:extLst>
+  </p:cSld>
+  <p:clrMapOvr>
+    <a:masterClrMapping/>
+  </p:clrMapOvr>
+  <p:timing>
+    <p:tnLst>
+      <p:par>
+        <p:cTn id="1" dur="indefinite" restart="never" nodeType="tmRoot">
+          <p:childTnLst>
+            <p:seq concurrent="1" nextAc="seek">
+              <p:cTn id="2" dur="indefinite" nodeType="mainSeq">
+                <p:childTnLst>
+                  <p:par>
+                    <p:cTn id="3" fill="hold">
+                      <p:stCondLst>
+                        <p:cond delay="indefinite"/>
+                        <p:cond evt="onBegin" delay="0">
+                          <p:tn val="2"/>
+                        </p:cond>
+                      </p:stCondLst>
+                      <p:childTnLst>
+                        <p:par>
+                          <p:cTn id="4" fill="hold">
+                            <p:stCondLst>
+                              <p:cond delay="0"/>
+                            </p:stCondLst>
+                            <p:childTnLst>
+                              <p:par>
+                                <p:cTn id="5" presetID="1" presetClass="exit" presetSubtype="0" fill="hold" grpId="0" nodeType="withEffect">
+                                  <p:stCondLst>
+                                    <p:cond delay="0"/>
+                                  </p:stCondLst>
+                                  <p:childTnLst>
+                                    <p:set>
+                                      <p:cBhvr>
+                                        <p:cTn id="6" dur="1" fill="hold">
+                                          <p:stCondLst>
+                                            <p:cond delay="0"/>
+                                          </p:stCondLst>
+                                        </p:cTn>
+                                        <p:tgtEl>
+                                          <p:spTgt spid="3"/>
+                                        </p:tgtEl>
+                                        <p:attrNameLst>
+                                          <p:attrName>style.visibility</p:attrName>
+                                        </p:attrNameLst>
+                                      </p:cBhvr>
+                                      <p:to>
+                                        <p:strVal val="hidden"/>
+                                      </p:to>
+                                    </p:set>
+                                  </p:childTnLst>
+                                </p:cTn>
+                              </p:par>
+                              <p:par>
+                                <p:cTn id="7" presetID="1" presetClass="exit" presetSubtype="0" fill="hold" grpId="0" nodeType="withEffect">
+                                  <p:stCondLst>
+                                    <p:cond delay="0"/>
+                                  </p:stCondLst>
+                                  <p:childTnLst>
+                                    <p:set>
+                                      <p:cBhvr>
+                                        <p:cTn id="8" dur="1" fill="hold">
+                                          <p:stCondLst>
+                                            <p:cond delay="0"/>
+                                          </p:stCondLst>
+                                        </p:cTn>
+                                        <p:tgtEl>
+                                          <p:spTgt spid="4"/>
+                                        </p:tgtEl>
+                                        <p:attrNameLst>
+                                          <p:attrName>style.visibility</p:attrName>
+                                        </p:attrNameLst>
+                                      </p:cBhvr>
+                                      <p:to>
+                                        <p:strVal val="hidden"/>
+                                      </p:to>
+                                    </p:set>
+                                  </p:childTnLst>
+                                </p:cTn>
+                              </p:par>
+                            </p:childTnLst>
+                          </p:cTn>
+                        </p:par>
+                      </p:childTnLst>
+                    </p:cTn>
+                  </p:par>
+                  <p:par>
+                    <p:cTn id="9" fill="hold">
+                      <p:stCondLst>
+                        <p:cond delay="indefinite"/>
+                      </p:stCondLst>
+                      <p:childTnLst>
+                        <p:par>
+                          <p:cTn id="10" fill="hold">
+                            <p:stCondLst>
+                              <p:cond delay="0"/>
+                            </p:stCondLst>
+                            <p:childTnLst>
+                              <p:par>
+                                <p:cTn id="11" presetID="10" presetClass="entr" presetSubtype="0" fill="hold" grpId="1" nodeType="clickEffect">
+                                  <p:stCondLst>
+                                    <p:cond delay="0"/>
+                                  </p:stCondLst>
+                                  <p:childTnLst>
+                                    <p:set>
+                                      <p:cBhvr>
+                                        <p:cTn id="12" dur="1" fill="hold">
+                                          <p:stCondLst>
+                                            <p:cond delay="0"/>
+                                          </p:stCondLst>
+                                        </p:cTn>
+                                        <p:tgtEl>
+                                          <p:spTgt spid="3"/>
+                                        </p:tgtEl>
+                                        <p:attrNameLst>
+                                          <p:attrName>style.visibility</p:attrName>
+                                        </p:attrNameLst>
+                                      </p:cBhvr>
+                                      <p:to>
+                                        <p:strVal val="visible"/>
+                                      </p:to>
+                                    </p:set>
+                                    <p:animEffect transition="in" filter="fade">
+                                      <p:cBhvr>
+                                        <p:cTn id="13" dur="500"/>
+                                        <p:tgtEl>
+                                          <p:spTgt spid="3"/>
+                                        </p:tgtEl>
+                                      </p:cBhvr>
+                                    </p:animEffect>
+                                  </p:childTnLst>
+                                </p:cTn>
+                              </p:par>
+                            </p:childTnLst>
+                          </p:cTn>
+                        </p:par>
+                      </p:childTnLst>
+                    </p:cTn>
+                  </p:par>
+                  <p:par>
+                    <p:cTn id="14" fill="hold">
+                      <p:stCondLst>
+                        <p:cond delay="indefinite"/>
+                      </p:stCondLst>
+                      <p:childTnLst>
+                        <p:par>
+                          <p:cTn id="15" fill="hold">
+                            <p:stCondLst>
+                              <p:cond delay="0"/>
+                            </p:stCondLst>
+                            <p:childTnLst>
+                              <p:par>
+                                <p:cTn id="16" presetID="26" presetClass="entr" presetSubtype="0" fill="hold" grpId="1" nodeType="clickEffect">
+                                  <p:stCondLst>
+                                    <p:cond delay="0"/>
+                                  </p:stCondLst>
+                                  <p:childTnLst>
+                                    <p:set>
+                                      <p:cBhvr>
+                                        <p:cTn id="17" dur="1" fill="hold">
+                                          <p:stCondLst>
+                                            <p:cond delay="0"/>
+                                          </p:stCondLst>
+                                        </p:cTn>
+                                        <p:tgtEl>
+                                          <p:spTgt spid="4"/>
+                                        </p:tgtEl>
+                                        <p:attrNameLst>
+                                          <p:attrName>style.visibility</p:attrName>
+                                        </p:attrNameLst>
+                                      </p:cBhvr>
+                                      <p:to>
+                                        <p:strVal val="visible"/>
+                                      </p:to>
+                                    </p:set>
+                                    <p:animEffect transition="in" filter="wipe(down)">
+                                      <p:cBhvr>
+                                        <p:cTn id="18" dur="580">
+                                          <p:stCondLst>
+                                            <p:cond delay="0"/>
+                                          </p:stCondLst>
+                                        </p:cTn>
+                                        <p:tgtEl>
+                                          <p:spTgt spid="4"/>
+                                        </p:tgtEl>
+                                      </p:cBhvr>
+                                    </p:animEffect>
+                                    <p:anim calcmode="lin" valueType="num">
+                                      <p:cBhvr>
+                                        <p:cTn id="19" dur="1822" tmFilter="0,0; 0.14,0.36; 0.43,0.73; 0.71,0.91; 1.0,1.0">
+                                          <p:stCondLst>
+                                            <p:cond delay="0"/>
+                                          </p:stCondLst>
+                                        </p:cTn>
+                                        <p:tgtEl>
+                                          <p:spTgt spid="4"/>
+                                        </p:tgtEl>
+                                        <p:attrNameLst>
+                                          <p:attrName>ppt_x</p:attrName>
+                                        </p:attrNameLst>
+                                      </p:cBhvr>
+                                      <p:tavLst>
+                                        <p:tav tm="0">
+                                          <p:val>
+                                            <p:strVal val="#ppt_x-0.25"/>
+                                          </p:val>
+                                        </p:tav>
+                                        <p:tav tm="100000">
+                                          <p:val>
+                                            <p:strVal val="#ppt_x"/>
+                                          </p:val>
+                                        </p:tav>
+                                      </p:tavLst>
+                                    </p:anim>
+                                    <p:anim calcmode="lin" valueType="num">
+                                      <p:cBhvr>
+                                        <p:cTn id="20" dur="664" tmFilter="0.0,0.0; 0.25,0.07; 0.50,0.2; 0.75,0.467; 1.0,1.0">
+                                          <p:stCondLst>
+                                            <p:cond delay="0"/>
+                                          </p:stCondLst>
+                                        </p:cTn>
+                                        <p:tgtEl>
+                                          <p:spTgt spid="4"/>
+                                        </p:tgtEl>
+                                        <p:attrNameLst>
+                                          <p:attrName>ppt_y</p:attrName>
+                                        </p:attrNameLst>
+                                      </p:cBhvr>
+                                      <p:tavLst>
+                                        <p:tav tm="0" fmla="#ppt_y-sin(pi*$)/3">
+                                          <p:val>
+                                            <p:fltVal val="0.5"/>
+                                          </p:val>
+                                        </p:tav>
+                                        <p:tav tm="100000">
+                                          <p:val>
+                                            <p:fltVal val="1"/>
+                                          </p:val>
+                                        </p:tav>
+                                      </p:tavLst>
+                                    </p:anim>
+                                    <p:anim calcmode="lin" valueType="num">
+                                      <p:cBhvr>
+                                        <p:cTn id="21" dur="664" tmFilter="0, 0; 0.125,0.2665; 0.25,0.4; 0.375,0.465; 0.5,0.5;  0.625,0.535; 0.75,0.6; 0.875,0.7335; 1,1">
+                                          <p:stCondLst>
+                                            <p:cond delay="664"/>
+                                          </p:stCondLst>
+                                        </p:cTn>
+                                        <p:tgtEl>
+                                          <p:spTgt spid="4"/>
+                                        </p:tgtEl>
+                                        <p:attrNameLst>
+                                          <p:attrName>ppt_y</p:attrName>
+                                        </p:attrNameLst>
+                                      </p:cBhvr>
+                                      <p:tavLst>
+                                        <p:tav tm="0" fmla="#ppt_y-sin(pi*$)/9">
+                                          <p:val>
+                                            <p:fltVal val="0"/>
+                                          </p:val>
+                                        </p:tav>
+                                        <p:tav tm="100000">
+                                          <p:val>
+                                            <p:fltVal val="1"/>
+                                          </p:val>
+                                        </p:tav>
+                                      </p:tavLst>
+                                    </p:anim>
+                                    <p:anim calcmode="lin" valueType="num">
+                                      <p:cBhvr>
+                                        <p:cTn id="22" dur="332" tmFilter="0, 0; 0.125,0.2665; 0.25,0.4; 0.375,0.465; 0.5,0.5;  0.625,0.535; 0.75,0.6; 0.875,0.7335; 1,1">
+                                          <p:stCondLst>
+                                            <p:cond delay="1324"/>
+                                          </p:stCondLst>
+                                        </p:cTn>
+                                        <p:tgtEl>
+                                          <p:spTgt spid="4"/>
+                                        </p:tgtEl>
+                                        <p:attrNameLst>
+                                          <p:attrName>ppt_y</p:attrName>
+                                        </p:attrNameLst>
+                                      </p:cBhvr>
+                                      <p:tavLst>
+                                        <p:tav tm="0" fmla="#ppt_y-sin(pi*$)/27">
+                                          <p:val>
+                                            <p:fltVal val="0"/>
+                                          </p:val>
+                                        </p:tav>
+                                        <p:tav tm="100000">
+                                          <p:val>
+                                            <p:fltVal val="1"/>
+                                          </p:val>
+                                        </p:tav>
+                                      </p:tavLst>
+                                    </p:anim>
+                                    <p:anim calcmode="lin" valueType="num">
+                                      <p:cBhvr>
+                                        <p:cTn id="23" dur="164" tmFilter="0, 0; 0.125,0.2665; 0.25,0.4; 0.375,0.465; 0.5,0.5;  0.625,0.535; 0.75,0.6; 0.875,0.7335; 1,1">
+                                          <p:stCondLst>
+                                            <p:cond delay="1656"/>
+                                          </p:stCondLst>
+                                        </p:cTn>
+                                        <p:tgtEl>
+                                          <p:spTgt spid="4"/>
+                                        </p:tgtEl>
+                                        <p:attrNameLst>
+                                          <p:attrName>ppt_y</p:attrName>
+                                        </p:attrNameLst>
+                                      </p:cBhvr>
+                                      <p:tavLst>
+                                        <p:tav tm="0" fmla="#ppt_y-sin(pi*$)/81">
+                                          <p:val>
+                                            <p:fltVal val="0"/>
+                                          </p:val>
+                                        </p:tav>
+                                        <p:tav tm="100000">
+                                          <p:val>
+                                            <p:fltVal val="1"/>
+                                          </p:val>
+                                        </p:tav>
+                                      </p:tavLst>
+                                    </p:anim>
+                                    <p:animScale>
+                                      <p:cBhvr>
+                                        <p:cTn id="24" dur="26">
+                                          <p:stCondLst>
+                                            <p:cond delay="650"/>
+                                          </p:stCondLst>
+                                        </p:cTn>
+                                        <p:tgtEl>
+                                          <p:spTgt spid="4"/>
+                                        </p:tgtEl>
+                                      </p:cBhvr>
+                                      <p:to x="100000" y="60000"/>
+                                    </p:animScale>
+                                    <p:animScale>
+                                      <p:cBhvr>
+                                        <p:cTn id="25" dur="166" decel="50000">
+                                          <p:stCondLst>
+                                            <p:cond delay="676"/>
+                                          </p:stCondLst>
+                                        </p:cTn>
+                                        <p:tgtEl>
+                                          <p:spTgt spid="4"/>
+                                        </p:tgtEl>
+                                      </p:cBhvr>
+                                      <p:to x="100000" y="100000"/>
+                                    </p:animScale>
+                                    <p:animScale>
+                                      <p:cBhvr>
+                                        <p:cTn id="26" dur="26">
+                                          <p:stCondLst>
+                                            <p:cond delay="1312"/>
+                                          </p:stCondLst>
+                                        </p:cTn>
+                                        <p:tgtEl>
+                                          <p:spTgt spid="4"/>
+                                        </p:tgtEl>
+                                      </p:cBhvr>
+                                      <p:to x="100000" y="80000"/>
+                                    </p:animScale>
+                                    <p:animScale>
+                                      <p:cBhvr>
+                                        <p:cTn id="27" dur="166" decel="50000">
+                                          <p:stCondLst>
+                                            <p:cond delay="1338"/>
+                                          </p:stCondLst>
+                                        </p:cTn>
+                                        <p:tgtEl>
+                                          <p:spTgt spid="4"/>
+                                        </p:tgtEl>
+                                      </p:cBhvr>
+                                      <p:to x="100000" y="100000"/>
+                                    </p:animScale>
+                                    <p:animScale>
+                                      <p:cBhvr>
+                                        <p:cTn id="28" dur="26">
+                                          <p:stCondLst>
+                                            <p:cond delay="1642"/>
+                                          </p:stCondLst>
+                                        </p:cTn>
+                                        <p:tgtEl>
+                                          <p:spTgt spid="4"/>
+                                        </p:tgtEl>
+                                      </p:cBhvr>
+                                      <p:to x="100000" y="90000"/>
+                                    </p:animScale>
+                                    <p:animScale>
+                                      <p:cBhvr>
+                                        <p:cTn id="29" dur="166" decel="50000">
+                                          <p:stCondLst>
+                                            <p:cond delay="1668"/>
+                                          </p:stCondLst>
+                                        </p:cTn>
+                                        <p:tgtEl>
+                                          <p:spTgt spid="4"/>
+                                        </p:tgtEl>
+                                      </p:cBhvr>
+                                      <p:to x="100000" y="100000"/>
+                                    </p:animScale>
+                                    <p:animScale>
+                                      <p:cBhvr>
+                                        <p:cTn id="30" dur="26">
+                                          <p:stCondLst>
+                                            <p:cond delay="1808"/>
+                                          </p:stCondLst>
+                                        </p:cTn>
+                                        <p:tgtEl>
+                                          <p:spTgt spid="4"/>
+                                        </p:tgtEl>
+                                      </p:cBhvr>
+                                      <p:to x="100000" y="95000"/>
+                                    </p:animScale>
+                                    <p:animScale>
+                                      <p:cBhvr>
+                                        <p:cTn id="31" dur="166" decel="50000">
+                                          <p:stCondLst>
+                                            <p:cond delay="1834"/>
+                                          </p:stCondLst>
+                                        </p:cTn>
+                                        <p:tgtEl>
+                                          <p:spTgt spid="4"/>
+                                        </p:tgtEl>
+                                      </p:cBhvr>
+                                      <p:to x="100000" y="100000"/>
+                                    </p:animScale>
+                                  </p:childTnLst>
+                                </p:cTn>
+                              </p:par>
+                            </p:childTnLst>
+                          </p:cTn>
+                        </p:par>
+                      </p:childTnLst>
+                    </p:cTn>
+                  </p:par>
+                </p:childTnLst>
+              </p:cTn>
+              <p:prevCondLst>
+                <p:cond evt="onPrev" delay="0">
+                  <p:tgtEl>
+                    <p:sldTgt/>
+                  </p:tgtEl>
+                </p:cond>
+              </p:prevCondLst>
+              <p:nextCondLst>
+                <p:cond evt="onNext" delay="0">
+                  <p:tgtEl>
+                    <p:sldTgt/>
+                  </p:tgtEl>
+                </p:cond>
+              </p:nextCondLst>
+            </p:seq>
+          </p:childTnLst>
+        </p:cTn>
+      </p:par>
+    </p:tnLst>
+    <p:bldLst>
+      <p:bldP spid="3" grpId="0"/>
+      <p:bldP spid="3" grpId="1"/>
+      <p:bldP spid="4" grpId="0"/>
+      <p:bldP spid="4" grpId="1"/>
+    </p:bldLst>
+  </p:timing>
+</p:sld>
+</file>
+
+<file path=ppt/slides/slide11.xml><?xml version="1.0" encoding="utf-8"?>
+<p:sld xmlns:a="http://schemas.openxmlformats.org/drawingml/2006/main" xmlns:r="http://schemas.openxmlformats.org/officeDocument/2006/relationships" xmlns:p="http://schemas.openxmlformats.org/presentationml/2006/main">
+  <p:cSld>
+    <p:spTree>
+      <p:nvGrpSpPr>
+        <p:cNvPr id="1" name=""/>
+        <p:cNvGrpSpPr/>
+        <p:nvPr/>
+      </p:nvGrpSpPr>
+      <p:grpSpPr>
+        <a:xfrm>
+          <a:off x="0" y="0"/>
+          <a:ext cx="0" cy="0"/>
+          <a:chOff x="0" y="0"/>
+          <a:chExt cx="0" cy="0"/>
+        </a:xfrm>
+      </p:grpSpPr>
+      <p:sp>
+        <p:nvSpPr>
+          <p:cNvPr id="2" name="Title 1">
+            <a:extLst>
+              <a:ext uri="{FF2B5EF4-FFF2-40B4-BE49-F238E27FC236}">
+                <a16:creationId xmlns:a16="http://schemas.microsoft.com/office/drawing/2014/main" id="{465FE338-8D59-4C44-9919-282B3DCF3828}"/>
+              </a:ext>
+            </a:extLst>
+          </p:cNvPr>
+          <p:cNvSpPr>
+            <a:spLocks noGrp="1"/>
+          </p:cNvSpPr>
+          <p:nvPr>
+            <p:ph type="title"/>
+          </p:nvPr>
+        </p:nvSpPr>
+        <p:spPr/>
+        <p:txBody>
+          <a:bodyPr/>
+          <a:lstStyle/>
+          <a:p>
+            <a:r>
+              <a:rPr lang="ko-KR" altLang="en-US" dirty="0"/>
+              <a:t>시그널 </a:t>
+            </a:r>
+            <a:r>
+              <a:rPr lang="en-US" altLang="ko-KR" dirty="0"/>
+              <a:t>- Sinusoid</a:t>
+            </a:r>
+            <a:endParaRPr lang="en-US" dirty="0"/>
+          </a:p>
+        </p:txBody>
+      </p:sp>
+      <p:sp>
+        <p:nvSpPr>
+          <p:cNvPr id="3" name="Content Placeholder 2">
+            <a:extLst>
+              <a:ext uri="{FF2B5EF4-FFF2-40B4-BE49-F238E27FC236}">
+                <a16:creationId xmlns:a16="http://schemas.microsoft.com/office/drawing/2014/main" id="{496199A0-D814-40DD-948E-59BEABF12F6A}"/>
+              </a:ext>
+            </a:extLst>
+          </p:cNvPr>
+          <p:cNvSpPr>
+            <a:spLocks noGrp="1"/>
+          </p:cNvSpPr>
+          <p:nvPr>
+            <p:ph idx="1"/>
+          </p:nvPr>
+        </p:nvSpPr>
+        <p:spPr>
+          <a:xfrm>
+            <a:off x="598620" y="2054655"/>
+            <a:ext cx="10972800" cy="4285987"/>
+          </a:xfrm>
+        </p:spPr>
+        <p:txBody>
+          <a:bodyPr>
+            <a:normAutofit/>
+          </a:bodyPr>
+          <a:lstStyle/>
+          <a:p>
+            <a:r>
+              <a:rPr lang="en-US" altLang="ko-KR" dirty="0"/>
+              <a:t>Taylor Series </a:t>
+            </a:r>
+          </a:p>
+          <a:p>
+            <a:pPr lvl="1"/>
+            <a:r>
+              <a:rPr lang="en-US" altLang="ko-KR" dirty="0" err="1"/>
+              <a:t>e</a:t>
+            </a:r>
+            <a:r>
+              <a:rPr lang="en-US" altLang="ko-KR" baseline="30000" dirty="0" err="1"/>
+              <a:t>iθ</a:t>
+            </a:r>
+            <a:r>
+              <a:rPr lang="en-US" altLang="ko-KR" dirty="0"/>
+              <a:t> =</a:t>
+            </a:r>
+            <a:r>
+              <a:rPr lang="en-US" altLang="ko-KR" baseline="30000" dirty="0"/>
+              <a:t> </a:t>
+            </a:r>
+            <a:r>
+              <a:rPr lang="en-US" altLang="ko-KR" dirty="0"/>
+              <a:t>1 + (</a:t>
+            </a:r>
+            <a:r>
+              <a:rPr lang="en-US" altLang="ko-KR" dirty="0" err="1"/>
+              <a:t>iθ</a:t>
+            </a:r>
+            <a:r>
+              <a:rPr lang="en-US" altLang="ko-KR" dirty="0"/>
+              <a:t>) + (</a:t>
+            </a:r>
+            <a:r>
+              <a:rPr lang="en-US" altLang="ko-KR" dirty="0" err="1"/>
+              <a:t>iθ</a:t>
+            </a:r>
+            <a:r>
+              <a:rPr lang="en-US" altLang="ko-KR" dirty="0"/>
+              <a:t>)</a:t>
+            </a:r>
+            <a:r>
+              <a:rPr lang="en-US" altLang="ko-KR" baseline="30000" dirty="0"/>
+              <a:t>2</a:t>
+            </a:r>
+            <a:r>
+              <a:rPr lang="en-US" altLang="ko-KR" dirty="0"/>
+              <a:t>/2! + (</a:t>
+            </a:r>
+            <a:r>
+              <a:rPr lang="en-US" altLang="ko-KR" dirty="0" err="1"/>
+              <a:t>iθ</a:t>
+            </a:r>
+            <a:r>
+              <a:rPr lang="en-US" altLang="ko-KR" dirty="0"/>
+              <a:t>)</a:t>
+            </a:r>
+            <a:r>
+              <a:rPr lang="en-US" altLang="ko-KR" baseline="30000" dirty="0"/>
+              <a:t>3</a:t>
+            </a:r>
+            <a:r>
+              <a:rPr lang="en-US" altLang="ko-KR" dirty="0"/>
+              <a:t>/3! + (</a:t>
+            </a:r>
+            <a:r>
+              <a:rPr lang="en-US" altLang="ko-KR" dirty="0" err="1"/>
+              <a:t>iθ</a:t>
+            </a:r>
+            <a:r>
+              <a:rPr lang="en-US" altLang="ko-KR" dirty="0"/>
+              <a:t>)</a:t>
+            </a:r>
+            <a:r>
+              <a:rPr lang="en-US" altLang="ko-KR" baseline="30000" dirty="0"/>
+              <a:t>3</a:t>
+            </a:r>
+            <a:r>
+              <a:rPr lang="en-US" altLang="ko-KR" dirty="0"/>
+              <a:t>/3! + (</a:t>
+            </a:r>
+            <a:r>
+              <a:rPr lang="en-US" altLang="ko-KR" dirty="0" err="1"/>
+              <a:t>iθ</a:t>
+            </a:r>
+            <a:r>
+              <a:rPr lang="en-US" altLang="ko-KR" dirty="0"/>
+              <a:t>)</a:t>
+            </a:r>
+            <a:r>
+              <a:rPr lang="en-US" altLang="ko-KR" baseline="30000" dirty="0"/>
+              <a:t>4</a:t>
+            </a:r>
+            <a:r>
+              <a:rPr lang="en-US" altLang="ko-KR" dirty="0"/>
+              <a:t>/4! + ……</a:t>
+            </a:r>
+          </a:p>
+          <a:p>
+            <a:pPr marL="914400" lvl="2" indent="0">
+              <a:buNone/>
+            </a:pPr>
+            <a:r>
+              <a:rPr lang="en-US" altLang="ko-KR" sz="2800" dirty="0"/>
+              <a:t>   = </a:t>
+            </a:r>
+            <a:r>
+              <a:rPr lang="en-US" altLang="ko-KR" sz="2800" dirty="0">
+                <a:solidFill>
+                  <a:schemeClr val="accent5"/>
+                </a:solidFill>
+              </a:rPr>
+              <a:t>(1 - θ</a:t>
+            </a:r>
+            <a:r>
+              <a:rPr lang="en-US" altLang="ko-KR" sz="2800" baseline="30000" dirty="0">
+                <a:solidFill>
+                  <a:schemeClr val="accent5"/>
+                </a:solidFill>
+              </a:rPr>
+              <a:t>2</a:t>
+            </a:r>
+            <a:r>
+              <a:rPr lang="en-US" altLang="ko-KR" sz="2800" dirty="0">
+                <a:solidFill>
+                  <a:schemeClr val="accent5"/>
+                </a:solidFill>
+              </a:rPr>
+              <a:t>/2! + θ</a:t>
+            </a:r>
+            <a:r>
+              <a:rPr lang="en-US" altLang="ko-KR" sz="2800" baseline="30000" dirty="0">
+                <a:solidFill>
+                  <a:schemeClr val="accent5"/>
+                </a:solidFill>
+              </a:rPr>
+              <a:t>4</a:t>
+            </a:r>
+            <a:r>
+              <a:rPr lang="en-US" altLang="ko-KR" sz="2800" dirty="0">
+                <a:solidFill>
+                  <a:schemeClr val="accent5"/>
+                </a:solidFill>
+              </a:rPr>
+              <a:t>/4! – θ</a:t>
+            </a:r>
+            <a:r>
+              <a:rPr lang="en-US" altLang="ko-KR" sz="2800" baseline="30000" dirty="0">
+                <a:solidFill>
+                  <a:schemeClr val="accent5"/>
+                </a:solidFill>
+              </a:rPr>
+              <a:t>6</a:t>
+            </a:r>
+            <a:r>
+              <a:rPr lang="en-US" altLang="ko-KR" sz="2800" dirty="0">
+                <a:solidFill>
+                  <a:schemeClr val="accent5"/>
+                </a:solidFill>
+              </a:rPr>
+              <a:t>/6! + …. )</a:t>
+            </a:r>
+            <a:r>
+              <a:rPr lang="en-US" altLang="ko-KR" sz="2800" dirty="0"/>
+              <a:t> + </a:t>
+            </a:r>
+            <a:r>
+              <a:rPr lang="en-US" altLang="ko-KR" sz="2800" dirty="0" err="1"/>
+              <a:t>i</a:t>
+            </a:r>
+            <a:r>
+              <a:rPr lang="en-US" altLang="ko-KR" sz="2800" dirty="0"/>
+              <a:t> </a:t>
+            </a:r>
+            <a:r>
+              <a:rPr lang="en-US" altLang="ko-KR" sz="2800" dirty="0">
+                <a:solidFill>
+                  <a:schemeClr val="accent6"/>
+                </a:solidFill>
+              </a:rPr>
+              <a:t>(θ - θ</a:t>
+            </a:r>
+            <a:r>
+              <a:rPr lang="en-US" altLang="ko-KR" sz="2800" baseline="30000" dirty="0">
+                <a:solidFill>
+                  <a:schemeClr val="accent6"/>
+                </a:solidFill>
+              </a:rPr>
+              <a:t>3</a:t>
+            </a:r>
+            <a:r>
+              <a:rPr lang="en-US" altLang="ko-KR" sz="2800" dirty="0">
+                <a:solidFill>
+                  <a:schemeClr val="accent6"/>
+                </a:solidFill>
+              </a:rPr>
+              <a:t>/3! + θ</a:t>
+            </a:r>
+            <a:r>
+              <a:rPr lang="en-US" altLang="ko-KR" sz="2800" baseline="30000" dirty="0">
+                <a:solidFill>
+                  <a:schemeClr val="accent6"/>
+                </a:solidFill>
+              </a:rPr>
+              <a:t>5</a:t>
+            </a:r>
+            <a:r>
+              <a:rPr lang="en-US" altLang="ko-KR" sz="2800" dirty="0">
+                <a:solidFill>
+                  <a:schemeClr val="accent6"/>
+                </a:solidFill>
+              </a:rPr>
+              <a:t>/5! – θ</a:t>
+            </a:r>
+            <a:r>
+              <a:rPr lang="en-US" altLang="ko-KR" sz="2800" baseline="30000" dirty="0">
+                <a:solidFill>
+                  <a:schemeClr val="accent6"/>
+                </a:solidFill>
+              </a:rPr>
+              <a:t>7</a:t>
+            </a:r>
+            <a:r>
+              <a:rPr lang="en-US" altLang="ko-KR" sz="2800" dirty="0">
+                <a:solidFill>
+                  <a:schemeClr val="accent6"/>
+                </a:solidFill>
+              </a:rPr>
+              <a:t>/7! + …. )</a:t>
+            </a:r>
+            <a:endParaRPr lang="ko-KR" altLang="en-US" sz="2800" dirty="0">
+              <a:solidFill>
+                <a:schemeClr val="accent6"/>
+              </a:solidFill>
+            </a:endParaRPr>
+          </a:p>
+          <a:p>
+            <a:pPr lvl="1"/>
+            <a:endParaRPr lang="en-US" altLang="ko-KR" dirty="0"/>
+          </a:p>
+          <a:p>
+            <a:pPr lvl="1"/>
+            <a:r>
+              <a:rPr lang="en-US" altLang="ko-KR" dirty="0"/>
+              <a:t>Taylor Series of </a:t>
+            </a:r>
+            <a:r>
+              <a:rPr lang="en-US" altLang="ko-KR" dirty="0" err="1">
+                <a:solidFill>
+                  <a:schemeClr val="accent5"/>
+                </a:solidFill>
+              </a:rPr>
+              <a:t>Cos</a:t>
+            </a:r>
+            <a:r>
+              <a:rPr lang="en-US" altLang="ko-KR" dirty="0" err="1"/>
+              <a:t>θ</a:t>
+            </a:r>
+            <a:r>
+              <a:rPr lang="en-US" altLang="ko-KR" dirty="0">
+                <a:solidFill>
+                  <a:schemeClr val="accent5"/>
+                </a:solidFill>
+              </a:rPr>
+              <a:t> </a:t>
+            </a:r>
+            <a:r>
+              <a:rPr lang="en-US" altLang="ko-KR" dirty="0"/>
+              <a:t>=</a:t>
+            </a:r>
+            <a:r>
+              <a:rPr lang="en-US" altLang="ko-KR" dirty="0">
+                <a:solidFill>
+                  <a:schemeClr val="accent5"/>
+                </a:solidFill>
+              </a:rPr>
+              <a:t> (1 - θ</a:t>
+            </a:r>
+            <a:r>
+              <a:rPr lang="en-US" altLang="ko-KR" baseline="30000" dirty="0">
+                <a:solidFill>
+                  <a:schemeClr val="accent5"/>
+                </a:solidFill>
+              </a:rPr>
+              <a:t>2</a:t>
+            </a:r>
+            <a:r>
+              <a:rPr lang="en-US" altLang="ko-KR" dirty="0">
+                <a:solidFill>
+                  <a:schemeClr val="accent5"/>
+                </a:solidFill>
+              </a:rPr>
+              <a:t>/2! + θ</a:t>
+            </a:r>
+            <a:r>
+              <a:rPr lang="en-US" altLang="ko-KR" baseline="30000" dirty="0">
+                <a:solidFill>
+                  <a:schemeClr val="accent5"/>
+                </a:solidFill>
+              </a:rPr>
+              <a:t>4</a:t>
+            </a:r>
+            <a:r>
+              <a:rPr lang="en-US" altLang="ko-KR" dirty="0">
+                <a:solidFill>
+                  <a:schemeClr val="accent5"/>
+                </a:solidFill>
+              </a:rPr>
+              <a:t>/4! – θ</a:t>
+            </a:r>
+            <a:r>
+              <a:rPr lang="en-US" altLang="ko-KR" baseline="30000" dirty="0">
+                <a:solidFill>
+                  <a:schemeClr val="accent5"/>
+                </a:solidFill>
+              </a:rPr>
+              <a:t>6</a:t>
+            </a:r>
+            <a:r>
+              <a:rPr lang="en-US" altLang="ko-KR" dirty="0">
+                <a:solidFill>
+                  <a:schemeClr val="accent5"/>
+                </a:solidFill>
+              </a:rPr>
+              <a:t>/6! + …. )</a:t>
+            </a:r>
+          </a:p>
+          <a:p>
+            <a:pPr lvl="1"/>
+            <a:r>
+              <a:rPr lang="en-US" altLang="ko-KR" dirty="0"/>
+              <a:t>Taylor Series of </a:t>
+            </a:r>
+            <a:r>
+              <a:rPr lang="en-US" altLang="ko-KR" dirty="0" err="1">
+                <a:solidFill>
+                  <a:schemeClr val="accent6"/>
+                </a:solidFill>
+              </a:rPr>
+              <a:t>Sin</a:t>
+            </a:r>
+            <a:r>
+              <a:rPr lang="en-US" altLang="ko-KR" dirty="0" err="1"/>
+              <a:t>θ</a:t>
+            </a:r>
+            <a:r>
+              <a:rPr lang="en-US" altLang="ko-KR" dirty="0">
+                <a:solidFill>
+                  <a:schemeClr val="accent5"/>
+                </a:solidFill>
+              </a:rPr>
+              <a:t> </a:t>
+            </a:r>
+            <a:r>
+              <a:rPr lang="en-US" altLang="ko-KR" dirty="0"/>
+              <a:t>=</a:t>
+            </a:r>
+            <a:r>
+              <a:rPr lang="en-US" altLang="ko-KR" dirty="0">
+                <a:solidFill>
+                  <a:schemeClr val="accent5"/>
+                </a:solidFill>
+              </a:rPr>
+              <a:t> </a:t>
+            </a:r>
+            <a:r>
+              <a:rPr lang="en-US" altLang="ko-KR" dirty="0">
+                <a:solidFill>
+                  <a:schemeClr val="accent6"/>
+                </a:solidFill>
+              </a:rPr>
+              <a:t>(θ - θ</a:t>
+            </a:r>
+            <a:r>
+              <a:rPr lang="en-US" altLang="ko-KR" baseline="30000" dirty="0">
+                <a:solidFill>
+                  <a:schemeClr val="accent6"/>
+                </a:solidFill>
+              </a:rPr>
+              <a:t>3</a:t>
+            </a:r>
+            <a:r>
+              <a:rPr lang="en-US" altLang="ko-KR" dirty="0">
+                <a:solidFill>
+                  <a:schemeClr val="accent6"/>
+                </a:solidFill>
+              </a:rPr>
+              <a:t>/3! + θ</a:t>
+            </a:r>
+            <a:r>
+              <a:rPr lang="en-US" altLang="ko-KR" baseline="30000" dirty="0">
+                <a:solidFill>
+                  <a:schemeClr val="accent6"/>
+                </a:solidFill>
+              </a:rPr>
+              <a:t>5</a:t>
+            </a:r>
+            <a:r>
+              <a:rPr lang="en-US" altLang="ko-KR" dirty="0">
+                <a:solidFill>
+                  <a:schemeClr val="accent6"/>
+                </a:solidFill>
+              </a:rPr>
+              <a:t>/5! – θ</a:t>
+            </a:r>
+            <a:r>
+              <a:rPr lang="en-US" altLang="ko-KR" baseline="30000" dirty="0">
+                <a:solidFill>
+                  <a:schemeClr val="accent6"/>
+                </a:solidFill>
+              </a:rPr>
+              <a:t>7</a:t>
+            </a:r>
+            <a:r>
+              <a:rPr lang="en-US" altLang="ko-KR" dirty="0">
+                <a:solidFill>
+                  <a:schemeClr val="accent6"/>
+                </a:solidFill>
+              </a:rPr>
+              <a:t>/7! + …. )</a:t>
+            </a:r>
+          </a:p>
+          <a:p>
+            <a:pPr lvl="1"/>
+            <a:endParaRPr lang="en-US" altLang="ko-KR" dirty="0">
+              <a:solidFill>
+                <a:schemeClr val="accent6"/>
+              </a:solidFill>
+            </a:endParaRPr>
+          </a:p>
+          <a:p>
+            <a:pPr lvl="1"/>
+            <a:r>
+              <a:rPr lang="en-US" altLang="ko-KR" dirty="0" err="1"/>
+              <a:t>e</a:t>
+            </a:r>
+            <a:r>
+              <a:rPr lang="en-US" altLang="ko-KR" baseline="30000" dirty="0" err="1"/>
+              <a:t>iθ</a:t>
+            </a:r>
+            <a:r>
+              <a:rPr lang="en-US" altLang="ko-KR" dirty="0"/>
+              <a:t> = </a:t>
+            </a:r>
+            <a:r>
+              <a:rPr lang="en-US" altLang="ko-KR" dirty="0" err="1">
+                <a:solidFill>
+                  <a:schemeClr val="accent5"/>
+                </a:solidFill>
+              </a:rPr>
+              <a:t>Cos</a:t>
+            </a:r>
+            <a:r>
+              <a:rPr lang="en-US" altLang="ko-KR" dirty="0" err="1"/>
+              <a:t>θ</a:t>
+            </a:r>
+            <a:r>
+              <a:rPr lang="en-US" altLang="ko-KR" dirty="0"/>
+              <a:t> + </a:t>
+            </a:r>
+            <a:r>
+              <a:rPr lang="en-US" altLang="ko-KR" dirty="0" err="1"/>
+              <a:t>i</a:t>
+            </a:r>
+            <a:r>
+              <a:rPr lang="en-US" altLang="ko-KR" dirty="0">
+                <a:solidFill>
+                  <a:schemeClr val="accent6"/>
+                </a:solidFill>
+              </a:rPr>
+              <a:t> </a:t>
+            </a:r>
+            <a:r>
+              <a:rPr lang="en-US" altLang="ko-KR" dirty="0" err="1">
+                <a:solidFill>
+                  <a:schemeClr val="accent6"/>
+                </a:solidFill>
+              </a:rPr>
+              <a:t>Sin</a:t>
+            </a:r>
+            <a:r>
+              <a:rPr lang="en-US" altLang="ko-KR" dirty="0" err="1"/>
+              <a:t>θ</a:t>
+            </a:r>
+            <a:endParaRPr lang="ko-KR" altLang="en-US" dirty="0"/>
+          </a:p>
+        </p:txBody>
+      </p:sp>
+    </p:spTree>
+    <p:extLst>
+      <p:ext uri="{BB962C8B-B14F-4D97-AF65-F5344CB8AC3E}">
+        <p14:creationId xmlns:p14="http://schemas.microsoft.com/office/powerpoint/2010/main" val="496384843"/>
+      </p:ext>
+    </p:extLst>
+  </p:cSld>
+  <p:clrMapOvr>
+    <a:masterClrMapping/>
+  </p:clrMapOvr>
+  <p:timing>
+    <p:tnLst>
+      <p:par>
+        <p:cTn id="1" dur="indefinite" restart="never" nodeType="tmRoot">
+          <p:childTnLst>
+            <p:seq concurrent="1" nextAc="seek">
+              <p:cTn id="2" dur="indefinite" nodeType="mainSeq">
+                <p:childTnLst>
+                  <p:par>
+                    <p:cTn id="3" fill="hold">
+                      <p:stCondLst>
+                        <p:cond delay="indefinite"/>
+                        <p:cond evt="onBegin" delay="0">
+                          <p:tn val="2"/>
+                        </p:cond>
+                      </p:stCondLst>
+                      <p:childTnLst>
+                        <p:par>
+                          <p:cTn id="4" fill="hold">
+                            <p:stCondLst>
+                              <p:cond delay="0"/>
+                            </p:stCondLst>
+                            <p:childTnLst>
+                              <p:par>
+                                <p:cTn id="5" presetID="1" presetClass="exit" presetSubtype="0" fill="hold" grpId="0" nodeType="withEffect">
+                                  <p:stCondLst>
+                                    <p:cond delay="0"/>
+                                  </p:stCondLst>
+                                  <p:childTnLst>
+                                    <p:set>
+                                      <p:cBhvr>
+                                        <p:cTn id="6" dur="1" fill="hold">
+                                          <p:stCondLst>
+                                            <p:cond delay="0"/>
+                                          </p:stCondLst>
+                                        </p:cTn>
+                                        <p:tgtEl>
+                                          <p:spTgt spid="3"/>
+                                        </p:tgtEl>
+                                        <p:attrNameLst>
+                                          <p:attrName>style.visibility</p:attrName>
+                                        </p:attrNameLst>
+                                      </p:cBhvr>
+                                      <p:to>
+                                        <p:strVal val="hidden"/>
+                                      </p:to>
+                                    </p:set>
+                                  </p:childTnLst>
+                                </p:cTn>
+                              </p:par>
+                            </p:childTnLst>
+                          </p:cTn>
+                        </p:par>
+                      </p:childTnLst>
+                    </p:cTn>
+                  </p:par>
+                  <p:par>
+                    <p:cTn id="7" fill="hold">
+                      <p:stCondLst>
+                        <p:cond delay="indefinite"/>
+                      </p:stCondLst>
+                      <p:childTnLst>
+                        <p:par>
+                          <p:cTn id="8" fill="hold">
+                            <p:stCondLst>
+                              <p:cond delay="0"/>
+                            </p:stCondLst>
+                            <p:childTnLst>
+                              <p:par>
+                                <p:cTn id="9" presetID="10" presetClass="entr" presetSubtype="0" fill="hold" grpId="1" nodeType="clickEffect">
+                                  <p:stCondLst>
+                                    <p:cond delay="0"/>
+                                  </p:stCondLst>
+                                  <p:childTnLst>
+                                    <p:set>
+                                      <p:cBhvr>
+                                        <p:cTn id="10" dur="1" fill="hold">
+                                          <p:stCondLst>
+                                            <p:cond delay="0"/>
+                                          </p:stCondLst>
+                                        </p:cTn>
+                                        <p:tgtEl>
+                                          <p:spTgt spid="3"/>
+                                        </p:tgtEl>
+                                        <p:attrNameLst>
+                                          <p:attrName>style.visibility</p:attrName>
+                                        </p:attrNameLst>
+                                      </p:cBhvr>
+                                      <p:to>
+                                        <p:strVal val="visible"/>
+                                      </p:to>
+                                    </p:set>
+                                    <p:animEffect transition="in" filter="fade">
+                                      <p:cBhvr>
+                                        <p:cTn id="11" dur="500"/>
+                                        <p:tgtEl>
+                                          <p:spTgt spid="3"/>
+                                        </p:tgtEl>
+                                      </p:cBhvr>
+                                    </p:animEffect>
+                                  </p:childTnLst>
+                                </p:cTn>
+                              </p:par>
+                            </p:childTnLst>
+                          </p:cTn>
+                        </p:par>
+                      </p:childTnLst>
+                    </p:cTn>
+                  </p:par>
+                </p:childTnLst>
+              </p:cTn>
+              <p:prevCondLst>
+                <p:cond evt="onPrev" delay="0">
+                  <p:tgtEl>
+                    <p:sldTgt/>
+                  </p:tgtEl>
+                </p:cond>
+              </p:prevCondLst>
+              <p:nextCondLst>
+                <p:cond evt="onNext" delay="0">
+                  <p:tgtEl>
+                    <p:sldTgt/>
+                  </p:tgtEl>
+                </p:cond>
+              </p:nextCondLst>
+            </p:seq>
+          </p:childTnLst>
+        </p:cTn>
+      </p:par>
+    </p:tnLst>
+    <p:bldLst>
+      <p:bldP spid="3" grpId="0"/>
+      <p:bldP spid="3" grpId="1"/>
+    </p:bldLst>
+  </p:timing>
+</p:sld>
+</file>
+
+<file path=ppt/slides/slide12.xml><?xml version="1.0" encoding="utf-8"?>
+<p:sld xmlns:a="http://schemas.openxmlformats.org/drawingml/2006/main" xmlns:r="http://schemas.openxmlformats.org/officeDocument/2006/relationships" xmlns:p="http://schemas.openxmlformats.org/presentationml/2006/main">
+  <p:cSld>
+    <p:spTree>
+      <p:nvGrpSpPr>
+        <p:cNvPr id="1" name=""/>
+        <p:cNvGrpSpPr/>
+        <p:nvPr/>
+      </p:nvGrpSpPr>
+      <p:grpSpPr>
+        <a:xfrm>
+          <a:off x="0" y="0"/>
+          <a:ext cx="0" cy="0"/>
+          <a:chOff x="0" y="0"/>
+          <a:chExt cx="0" cy="0"/>
+        </a:xfrm>
+      </p:grpSpPr>
+      <p:sp>
+        <p:nvSpPr>
+          <p:cNvPr id="2" name="Title 1">
+            <a:extLst>
+              <a:ext uri="{FF2B5EF4-FFF2-40B4-BE49-F238E27FC236}">
+                <a16:creationId xmlns:a16="http://schemas.microsoft.com/office/drawing/2014/main" id="{465FE338-8D59-4C44-9919-282B3DCF3828}"/>
+              </a:ext>
+            </a:extLst>
+          </p:cNvPr>
+          <p:cNvSpPr>
+            <a:spLocks noGrp="1"/>
+          </p:cNvSpPr>
+          <p:nvPr>
+            <p:ph type="title"/>
+          </p:nvPr>
+        </p:nvSpPr>
+        <p:spPr/>
+        <p:txBody>
+          <a:bodyPr/>
+          <a:lstStyle/>
+          <a:p>
+            <a:r>
+              <a:rPr lang="ko-KR" altLang="en-US" dirty="0"/>
+              <a:t>시그널 </a:t>
+            </a:r>
+            <a:r>
+              <a:rPr lang="en-US" altLang="ko-KR" dirty="0"/>
+              <a:t>– Polar</a:t>
+            </a:r>
+            <a:r>
+              <a:rPr lang="ko-KR" altLang="en-US" dirty="0"/>
+              <a:t> </a:t>
+            </a:r>
+            <a:r>
+              <a:rPr lang="en-US" altLang="ko-KR" dirty="0"/>
+              <a:t>coordinate</a:t>
+            </a:r>
+            <a:endParaRPr lang="en-US" dirty="0"/>
+          </a:p>
+        </p:txBody>
+      </p:sp>
+      <p:sp>
+        <p:nvSpPr>
+          <p:cNvPr id="3" name="Content Placeholder 2">
+            <a:extLst>
+              <a:ext uri="{FF2B5EF4-FFF2-40B4-BE49-F238E27FC236}">
+                <a16:creationId xmlns:a16="http://schemas.microsoft.com/office/drawing/2014/main" id="{496199A0-D814-40DD-948E-59BEABF12F6A}"/>
+              </a:ext>
+            </a:extLst>
+          </p:cNvPr>
+          <p:cNvSpPr>
+            <a:spLocks noGrp="1"/>
+          </p:cNvSpPr>
+          <p:nvPr>
+            <p:ph idx="1"/>
+          </p:nvPr>
+        </p:nvSpPr>
+        <p:spPr>
+          <a:xfrm>
+            <a:off x="598620" y="2054655"/>
+            <a:ext cx="10972800" cy="4285987"/>
+          </a:xfrm>
+        </p:spPr>
+        <p:txBody>
+          <a:bodyPr>
+            <a:normAutofit/>
+          </a:bodyPr>
+          <a:lstStyle/>
+          <a:p>
+            <a:r>
+              <a:rPr lang="en-US" altLang="ko-KR" dirty="0" err="1"/>
+              <a:t>re</a:t>
+            </a:r>
+            <a:r>
+              <a:rPr lang="en-US" altLang="ko-KR" baseline="30000" dirty="0" err="1"/>
+              <a:t>iθ</a:t>
+            </a:r>
+            <a:r>
+              <a:rPr lang="en-US" altLang="ko-KR" dirty="0"/>
+              <a:t> = r(</a:t>
+            </a:r>
+            <a:r>
+              <a:rPr lang="en-US" altLang="ko-KR" dirty="0" err="1">
+                <a:solidFill>
+                  <a:schemeClr val="accent5"/>
+                </a:solidFill>
+              </a:rPr>
+              <a:t>Cos</a:t>
+            </a:r>
+            <a:r>
+              <a:rPr lang="en-US" altLang="ko-KR" dirty="0" err="1"/>
+              <a:t>θ</a:t>
+            </a:r>
+            <a:r>
+              <a:rPr lang="en-US" altLang="ko-KR" dirty="0"/>
+              <a:t> + </a:t>
+            </a:r>
+            <a:r>
+              <a:rPr lang="en-US" altLang="ko-KR" dirty="0" err="1"/>
+              <a:t>i</a:t>
+            </a:r>
+            <a:r>
+              <a:rPr lang="en-US" altLang="ko-KR" dirty="0">
+                <a:solidFill>
+                  <a:schemeClr val="accent6"/>
+                </a:solidFill>
+              </a:rPr>
+              <a:t> </a:t>
+            </a:r>
+            <a:r>
+              <a:rPr lang="en-US" altLang="ko-KR" dirty="0" err="1">
+                <a:solidFill>
+                  <a:schemeClr val="accent6"/>
+                </a:solidFill>
+              </a:rPr>
+              <a:t>Sin</a:t>
+            </a:r>
+            <a:r>
+              <a:rPr lang="en-US" altLang="ko-KR" dirty="0" err="1"/>
+              <a:t>θ</a:t>
+            </a:r>
+            <a:r>
+              <a:rPr lang="en-US" altLang="ko-KR" dirty="0"/>
+              <a:t>)</a:t>
+            </a:r>
+          </a:p>
+          <a:p>
+            <a:pPr marL="914400" lvl="2" indent="0">
+              <a:buNone/>
+            </a:pPr>
+            <a:r>
+              <a:rPr lang="en-US" altLang="ko-KR" dirty="0"/>
+              <a:t>= sum of sinusoid if only take Real or </a:t>
+            </a:r>
+            <a:r>
+              <a:rPr lang="en-US" altLang="ko-KR" dirty="0" err="1"/>
+              <a:t>Imag</a:t>
+            </a:r>
+            <a:r>
+              <a:rPr lang="en-US" altLang="ko-KR" dirty="0"/>
+              <a:t> part</a:t>
+            </a:r>
+          </a:p>
+          <a:p>
+            <a:pPr marL="914400" lvl="2" indent="0">
+              <a:buNone/>
+            </a:pPr>
+            <a:r>
+              <a:rPr lang="en-US" altLang="ko-KR" dirty="0"/>
+              <a:t>= Phasor</a:t>
+            </a:r>
+          </a:p>
+          <a:p>
+            <a:r>
+              <a:rPr lang="en-US" altLang="ko-KR" dirty="0"/>
+              <a:t>Frequency domain</a:t>
+            </a:r>
+          </a:p>
+          <a:p>
+            <a:r>
+              <a:rPr lang="en-US" altLang="ko-KR" dirty="0"/>
+              <a:t>Redundant </a:t>
+            </a:r>
+            <a:r>
+              <a:rPr lang="ko-KR" altLang="en-US" dirty="0"/>
+              <a:t>중복</a:t>
+            </a:r>
+            <a:endParaRPr lang="en-US" altLang="ko-KR" dirty="0"/>
+          </a:p>
+          <a:p>
+            <a:pPr lvl="1"/>
+            <a:r>
+              <a:rPr lang="en-US" altLang="ko-KR" dirty="0" err="1"/>
+              <a:t>e</a:t>
+            </a:r>
+            <a:r>
+              <a:rPr lang="en-US" altLang="ko-KR" baseline="30000" dirty="0" err="1"/>
+              <a:t>iθ</a:t>
+            </a:r>
+            <a:r>
+              <a:rPr lang="en-US" altLang="ko-KR" dirty="0"/>
+              <a:t> = </a:t>
+            </a:r>
+            <a:r>
+              <a:rPr lang="en-US" altLang="ko-KR" dirty="0" err="1"/>
+              <a:t>e</a:t>
+            </a:r>
+            <a:r>
+              <a:rPr lang="en-US" altLang="ko-KR" baseline="30000" dirty="0" err="1"/>
+              <a:t>i</a:t>
+            </a:r>
+            <a:r>
+              <a:rPr lang="en-US" altLang="ko-KR" baseline="30000" dirty="0"/>
+              <a:t>(θ+2π)</a:t>
+            </a:r>
+          </a:p>
+          <a:p>
+            <a:pPr lvl="1"/>
+            <a:r>
+              <a:rPr lang="en-US" altLang="ko-KR" dirty="0"/>
+              <a:t>-</a:t>
+            </a:r>
+            <a:r>
+              <a:rPr lang="en-US" altLang="ko-KR" dirty="0" err="1"/>
+              <a:t>e</a:t>
+            </a:r>
+            <a:r>
+              <a:rPr lang="en-US" altLang="ko-KR" baseline="30000" dirty="0" err="1"/>
+              <a:t>iθ</a:t>
+            </a:r>
+            <a:r>
+              <a:rPr lang="en-US" altLang="ko-KR" dirty="0"/>
+              <a:t> =</a:t>
+            </a:r>
+            <a:r>
+              <a:rPr lang="en-US" altLang="ko-KR" dirty="0" err="1"/>
+              <a:t>e</a:t>
+            </a:r>
+            <a:r>
+              <a:rPr lang="en-US" altLang="ko-KR" baseline="30000" dirty="0" err="1"/>
+              <a:t>i</a:t>
+            </a:r>
+            <a:r>
+              <a:rPr lang="en-US" altLang="ko-KR" baseline="30000" dirty="0"/>
+              <a:t>(θ-π)</a:t>
+            </a:r>
+          </a:p>
+          <a:p>
+            <a:pPr lvl="1"/>
+            <a:r>
+              <a:rPr lang="ko-KR" altLang="en-US" dirty="0"/>
+              <a:t>구분가능한 영역</a:t>
+            </a:r>
+            <a:r>
+              <a:rPr lang="en-US" altLang="ko-KR" dirty="0"/>
+              <a:t> 0 ~ π(Nyquist Frequency)</a:t>
+            </a:r>
+          </a:p>
+        </p:txBody>
+      </p:sp>
+      <p:grpSp>
+        <p:nvGrpSpPr>
+          <p:cNvPr id="11" name="Group 10">
+            <a:extLst>
+              <a:ext uri="{FF2B5EF4-FFF2-40B4-BE49-F238E27FC236}">
+                <a16:creationId xmlns:a16="http://schemas.microsoft.com/office/drawing/2014/main" id="{EC4A7B2C-B488-4CBA-B97B-7746011FE761}"/>
+              </a:ext>
+            </a:extLst>
+          </p:cNvPr>
+          <p:cNvGrpSpPr/>
+          <p:nvPr/>
+        </p:nvGrpSpPr>
+        <p:grpSpPr>
+          <a:xfrm>
+            <a:off x="7471415" y="2515502"/>
+            <a:ext cx="4121965" cy="3930679"/>
+            <a:chOff x="642540" y="2515502"/>
+            <a:chExt cx="4121965" cy="3930679"/>
+          </a:xfrm>
+        </p:grpSpPr>
+        <p:sp>
+          <p:nvSpPr>
+            <p:cNvPr id="8" name="Arrow: Quad 7">
+              <a:extLst>
+                <a:ext uri="{FF2B5EF4-FFF2-40B4-BE49-F238E27FC236}">
+                  <a16:creationId xmlns:a16="http://schemas.microsoft.com/office/drawing/2014/main" id="{4DA6CCD6-C350-412C-9F9E-A8325D28A0EA}"/>
+                </a:ext>
+              </a:extLst>
+            </p:cNvPr>
+            <p:cNvSpPr/>
+            <p:nvPr/>
+          </p:nvSpPr>
+          <p:spPr>
+            <a:xfrm>
+              <a:off x="642540" y="2884834"/>
+              <a:ext cx="3561347" cy="3561347"/>
+            </a:xfrm>
+            <a:prstGeom prst="quadArrow">
+              <a:avLst>
+                <a:gd name="adj1" fmla="val 2027"/>
+                <a:gd name="adj2" fmla="val 2215"/>
+                <a:gd name="adj3" fmla="val 0"/>
+              </a:avLst>
+            </a:prstGeom>
+          </p:spPr>
+          <p:style>
+            <a:lnRef idx="2">
+              <a:schemeClr val="accent1">
+                <a:shade val="50000"/>
+              </a:schemeClr>
+            </a:lnRef>
+            <a:fillRef idx="1">
+              <a:schemeClr val="accent1"/>
+            </a:fillRef>
+            <a:effectRef idx="0">
+              <a:schemeClr val="accent1"/>
+            </a:effectRef>
+            <a:fontRef idx="minor">
+              <a:schemeClr val="lt1"/>
+            </a:fontRef>
+          </p:style>
+          <p:txBody>
+            <a:bodyPr rtlCol="0" anchor="ctr"/>
+            <a:lstStyle/>
+            <a:p>
+              <a:pPr algn="ctr"/>
+              <a:endParaRPr lang="en-US" dirty="0"/>
+            </a:p>
+          </p:txBody>
+        </p:sp>
+        <p:sp>
+          <p:nvSpPr>
+            <p:cNvPr id="9" name="TextBox 8">
+              <a:extLst>
+                <a:ext uri="{FF2B5EF4-FFF2-40B4-BE49-F238E27FC236}">
+                  <a16:creationId xmlns:a16="http://schemas.microsoft.com/office/drawing/2014/main" id="{2E115C53-A2C9-4084-98FB-A6C83B46AC50}"/>
+                </a:ext>
+              </a:extLst>
+            </p:cNvPr>
+            <p:cNvSpPr txBox="1"/>
+            <p:nvPr/>
+          </p:nvSpPr>
+          <p:spPr>
+            <a:xfrm>
+              <a:off x="2102452" y="2515502"/>
+              <a:ext cx="641522" cy="369332"/>
+            </a:xfrm>
+            <a:prstGeom prst="rect">
+              <a:avLst/>
+            </a:prstGeom>
+            <a:noFill/>
+          </p:spPr>
+          <p:txBody>
+            <a:bodyPr wrap="none" rtlCol="0">
+              <a:spAutoFit/>
+            </a:bodyPr>
+            <a:lstStyle/>
+            <a:p>
+              <a:r>
+                <a:rPr lang="en-US" dirty="0" err="1"/>
+                <a:t>imag</a:t>
+              </a:r>
+              <a:endParaRPr lang="en-US" dirty="0"/>
+            </a:p>
+          </p:txBody>
+        </p:sp>
+        <p:sp>
+          <p:nvSpPr>
+            <p:cNvPr id="10" name="TextBox 9">
+              <a:extLst>
+                <a:ext uri="{FF2B5EF4-FFF2-40B4-BE49-F238E27FC236}">
+                  <a16:creationId xmlns:a16="http://schemas.microsoft.com/office/drawing/2014/main" id="{615CB22F-BE69-468D-BAFC-F4F124B8D8F0}"/>
+                </a:ext>
+              </a:extLst>
+            </p:cNvPr>
+            <p:cNvSpPr txBox="1"/>
+            <p:nvPr/>
+          </p:nvSpPr>
+          <p:spPr>
+            <a:xfrm>
+              <a:off x="4203887" y="4464762"/>
+              <a:ext cx="560618" cy="305233"/>
+            </a:xfrm>
+            <a:prstGeom prst="rect">
+              <a:avLst/>
+            </a:prstGeom>
+            <a:noFill/>
+          </p:spPr>
+          <p:txBody>
+            <a:bodyPr wrap="square" rtlCol="0">
+              <a:spAutoFit/>
+            </a:bodyPr>
+            <a:lstStyle/>
+            <a:p>
+              <a:r>
+                <a:rPr lang="en-US" dirty="0"/>
+                <a:t>real</a:t>
+              </a:r>
+            </a:p>
+          </p:txBody>
+        </p:sp>
+      </p:grpSp>
+      <p:sp>
+        <p:nvSpPr>
+          <p:cNvPr id="4" name="Oval 3">
+            <a:extLst>
+              <a:ext uri="{FF2B5EF4-FFF2-40B4-BE49-F238E27FC236}">
+                <a16:creationId xmlns:a16="http://schemas.microsoft.com/office/drawing/2014/main" id="{BE550BDB-4FD7-445E-8FEB-6340DBD8D651}"/>
+              </a:ext>
+            </a:extLst>
+          </p:cNvPr>
+          <p:cNvSpPr/>
+          <p:nvPr/>
+        </p:nvSpPr>
+        <p:spPr>
+          <a:xfrm>
+            <a:off x="7910546" y="3320000"/>
+            <a:ext cx="2666968" cy="1343772"/>
+          </a:xfrm>
+          <a:custGeom>
+            <a:avLst/>
+            <a:gdLst>
+              <a:gd name="connsiteX0" fmla="*/ 0 w 2666948"/>
+              <a:gd name="connsiteY0" fmla="*/ 1333474 h 2666948"/>
+              <a:gd name="connsiteX1" fmla="*/ 1333474 w 2666948"/>
+              <a:gd name="connsiteY1" fmla="*/ 0 h 2666948"/>
+              <a:gd name="connsiteX2" fmla="*/ 2666948 w 2666948"/>
+              <a:gd name="connsiteY2" fmla="*/ 1333474 h 2666948"/>
+              <a:gd name="connsiteX3" fmla="*/ 1333474 w 2666948"/>
+              <a:gd name="connsiteY3" fmla="*/ 2666948 h 2666948"/>
+              <a:gd name="connsiteX4" fmla="*/ 0 w 2666948"/>
+              <a:gd name="connsiteY4" fmla="*/ 1333474 h 2666948"/>
+              <a:gd name="connsiteX0" fmla="*/ 0 w 2666948"/>
+              <a:gd name="connsiteY0" fmla="*/ 1333474 h 2666948"/>
+              <a:gd name="connsiteX1" fmla="*/ 1333474 w 2666948"/>
+              <a:gd name="connsiteY1" fmla="*/ 0 h 2666948"/>
+              <a:gd name="connsiteX2" fmla="*/ 2666948 w 2666948"/>
+              <a:gd name="connsiteY2" fmla="*/ 1333474 h 2666948"/>
+              <a:gd name="connsiteX3" fmla="*/ 1333474 w 2666948"/>
+              <a:gd name="connsiteY3" fmla="*/ 2666948 h 2666948"/>
+              <a:gd name="connsiteX4" fmla="*/ 0 w 2666948"/>
+              <a:gd name="connsiteY4" fmla="*/ 1333474 h 2666948"/>
+              <a:gd name="connsiteX0" fmla="*/ 48 w 2666996"/>
+              <a:gd name="connsiteY0" fmla="*/ 1333474 h 1669859"/>
+              <a:gd name="connsiteX1" fmla="*/ 1333522 w 2666996"/>
+              <a:gd name="connsiteY1" fmla="*/ 0 h 1669859"/>
+              <a:gd name="connsiteX2" fmla="*/ 2666996 w 2666996"/>
+              <a:gd name="connsiteY2" fmla="*/ 1333474 h 1669859"/>
+              <a:gd name="connsiteX3" fmla="*/ 1285395 w 2666996"/>
+              <a:gd name="connsiteY3" fmla="*/ 1367538 h 1669859"/>
+              <a:gd name="connsiteX4" fmla="*/ 48 w 2666996"/>
+              <a:gd name="connsiteY4" fmla="*/ 1333474 h 1669859"/>
+              <a:gd name="connsiteX0" fmla="*/ 38 w 2666986"/>
+              <a:gd name="connsiteY0" fmla="*/ 1333474 h 1672677"/>
+              <a:gd name="connsiteX1" fmla="*/ 1333512 w 2666986"/>
+              <a:gd name="connsiteY1" fmla="*/ 0 h 1672677"/>
+              <a:gd name="connsiteX2" fmla="*/ 2666986 w 2666986"/>
+              <a:gd name="connsiteY2" fmla="*/ 1333474 h 1672677"/>
+              <a:gd name="connsiteX3" fmla="*/ 1285385 w 2666986"/>
+              <a:gd name="connsiteY3" fmla="*/ 1367538 h 1672677"/>
+              <a:gd name="connsiteX4" fmla="*/ 38 w 2666986"/>
+              <a:gd name="connsiteY4" fmla="*/ 1333474 h 1672677"/>
+              <a:gd name="connsiteX0" fmla="*/ 38 w 2666986"/>
+              <a:gd name="connsiteY0" fmla="*/ 1333474 h 1441371"/>
+              <a:gd name="connsiteX1" fmla="*/ 1333512 w 2666986"/>
+              <a:gd name="connsiteY1" fmla="*/ 0 h 1441371"/>
+              <a:gd name="connsiteX2" fmla="*/ 2666986 w 2666986"/>
+              <a:gd name="connsiteY2" fmla="*/ 1333474 h 1441371"/>
+              <a:gd name="connsiteX3" fmla="*/ 1285385 w 2666986"/>
+              <a:gd name="connsiteY3" fmla="*/ 1367538 h 1441371"/>
+              <a:gd name="connsiteX4" fmla="*/ 38 w 2666986"/>
+              <a:gd name="connsiteY4" fmla="*/ 1333474 h 1441371"/>
+              <a:gd name="connsiteX0" fmla="*/ 38 w 2666986"/>
+              <a:gd name="connsiteY0" fmla="*/ 1333474 h 1441371"/>
+              <a:gd name="connsiteX1" fmla="*/ 1333512 w 2666986"/>
+              <a:gd name="connsiteY1" fmla="*/ 0 h 1441371"/>
+              <a:gd name="connsiteX2" fmla="*/ 2666986 w 2666986"/>
+              <a:gd name="connsiteY2" fmla="*/ 1333474 h 1441371"/>
+              <a:gd name="connsiteX3" fmla="*/ 1285385 w 2666986"/>
+              <a:gd name="connsiteY3" fmla="*/ 1367538 h 1441371"/>
+              <a:gd name="connsiteX4" fmla="*/ 38 w 2666986"/>
+              <a:gd name="connsiteY4" fmla="*/ 1333474 h 1441371"/>
+              <a:gd name="connsiteX0" fmla="*/ 455395 w 3122343"/>
+              <a:gd name="connsiteY0" fmla="*/ 1333474 h 1369251"/>
+              <a:gd name="connsiteX1" fmla="*/ 1788869 w 3122343"/>
+              <a:gd name="connsiteY1" fmla="*/ 0 h 1369251"/>
+              <a:gd name="connsiteX2" fmla="*/ 3122343 w 3122343"/>
+              <a:gd name="connsiteY2" fmla="*/ 1333474 h 1369251"/>
+              <a:gd name="connsiteX3" fmla="*/ 1740742 w 3122343"/>
+              <a:gd name="connsiteY3" fmla="*/ 1367538 h 1369251"/>
+              <a:gd name="connsiteX4" fmla="*/ 455395 w 3122343"/>
+              <a:gd name="connsiteY4" fmla="*/ 1333474 h 1369251"/>
+              <a:gd name="connsiteX0" fmla="*/ 455395 w 3122343"/>
+              <a:gd name="connsiteY0" fmla="*/ 1333474 h 1369251"/>
+              <a:gd name="connsiteX1" fmla="*/ 1788869 w 3122343"/>
+              <a:gd name="connsiteY1" fmla="*/ 0 h 1369251"/>
+              <a:gd name="connsiteX2" fmla="*/ 3122343 w 3122343"/>
+              <a:gd name="connsiteY2" fmla="*/ 1333474 h 1369251"/>
+              <a:gd name="connsiteX3" fmla="*/ 1740742 w 3122343"/>
+              <a:gd name="connsiteY3" fmla="*/ 1367538 h 1369251"/>
+              <a:gd name="connsiteX4" fmla="*/ 455395 w 3122343"/>
+              <a:gd name="connsiteY4" fmla="*/ 1333474 h 1369251"/>
+              <a:gd name="connsiteX0" fmla="*/ 455395 w 3122343"/>
+              <a:gd name="connsiteY0" fmla="*/ 1333474 h 1369251"/>
+              <a:gd name="connsiteX1" fmla="*/ 1788869 w 3122343"/>
+              <a:gd name="connsiteY1" fmla="*/ 0 h 1369251"/>
+              <a:gd name="connsiteX2" fmla="*/ 3122343 w 3122343"/>
+              <a:gd name="connsiteY2" fmla="*/ 1333474 h 1369251"/>
+              <a:gd name="connsiteX3" fmla="*/ 1740742 w 3122343"/>
+              <a:gd name="connsiteY3" fmla="*/ 1367538 h 1369251"/>
+              <a:gd name="connsiteX4" fmla="*/ 455395 w 3122343"/>
+              <a:gd name="connsiteY4" fmla="*/ 1333474 h 1369251"/>
+              <a:gd name="connsiteX0" fmla="*/ 20 w 2666968"/>
+              <a:gd name="connsiteY0" fmla="*/ 1333474 h 1369251"/>
+              <a:gd name="connsiteX1" fmla="*/ 1333494 w 2666968"/>
+              <a:gd name="connsiteY1" fmla="*/ 0 h 1369251"/>
+              <a:gd name="connsiteX2" fmla="*/ 2666968 w 2666968"/>
+              <a:gd name="connsiteY2" fmla="*/ 1333474 h 1369251"/>
+              <a:gd name="connsiteX3" fmla="*/ 1285367 w 2666968"/>
+              <a:gd name="connsiteY3" fmla="*/ 1367538 h 1369251"/>
+              <a:gd name="connsiteX4" fmla="*/ 20 w 2666968"/>
+              <a:gd name="connsiteY4" fmla="*/ 1333474 h 1369251"/>
+              <a:gd name="connsiteX0" fmla="*/ 20 w 2666968"/>
+              <a:gd name="connsiteY0" fmla="*/ 1333474 h 1343475"/>
+              <a:gd name="connsiteX1" fmla="*/ 1333494 w 2666968"/>
+              <a:gd name="connsiteY1" fmla="*/ 0 h 1343475"/>
+              <a:gd name="connsiteX2" fmla="*/ 2666968 w 2666968"/>
+              <a:gd name="connsiteY2" fmla="*/ 1333474 h 1343475"/>
+              <a:gd name="connsiteX3" fmla="*/ 1297398 w 2666968"/>
+              <a:gd name="connsiteY3" fmla="*/ 1343475 h 1343475"/>
+              <a:gd name="connsiteX4" fmla="*/ 20 w 2666968"/>
+              <a:gd name="connsiteY4" fmla="*/ 1333474 h 1343475"/>
+              <a:gd name="connsiteX0" fmla="*/ 20 w 2666968"/>
+              <a:gd name="connsiteY0" fmla="*/ 1333474 h 1343772"/>
+              <a:gd name="connsiteX1" fmla="*/ 1333494 w 2666968"/>
+              <a:gd name="connsiteY1" fmla="*/ 0 h 1343772"/>
+              <a:gd name="connsiteX2" fmla="*/ 2666968 w 2666968"/>
+              <a:gd name="connsiteY2" fmla="*/ 1333474 h 1343772"/>
+              <a:gd name="connsiteX3" fmla="*/ 1297398 w 2666968"/>
+              <a:gd name="connsiteY3" fmla="*/ 1343475 h 1343772"/>
+              <a:gd name="connsiteX4" fmla="*/ 20 w 2666968"/>
+              <a:gd name="connsiteY4" fmla="*/ 1333474 h 1343772"/>
+              <a:gd name="connsiteX0" fmla="*/ 20 w 2666968"/>
+              <a:gd name="connsiteY0" fmla="*/ 1333474 h 1343772"/>
+              <a:gd name="connsiteX1" fmla="*/ 1333494 w 2666968"/>
+              <a:gd name="connsiteY1" fmla="*/ 0 h 1343772"/>
+              <a:gd name="connsiteX2" fmla="*/ 2666968 w 2666968"/>
+              <a:gd name="connsiteY2" fmla="*/ 1333474 h 1343772"/>
+              <a:gd name="connsiteX3" fmla="*/ 1297398 w 2666968"/>
+              <a:gd name="connsiteY3" fmla="*/ 1343475 h 1343772"/>
+              <a:gd name="connsiteX4" fmla="*/ 20 w 2666968"/>
+              <a:gd name="connsiteY4" fmla="*/ 1333474 h 1343772"/>
+              <a:gd name="connsiteX0" fmla="*/ 20 w 2666968"/>
+              <a:gd name="connsiteY0" fmla="*/ 1333474 h 1343772"/>
+              <a:gd name="connsiteX1" fmla="*/ 1333494 w 2666968"/>
+              <a:gd name="connsiteY1" fmla="*/ 0 h 1343772"/>
+              <a:gd name="connsiteX2" fmla="*/ 2666968 w 2666968"/>
+              <a:gd name="connsiteY2" fmla="*/ 1333474 h 1343772"/>
+              <a:gd name="connsiteX3" fmla="*/ 1321461 w 2666968"/>
+              <a:gd name="connsiteY3" fmla="*/ 1343475 h 1343772"/>
+              <a:gd name="connsiteX4" fmla="*/ 20 w 2666968"/>
+              <a:gd name="connsiteY4" fmla="*/ 1333474 h 1343772"/>
+            </a:gdLst>
+            <a:ahLst/>
+            <a:cxnLst>
+              <a:cxn ang="0">
+                <a:pos x="connsiteX0" y="connsiteY0"/>
+              </a:cxn>
+              <a:cxn ang="0">
+                <a:pos x="connsiteX1" y="connsiteY1"/>
+              </a:cxn>
+              <a:cxn ang="0">
+                <a:pos x="connsiteX2" y="connsiteY2"/>
+              </a:cxn>
+              <a:cxn ang="0">
+                <a:pos x="connsiteX3" y="connsiteY3"/>
+              </a:cxn>
+              <a:cxn ang="0">
+                <a:pos x="connsiteX4" y="connsiteY4"/>
+              </a:cxn>
+            </a:cxnLst>
+            <a:rect l="l" t="t" r="r" b="b"/>
+            <a:pathLst>
+              <a:path w="2666968" h="1343772">
+                <a:moveTo>
+                  <a:pt x="20" y="1333474"/>
+                </a:moveTo>
+                <a:cubicBezTo>
+                  <a:pt x="-3991" y="479909"/>
+                  <a:pt x="597037" y="0"/>
+                  <a:pt x="1333494" y="0"/>
+                </a:cubicBezTo>
+                <a:cubicBezTo>
+                  <a:pt x="2069951" y="0"/>
+                  <a:pt x="2666968" y="597017"/>
+                  <a:pt x="2666968" y="1333474"/>
+                </a:cubicBezTo>
+                <a:lnTo>
+                  <a:pt x="1321461" y="1343475"/>
+                </a:lnTo>
+                <a:cubicBezTo>
+                  <a:pt x="828843" y="1346809"/>
+                  <a:pt x="1327505" y="1320765"/>
+                  <a:pt x="20" y="1333474"/>
+                </a:cubicBezTo>
+                <a:close/>
+              </a:path>
+            </a:pathLst>
+          </a:custGeom>
+          <a:solidFill>
+            <a:schemeClr val="accent3">
+              <a:alpha val="50000"/>
+            </a:schemeClr>
+          </a:solidFill>
+          <a:ln>
+            <a:noFill/>
+          </a:ln>
+        </p:spPr>
+        <p:style>
+          <a:lnRef idx="0">
+            <a:scrgbClr r="0" g="0" b="0"/>
+          </a:lnRef>
+          <a:fillRef idx="0">
+            <a:scrgbClr r="0" g="0" b="0"/>
+          </a:fillRef>
+          <a:effectRef idx="0">
+            <a:scrgbClr r="0" g="0" b="0"/>
+          </a:effectRef>
+          <a:fontRef idx="minor">
+            <a:schemeClr val="lt1"/>
+          </a:fontRef>
+        </p:style>
+        <p:txBody>
+          <a:bodyPr rtlCol="0" anchor="ctr"/>
+          <a:lstStyle/>
+          <a:p>
+            <a:pPr algn="ctr"/>
+            <a:endParaRPr lang="en-US" dirty="0"/>
+          </a:p>
+        </p:txBody>
+      </p:sp>
+      <p:sp>
+        <p:nvSpPr>
+          <p:cNvPr id="14" name="Oval 3">
+            <a:extLst>
+              <a:ext uri="{FF2B5EF4-FFF2-40B4-BE49-F238E27FC236}">
+                <a16:creationId xmlns:a16="http://schemas.microsoft.com/office/drawing/2014/main" id="{4CF2470B-655C-48CE-99BD-79AA4BEA61FE}"/>
+              </a:ext>
+            </a:extLst>
+          </p:cNvPr>
+          <p:cNvSpPr/>
+          <p:nvPr/>
+        </p:nvSpPr>
+        <p:spPr>
+          <a:xfrm flipV="1">
+            <a:off x="7946662" y="4674079"/>
+            <a:ext cx="2666968" cy="1307161"/>
+          </a:xfrm>
+          <a:custGeom>
+            <a:avLst/>
+            <a:gdLst>
+              <a:gd name="connsiteX0" fmla="*/ 0 w 2666948"/>
+              <a:gd name="connsiteY0" fmla="*/ 1333474 h 2666948"/>
+              <a:gd name="connsiteX1" fmla="*/ 1333474 w 2666948"/>
+              <a:gd name="connsiteY1" fmla="*/ 0 h 2666948"/>
+              <a:gd name="connsiteX2" fmla="*/ 2666948 w 2666948"/>
+              <a:gd name="connsiteY2" fmla="*/ 1333474 h 2666948"/>
+              <a:gd name="connsiteX3" fmla="*/ 1333474 w 2666948"/>
+              <a:gd name="connsiteY3" fmla="*/ 2666948 h 2666948"/>
+              <a:gd name="connsiteX4" fmla="*/ 0 w 2666948"/>
+              <a:gd name="connsiteY4" fmla="*/ 1333474 h 2666948"/>
+              <a:gd name="connsiteX0" fmla="*/ 0 w 2666948"/>
+              <a:gd name="connsiteY0" fmla="*/ 1333474 h 2666948"/>
+              <a:gd name="connsiteX1" fmla="*/ 1333474 w 2666948"/>
+              <a:gd name="connsiteY1" fmla="*/ 0 h 2666948"/>
+              <a:gd name="connsiteX2" fmla="*/ 2666948 w 2666948"/>
+              <a:gd name="connsiteY2" fmla="*/ 1333474 h 2666948"/>
+              <a:gd name="connsiteX3" fmla="*/ 1333474 w 2666948"/>
+              <a:gd name="connsiteY3" fmla="*/ 2666948 h 2666948"/>
+              <a:gd name="connsiteX4" fmla="*/ 0 w 2666948"/>
+              <a:gd name="connsiteY4" fmla="*/ 1333474 h 2666948"/>
+              <a:gd name="connsiteX0" fmla="*/ 48 w 2666996"/>
+              <a:gd name="connsiteY0" fmla="*/ 1333474 h 1669859"/>
+              <a:gd name="connsiteX1" fmla="*/ 1333522 w 2666996"/>
+              <a:gd name="connsiteY1" fmla="*/ 0 h 1669859"/>
+              <a:gd name="connsiteX2" fmla="*/ 2666996 w 2666996"/>
+              <a:gd name="connsiteY2" fmla="*/ 1333474 h 1669859"/>
+              <a:gd name="connsiteX3" fmla="*/ 1285395 w 2666996"/>
+              <a:gd name="connsiteY3" fmla="*/ 1367538 h 1669859"/>
+              <a:gd name="connsiteX4" fmla="*/ 48 w 2666996"/>
+              <a:gd name="connsiteY4" fmla="*/ 1333474 h 1669859"/>
+              <a:gd name="connsiteX0" fmla="*/ 38 w 2666986"/>
+              <a:gd name="connsiteY0" fmla="*/ 1333474 h 1672677"/>
+              <a:gd name="connsiteX1" fmla="*/ 1333512 w 2666986"/>
+              <a:gd name="connsiteY1" fmla="*/ 0 h 1672677"/>
+              <a:gd name="connsiteX2" fmla="*/ 2666986 w 2666986"/>
+              <a:gd name="connsiteY2" fmla="*/ 1333474 h 1672677"/>
+              <a:gd name="connsiteX3" fmla="*/ 1285385 w 2666986"/>
+              <a:gd name="connsiteY3" fmla="*/ 1367538 h 1672677"/>
+              <a:gd name="connsiteX4" fmla="*/ 38 w 2666986"/>
+              <a:gd name="connsiteY4" fmla="*/ 1333474 h 1672677"/>
+              <a:gd name="connsiteX0" fmla="*/ 38 w 2666986"/>
+              <a:gd name="connsiteY0" fmla="*/ 1333474 h 1441371"/>
+              <a:gd name="connsiteX1" fmla="*/ 1333512 w 2666986"/>
+              <a:gd name="connsiteY1" fmla="*/ 0 h 1441371"/>
+              <a:gd name="connsiteX2" fmla="*/ 2666986 w 2666986"/>
+              <a:gd name="connsiteY2" fmla="*/ 1333474 h 1441371"/>
+              <a:gd name="connsiteX3" fmla="*/ 1285385 w 2666986"/>
+              <a:gd name="connsiteY3" fmla="*/ 1367538 h 1441371"/>
+              <a:gd name="connsiteX4" fmla="*/ 38 w 2666986"/>
+              <a:gd name="connsiteY4" fmla="*/ 1333474 h 1441371"/>
+              <a:gd name="connsiteX0" fmla="*/ 38 w 2666986"/>
+              <a:gd name="connsiteY0" fmla="*/ 1333474 h 1441371"/>
+              <a:gd name="connsiteX1" fmla="*/ 1333512 w 2666986"/>
+              <a:gd name="connsiteY1" fmla="*/ 0 h 1441371"/>
+              <a:gd name="connsiteX2" fmla="*/ 2666986 w 2666986"/>
+              <a:gd name="connsiteY2" fmla="*/ 1333474 h 1441371"/>
+              <a:gd name="connsiteX3" fmla="*/ 1285385 w 2666986"/>
+              <a:gd name="connsiteY3" fmla="*/ 1367538 h 1441371"/>
+              <a:gd name="connsiteX4" fmla="*/ 38 w 2666986"/>
+              <a:gd name="connsiteY4" fmla="*/ 1333474 h 1441371"/>
+              <a:gd name="connsiteX0" fmla="*/ 455395 w 3122343"/>
+              <a:gd name="connsiteY0" fmla="*/ 1333474 h 1369251"/>
+              <a:gd name="connsiteX1" fmla="*/ 1788869 w 3122343"/>
+              <a:gd name="connsiteY1" fmla="*/ 0 h 1369251"/>
+              <a:gd name="connsiteX2" fmla="*/ 3122343 w 3122343"/>
+              <a:gd name="connsiteY2" fmla="*/ 1333474 h 1369251"/>
+              <a:gd name="connsiteX3" fmla="*/ 1740742 w 3122343"/>
+              <a:gd name="connsiteY3" fmla="*/ 1367538 h 1369251"/>
+              <a:gd name="connsiteX4" fmla="*/ 455395 w 3122343"/>
+              <a:gd name="connsiteY4" fmla="*/ 1333474 h 1369251"/>
+              <a:gd name="connsiteX0" fmla="*/ 455395 w 3122343"/>
+              <a:gd name="connsiteY0" fmla="*/ 1333474 h 1369251"/>
+              <a:gd name="connsiteX1" fmla="*/ 1788869 w 3122343"/>
+              <a:gd name="connsiteY1" fmla="*/ 0 h 1369251"/>
+              <a:gd name="connsiteX2" fmla="*/ 3122343 w 3122343"/>
+              <a:gd name="connsiteY2" fmla="*/ 1333474 h 1369251"/>
+              <a:gd name="connsiteX3" fmla="*/ 1740742 w 3122343"/>
+              <a:gd name="connsiteY3" fmla="*/ 1367538 h 1369251"/>
+              <a:gd name="connsiteX4" fmla="*/ 455395 w 3122343"/>
+              <a:gd name="connsiteY4" fmla="*/ 1333474 h 1369251"/>
+              <a:gd name="connsiteX0" fmla="*/ 455395 w 3122343"/>
+              <a:gd name="connsiteY0" fmla="*/ 1333474 h 1369251"/>
+              <a:gd name="connsiteX1" fmla="*/ 1788869 w 3122343"/>
+              <a:gd name="connsiteY1" fmla="*/ 0 h 1369251"/>
+              <a:gd name="connsiteX2" fmla="*/ 3122343 w 3122343"/>
+              <a:gd name="connsiteY2" fmla="*/ 1333474 h 1369251"/>
+              <a:gd name="connsiteX3" fmla="*/ 1740742 w 3122343"/>
+              <a:gd name="connsiteY3" fmla="*/ 1367538 h 1369251"/>
+              <a:gd name="connsiteX4" fmla="*/ 455395 w 3122343"/>
+              <a:gd name="connsiteY4" fmla="*/ 1333474 h 1369251"/>
+              <a:gd name="connsiteX0" fmla="*/ 20 w 2666968"/>
+              <a:gd name="connsiteY0" fmla="*/ 1333474 h 1369251"/>
+              <a:gd name="connsiteX1" fmla="*/ 1333494 w 2666968"/>
+              <a:gd name="connsiteY1" fmla="*/ 0 h 1369251"/>
+              <a:gd name="connsiteX2" fmla="*/ 2666968 w 2666968"/>
+              <a:gd name="connsiteY2" fmla="*/ 1333474 h 1369251"/>
+              <a:gd name="connsiteX3" fmla="*/ 1285367 w 2666968"/>
+              <a:gd name="connsiteY3" fmla="*/ 1367538 h 1369251"/>
+              <a:gd name="connsiteX4" fmla="*/ 20 w 2666968"/>
+              <a:gd name="connsiteY4" fmla="*/ 1333474 h 1369251"/>
+              <a:gd name="connsiteX0" fmla="*/ 20 w 2666968"/>
+              <a:gd name="connsiteY0" fmla="*/ 1333474 h 1343475"/>
+              <a:gd name="connsiteX1" fmla="*/ 1333494 w 2666968"/>
+              <a:gd name="connsiteY1" fmla="*/ 0 h 1343475"/>
+              <a:gd name="connsiteX2" fmla="*/ 2666968 w 2666968"/>
+              <a:gd name="connsiteY2" fmla="*/ 1333474 h 1343475"/>
+              <a:gd name="connsiteX3" fmla="*/ 1297398 w 2666968"/>
+              <a:gd name="connsiteY3" fmla="*/ 1343475 h 1343475"/>
+              <a:gd name="connsiteX4" fmla="*/ 20 w 2666968"/>
+              <a:gd name="connsiteY4" fmla="*/ 1333474 h 1343475"/>
+              <a:gd name="connsiteX0" fmla="*/ 20 w 2666968"/>
+              <a:gd name="connsiteY0" fmla="*/ 1333474 h 1343772"/>
+              <a:gd name="connsiteX1" fmla="*/ 1333494 w 2666968"/>
+              <a:gd name="connsiteY1" fmla="*/ 0 h 1343772"/>
+              <a:gd name="connsiteX2" fmla="*/ 2666968 w 2666968"/>
+              <a:gd name="connsiteY2" fmla="*/ 1333474 h 1343772"/>
+              <a:gd name="connsiteX3" fmla="*/ 1297398 w 2666968"/>
+              <a:gd name="connsiteY3" fmla="*/ 1343475 h 1343772"/>
+              <a:gd name="connsiteX4" fmla="*/ 20 w 2666968"/>
+              <a:gd name="connsiteY4" fmla="*/ 1333474 h 1343772"/>
+              <a:gd name="connsiteX0" fmla="*/ 20 w 2666968"/>
+              <a:gd name="connsiteY0" fmla="*/ 1333474 h 1343772"/>
+              <a:gd name="connsiteX1" fmla="*/ 1333494 w 2666968"/>
+              <a:gd name="connsiteY1" fmla="*/ 0 h 1343772"/>
+              <a:gd name="connsiteX2" fmla="*/ 2666968 w 2666968"/>
+              <a:gd name="connsiteY2" fmla="*/ 1333474 h 1343772"/>
+              <a:gd name="connsiteX3" fmla="*/ 1297398 w 2666968"/>
+              <a:gd name="connsiteY3" fmla="*/ 1343475 h 1343772"/>
+              <a:gd name="connsiteX4" fmla="*/ 20 w 2666968"/>
+              <a:gd name="connsiteY4" fmla="*/ 1333474 h 1343772"/>
+              <a:gd name="connsiteX0" fmla="*/ 20 w 2666968"/>
+              <a:gd name="connsiteY0" fmla="*/ 1333474 h 1343772"/>
+              <a:gd name="connsiteX1" fmla="*/ 1333494 w 2666968"/>
+              <a:gd name="connsiteY1" fmla="*/ 0 h 1343772"/>
+              <a:gd name="connsiteX2" fmla="*/ 2666968 w 2666968"/>
+              <a:gd name="connsiteY2" fmla="*/ 1333474 h 1343772"/>
+              <a:gd name="connsiteX3" fmla="*/ 1321461 w 2666968"/>
+              <a:gd name="connsiteY3" fmla="*/ 1343475 h 1343772"/>
+              <a:gd name="connsiteX4" fmla="*/ 20 w 2666968"/>
+              <a:gd name="connsiteY4" fmla="*/ 1333474 h 1343772"/>
+            </a:gdLst>
+            <a:ahLst/>
+            <a:cxnLst>
+              <a:cxn ang="0">
+                <a:pos x="connsiteX0" y="connsiteY0"/>
+              </a:cxn>
+              <a:cxn ang="0">
+                <a:pos x="connsiteX1" y="connsiteY1"/>
+              </a:cxn>
+              <a:cxn ang="0">
+                <a:pos x="connsiteX2" y="connsiteY2"/>
+              </a:cxn>
+              <a:cxn ang="0">
+                <a:pos x="connsiteX3" y="connsiteY3"/>
+              </a:cxn>
+              <a:cxn ang="0">
+                <a:pos x="connsiteX4" y="connsiteY4"/>
+              </a:cxn>
+            </a:cxnLst>
+            <a:rect l="l" t="t" r="r" b="b"/>
+            <a:pathLst>
+              <a:path w="2666968" h="1343772">
+                <a:moveTo>
+                  <a:pt x="20" y="1333474"/>
+                </a:moveTo>
+                <a:cubicBezTo>
+                  <a:pt x="-3991" y="479909"/>
+                  <a:pt x="597037" y="0"/>
+                  <a:pt x="1333494" y="0"/>
+                </a:cubicBezTo>
+                <a:cubicBezTo>
+                  <a:pt x="2069951" y="0"/>
+                  <a:pt x="2666968" y="597017"/>
+                  <a:pt x="2666968" y="1333474"/>
+                </a:cubicBezTo>
+                <a:lnTo>
+                  <a:pt x="1321461" y="1343475"/>
+                </a:lnTo>
+                <a:cubicBezTo>
+                  <a:pt x="828843" y="1346809"/>
+                  <a:pt x="1327505" y="1320765"/>
+                  <a:pt x="20" y="1333474"/>
+                </a:cubicBezTo>
+                <a:close/>
+              </a:path>
+            </a:pathLst>
+          </a:custGeom>
+          <a:solidFill>
+            <a:schemeClr val="accent2">
+              <a:alpha val="50000"/>
+            </a:schemeClr>
+          </a:solidFill>
+          <a:ln>
+            <a:noFill/>
+          </a:ln>
+        </p:spPr>
+        <p:style>
+          <a:lnRef idx="0">
+            <a:scrgbClr r="0" g="0" b="0"/>
+          </a:lnRef>
+          <a:fillRef idx="0">
+            <a:scrgbClr r="0" g="0" b="0"/>
+          </a:fillRef>
+          <a:effectRef idx="0">
+            <a:scrgbClr r="0" g="0" b="0"/>
+          </a:effectRef>
+          <a:fontRef idx="minor">
+            <a:schemeClr val="lt1"/>
+          </a:fontRef>
+        </p:style>
+        <p:txBody>
+          <a:bodyPr rtlCol="0" anchor="ctr"/>
+          <a:lstStyle/>
+          <a:p>
+            <a:pPr algn="ctr"/>
+            <a:endParaRPr lang="en-US" dirty="0"/>
+          </a:p>
+        </p:txBody>
+      </p:sp>
+      <p:sp>
+        <p:nvSpPr>
+          <p:cNvPr id="12" name="Oval 11">
+            <a:extLst>
+              <a:ext uri="{FF2B5EF4-FFF2-40B4-BE49-F238E27FC236}">
+                <a16:creationId xmlns:a16="http://schemas.microsoft.com/office/drawing/2014/main" id="{54A38BA8-A5BC-4195-8764-55FCC25EC54A}"/>
+              </a:ext>
+            </a:extLst>
+          </p:cNvPr>
+          <p:cNvSpPr/>
+          <p:nvPr/>
+        </p:nvSpPr>
+        <p:spPr>
+          <a:xfrm>
+            <a:off x="7946662" y="3360080"/>
+            <a:ext cx="2610853" cy="2610853"/>
+          </a:xfrm>
+          <a:prstGeom prst="ellipse">
+            <a:avLst/>
+          </a:prstGeom>
+          <a:noFill/>
+          <a:ln w="69850">
+            <a:solidFill>
+              <a:schemeClr val="bg1"/>
+            </a:solidFill>
+          </a:ln>
+        </p:spPr>
+        <p:style>
+          <a:lnRef idx="2">
+            <a:schemeClr val="accent1">
+              <a:shade val="50000"/>
+            </a:schemeClr>
+          </a:lnRef>
+          <a:fillRef idx="1">
+            <a:schemeClr val="accent1"/>
+          </a:fillRef>
+          <a:effectRef idx="0">
+            <a:schemeClr val="accent1"/>
+          </a:effectRef>
+          <a:fontRef idx="minor">
+            <a:schemeClr val="lt1"/>
+          </a:fontRef>
+        </p:style>
+        <p:txBody>
+          <a:bodyPr rtlCol="0" anchor="ctr"/>
+          <a:lstStyle/>
+          <a:p>
+            <a:pPr algn="ctr"/>
+            <a:endParaRPr lang="en-US"/>
+          </a:p>
+        </p:txBody>
+      </p:sp>
+      <p:sp>
+        <p:nvSpPr>
+          <p:cNvPr id="13" name="Oval 12">
+            <a:extLst>
+              <a:ext uri="{FF2B5EF4-FFF2-40B4-BE49-F238E27FC236}">
+                <a16:creationId xmlns:a16="http://schemas.microsoft.com/office/drawing/2014/main" id="{275F3302-EBC8-4443-BFFE-846029780EA6}"/>
+              </a:ext>
+            </a:extLst>
+          </p:cNvPr>
+          <p:cNvSpPr/>
+          <p:nvPr/>
+        </p:nvSpPr>
+        <p:spPr>
+          <a:xfrm>
+            <a:off x="10481258" y="4573767"/>
+            <a:ext cx="169231" cy="169231"/>
+          </a:xfrm>
+          <a:prstGeom prst="ellipse">
+            <a:avLst/>
+          </a:prstGeom>
+          <a:solidFill>
+            <a:srgbClr val="FFC000"/>
+          </a:solidFill>
+        </p:spPr>
+        <p:style>
+          <a:lnRef idx="2">
+            <a:schemeClr val="accent1">
+              <a:shade val="50000"/>
+            </a:schemeClr>
+          </a:lnRef>
+          <a:fillRef idx="1">
+            <a:schemeClr val="accent1"/>
+          </a:fillRef>
+          <a:effectRef idx="0">
+            <a:schemeClr val="accent1"/>
+          </a:effectRef>
+          <a:fontRef idx="minor">
+            <a:schemeClr val="lt1"/>
+          </a:fontRef>
+        </p:style>
+        <p:txBody>
+          <a:bodyPr rtlCol="0" anchor="ctr"/>
+          <a:lstStyle/>
+          <a:p>
+            <a:pPr algn="ctr"/>
+            <a:endParaRPr lang="en-US"/>
+          </a:p>
+        </p:txBody>
+      </p:sp>
+    </p:spTree>
+    <p:extLst>
+      <p:ext uri="{BB962C8B-B14F-4D97-AF65-F5344CB8AC3E}">
+        <p14:creationId xmlns:p14="http://schemas.microsoft.com/office/powerpoint/2010/main" val="4089758876"/>
+      </p:ext>
+    </p:extLst>
+  </p:cSld>
+  <p:clrMapOvr>
+    <a:masterClrMapping/>
+  </p:clrMapOvr>
+  <p:timing>
+    <p:tnLst>
+      <p:par>
+        <p:cTn id="1" dur="indefinite" restart="never" nodeType="tmRoot">
+          <p:childTnLst>
+            <p:seq concurrent="1" nextAc="seek">
+              <p:cTn id="2" dur="indefinite" nodeType="mainSeq">
+                <p:childTnLst>
+                  <p:par>
+                    <p:cTn id="3" fill="hold">
+                      <p:stCondLst>
+                        <p:cond delay="indefinite"/>
+                        <p:cond evt="onBegin" delay="0">
+                          <p:tn val="2"/>
+                        </p:cond>
+                      </p:stCondLst>
+                      <p:childTnLst>
+                        <p:par>
+                          <p:cTn id="4" fill="hold">
+                            <p:stCondLst>
+                              <p:cond delay="0"/>
+                            </p:stCondLst>
+                            <p:childTnLst>
+                              <p:par>
+                                <p:cTn id="5" presetID="1" presetClass="exit" presetSubtype="0" fill="hold" grpId="0" nodeType="withEffect">
+                                  <p:stCondLst>
+                                    <p:cond delay="0"/>
+                                  </p:stCondLst>
+                                  <p:childTnLst>
+                                    <p:set>
+                                      <p:cBhvr>
+                                        <p:cTn id="6" dur="1" fill="hold">
+                                          <p:stCondLst>
+                                            <p:cond delay="0"/>
+                                          </p:stCondLst>
+                                        </p:cTn>
+                                        <p:tgtEl>
+                                          <p:spTgt spid="4"/>
+                                        </p:tgtEl>
+                                        <p:attrNameLst>
+                                          <p:attrName>style.visibility</p:attrName>
+                                        </p:attrNameLst>
+                                      </p:cBhvr>
+                                      <p:to>
+                                        <p:strVal val="hidden"/>
+                                      </p:to>
+                                    </p:set>
+                                  </p:childTnLst>
+                                </p:cTn>
+                              </p:par>
+                              <p:par>
+                                <p:cTn id="7" presetID="1" presetClass="exit" presetSubtype="0" fill="hold" grpId="0" nodeType="withEffect">
+                                  <p:stCondLst>
+                                    <p:cond delay="0"/>
+                                  </p:stCondLst>
+                                  <p:childTnLst>
+                                    <p:set>
+                                      <p:cBhvr>
+                                        <p:cTn id="8" dur="1" fill="hold">
+                                          <p:stCondLst>
+                                            <p:cond delay="0"/>
+                                          </p:stCondLst>
+                                        </p:cTn>
+                                        <p:tgtEl>
+                                          <p:spTgt spid="14"/>
+                                        </p:tgtEl>
+                                        <p:attrNameLst>
+                                          <p:attrName>style.visibility</p:attrName>
+                                        </p:attrNameLst>
+                                      </p:cBhvr>
+                                      <p:to>
+                                        <p:strVal val="hidden"/>
+                                      </p:to>
+                                    </p:set>
+                                  </p:childTnLst>
+                                </p:cTn>
+                              </p:par>
+                              <p:par>
+                                <p:cTn id="9" presetID="1" presetClass="exit" presetSubtype="0" fill="hold" nodeType="withEffect">
+                                  <p:stCondLst>
+                                    <p:cond delay="0"/>
+                                  </p:stCondLst>
+                                  <p:childTnLst>
+                                    <p:set>
+                                      <p:cBhvr>
+                                        <p:cTn id="10" dur="1" fill="hold">
+                                          <p:stCondLst>
+                                            <p:cond delay="0"/>
+                                          </p:stCondLst>
+                                        </p:cTn>
+                                        <p:tgtEl>
+                                          <p:spTgt spid="3">
+                                            <p:txEl>
+                                              <p:pRg st="4" end="4"/>
+                                            </p:txEl>
+                                          </p:spTgt>
+                                        </p:tgtEl>
+                                        <p:attrNameLst>
+                                          <p:attrName>style.visibility</p:attrName>
+                                        </p:attrNameLst>
+                                      </p:cBhvr>
+                                      <p:to>
+                                        <p:strVal val="hidden"/>
+                                      </p:to>
+                                    </p:set>
+                                  </p:childTnLst>
+                                </p:cTn>
+                              </p:par>
+                              <p:par>
+                                <p:cTn id="11" presetID="1" presetClass="exit" presetSubtype="0" fill="hold" nodeType="withEffect">
+                                  <p:stCondLst>
+                                    <p:cond delay="0"/>
+                                  </p:stCondLst>
+                                  <p:childTnLst>
+                                    <p:set>
+                                      <p:cBhvr>
+                                        <p:cTn id="12" dur="1" fill="hold">
+                                          <p:stCondLst>
+                                            <p:cond delay="0"/>
+                                          </p:stCondLst>
+                                        </p:cTn>
+                                        <p:tgtEl>
+                                          <p:spTgt spid="3">
+                                            <p:txEl>
+                                              <p:pRg st="5" end="5"/>
+                                            </p:txEl>
+                                          </p:spTgt>
+                                        </p:tgtEl>
+                                        <p:attrNameLst>
+                                          <p:attrName>style.visibility</p:attrName>
+                                        </p:attrNameLst>
+                                      </p:cBhvr>
+                                      <p:to>
+                                        <p:strVal val="hidden"/>
+                                      </p:to>
+                                    </p:set>
+                                  </p:childTnLst>
+                                </p:cTn>
+                              </p:par>
+                              <p:par>
+                                <p:cTn id="13" presetID="1" presetClass="exit" presetSubtype="0" fill="hold" nodeType="withEffect">
+                                  <p:stCondLst>
+                                    <p:cond delay="0"/>
+                                  </p:stCondLst>
+                                  <p:childTnLst>
+                                    <p:set>
+                                      <p:cBhvr>
+                                        <p:cTn id="14" dur="1" fill="hold">
+                                          <p:stCondLst>
+                                            <p:cond delay="0"/>
+                                          </p:stCondLst>
+                                        </p:cTn>
+                                        <p:tgtEl>
+                                          <p:spTgt spid="3">
+                                            <p:txEl>
+                                              <p:pRg st="6" end="6"/>
+                                            </p:txEl>
+                                          </p:spTgt>
+                                        </p:tgtEl>
+                                        <p:attrNameLst>
+                                          <p:attrName>style.visibility</p:attrName>
+                                        </p:attrNameLst>
+                                      </p:cBhvr>
+                                      <p:to>
+                                        <p:strVal val="hidden"/>
+                                      </p:to>
+                                    </p:set>
+                                  </p:childTnLst>
+                                </p:cTn>
+                              </p:par>
+                              <p:par>
+                                <p:cTn id="15" presetID="1" presetClass="exit" presetSubtype="0" fill="hold" nodeType="withEffect">
+                                  <p:stCondLst>
+                                    <p:cond delay="0"/>
+                                  </p:stCondLst>
+                                  <p:childTnLst>
+                                    <p:set>
+                                      <p:cBhvr>
+                                        <p:cTn id="16" dur="1" fill="hold">
+                                          <p:stCondLst>
+                                            <p:cond delay="0"/>
+                                          </p:stCondLst>
+                                        </p:cTn>
+                                        <p:tgtEl>
+                                          <p:spTgt spid="3">
+                                            <p:txEl>
+                                              <p:pRg st="7" end="7"/>
+                                            </p:txEl>
+                                          </p:spTgt>
+                                        </p:tgtEl>
+                                        <p:attrNameLst>
+                                          <p:attrName>style.visibility</p:attrName>
+                                        </p:attrNameLst>
+                                      </p:cBhvr>
+                                      <p:to>
+                                        <p:strVal val="hidden"/>
+                                      </p:to>
+                                    </p:set>
+                                  </p:childTnLst>
+                                </p:cTn>
+                              </p:par>
+                            </p:childTnLst>
+                          </p:cTn>
+                        </p:par>
+                      </p:childTnLst>
+                    </p:cTn>
+                  </p:par>
+                  <p:par>
+                    <p:cTn id="17" fill="hold">
+                      <p:stCondLst>
+                        <p:cond delay="indefinite"/>
+                      </p:stCondLst>
+                      <p:childTnLst>
+                        <p:par>
+                          <p:cTn id="18" fill="hold">
+                            <p:stCondLst>
+                              <p:cond delay="0"/>
+                            </p:stCondLst>
+                            <p:childTnLst>
+                              <p:par>
+                                <p:cTn id="19" presetID="1" presetClass="path" presetSubtype="0" repeatCount="indefinite" fill="hold" grpId="0" nodeType="clickEffect">
+                                  <p:stCondLst>
+                                    <p:cond delay="0"/>
+                                  </p:stCondLst>
+                                  <p:childTnLst>
+                                    <p:animMotion origin="layout" path="M -0.00052 0.00092 C -0.00052 -0.10371 -0.04935 -0.18936 -0.10821 -0.18936 C -0.16706 -0.18936 -0.21472 -0.10371 -0.21472 0.00092 C -0.21472 0.10648 -0.16706 0.19027 -0.10821 0.19027 C -0.04935 0.19027 -0.00052 0.10648 -0.00052 0.00092 Z " pathEditMode="fixed" rAng="16200000" ptsTypes="AAAAA">
+                                      <p:cBhvr>
+                                        <p:cTn id="20" dur="5000" fill="hold"/>
+                                        <p:tgtEl>
+                                          <p:spTgt spid="13"/>
+                                        </p:tgtEl>
+                                        <p:attrNameLst>
+                                          <p:attrName>ppt_x</p:attrName>
+                                          <p:attrName>ppt_y</p:attrName>
+                                        </p:attrNameLst>
+                                      </p:cBhvr>
+                                      <p:rCtr x="-10716" y="-46"/>
+                                    </p:animMotion>
+                                  </p:childTnLst>
+                                </p:cTn>
+                              </p:par>
+                            </p:childTnLst>
+                          </p:cTn>
+                        </p:par>
+                      </p:childTnLst>
+                    </p:cTn>
+                  </p:par>
+                  <p:par>
+                    <p:cTn id="21" fill="hold">
+                      <p:stCondLst>
+                        <p:cond delay="indefinite"/>
+                      </p:stCondLst>
+                      <p:childTnLst>
+                        <p:par>
+                          <p:cTn id="22" fill="hold">
+                            <p:stCondLst>
+                              <p:cond delay="0"/>
+                            </p:stCondLst>
+                            <p:childTnLst>
+                              <p:par>
+                                <p:cTn id="23" presetID="1" presetClass="entr" presetSubtype="0" fill="hold" nodeType="clickEffect">
+                                  <p:stCondLst>
+                                    <p:cond delay="0"/>
+                                  </p:stCondLst>
+                                  <p:childTnLst>
+                                    <p:set>
+                                      <p:cBhvr>
+                                        <p:cTn id="24" dur="1" fill="hold">
+                                          <p:stCondLst>
+                                            <p:cond delay="0"/>
+                                          </p:stCondLst>
+                                        </p:cTn>
+                                        <p:tgtEl>
+                                          <p:spTgt spid="3">
+                                            <p:txEl>
+                                              <p:pRg st="4" end="4"/>
+                                            </p:txEl>
+                                          </p:spTgt>
+                                        </p:tgtEl>
+                                        <p:attrNameLst>
+                                          <p:attrName>style.visibility</p:attrName>
+                                        </p:attrNameLst>
+                                      </p:cBhvr>
+                                      <p:to>
+                                        <p:strVal val="visible"/>
+                                      </p:to>
+                                    </p:set>
+                                  </p:childTnLst>
+                                </p:cTn>
+                              </p:par>
+                            </p:childTnLst>
+                          </p:cTn>
+                        </p:par>
+                      </p:childTnLst>
+                    </p:cTn>
+                  </p:par>
+                  <p:par>
+                    <p:cTn id="25" fill="hold">
+                      <p:stCondLst>
+                        <p:cond delay="indefinite"/>
+                      </p:stCondLst>
+                      <p:childTnLst>
+                        <p:par>
+                          <p:cTn id="26" fill="hold">
+                            <p:stCondLst>
+                              <p:cond delay="0"/>
+                            </p:stCondLst>
+                            <p:childTnLst>
+                              <p:par>
+                                <p:cTn id="27" presetID="1" presetClass="entr" presetSubtype="0" fill="hold" nodeType="clickEffect">
+                                  <p:stCondLst>
+                                    <p:cond delay="0"/>
+                                  </p:stCondLst>
+                                  <p:childTnLst>
+                                    <p:set>
+                                      <p:cBhvr>
+                                        <p:cTn id="28" dur="1" fill="hold">
+                                          <p:stCondLst>
+                                            <p:cond delay="0"/>
+                                          </p:stCondLst>
+                                        </p:cTn>
+                                        <p:tgtEl>
+                                          <p:spTgt spid="3">
+                                            <p:txEl>
+                                              <p:pRg st="5" end="5"/>
+                                            </p:txEl>
+                                          </p:spTgt>
+                                        </p:tgtEl>
+                                        <p:attrNameLst>
+                                          <p:attrName>style.visibility</p:attrName>
+                                        </p:attrNameLst>
+                                      </p:cBhvr>
+                                      <p:to>
+                                        <p:strVal val="visible"/>
+                                      </p:to>
+                                    </p:set>
+                                  </p:childTnLst>
+                                </p:cTn>
+                              </p:par>
+                            </p:childTnLst>
+                          </p:cTn>
+                        </p:par>
+                      </p:childTnLst>
+                    </p:cTn>
+                  </p:par>
+                  <p:par>
+                    <p:cTn id="29" fill="hold">
+                      <p:stCondLst>
+                        <p:cond delay="indefinite"/>
+                      </p:stCondLst>
+                      <p:childTnLst>
+                        <p:par>
+                          <p:cTn id="30" fill="hold">
+                            <p:stCondLst>
+                              <p:cond delay="0"/>
+                            </p:stCondLst>
+                            <p:childTnLst>
+                              <p:par>
+                                <p:cTn id="31" presetID="1" presetClass="entr" presetSubtype="0" fill="hold" nodeType="clickEffect">
+                                  <p:stCondLst>
+                                    <p:cond delay="0"/>
+                                  </p:stCondLst>
+                                  <p:childTnLst>
+                                    <p:set>
+                                      <p:cBhvr>
+                                        <p:cTn id="32" dur="1" fill="hold">
+                                          <p:stCondLst>
+                                            <p:cond delay="0"/>
+                                          </p:stCondLst>
+                                        </p:cTn>
+                                        <p:tgtEl>
+                                          <p:spTgt spid="3">
+                                            <p:txEl>
+                                              <p:pRg st="6" end="6"/>
+                                            </p:txEl>
+                                          </p:spTgt>
+                                        </p:tgtEl>
+                                        <p:attrNameLst>
+                                          <p:attrName>style.visibility</p:attrName>
+                                        </p:attrNameLst>
+                                      </p:cBhvr>
+                                      <p:to>
+                                        <p:strVal val="visible"/>
+                                      </p:to>
+                                    </p:set>
+                                  </p:childTnLst>
+                                </p:cTn>
+                              </p:par>
+                            </p:childTnLst>
+                          </p:cTn>
+                        </p:par>
+                      </p:childTnLst>
+                    </p:cTn>
+                  </p:par>
+                  <p:par>
+                    <p:cTn id="33" fill="hold">
+                      <p:stCondLst>
+                        <p:cond delay="indefinite"/>
+                      </p:stCondLst>
+                      <p:childTnLst>
+                        <p:par>
+                          <p:cTn id="34" fill="hold">
+                            <p:stCondLst>
+                              <p:cond delay="0"/>
+                            </p:stCondLst>
+                            <p:childTnLst>
+                              <p:par>
+                                <p:cTn id="35" presetID="1" presetClass="entr" presetSubtype="0" fill="hold" nodeType="clickEffect">
+                                  <p:stCondLst>
+                                    <p:cond delay="0"/>
+                                  </p:stCondLst>
+                                  <p:childTnLst>
+                                    <p:set>
+                                      <p:cBhvr>
+                                        <p:cTn id="36" dur="1" fill="hold">
+                                          <p:stCondLst>
+                                            <p:cond delay="0"/>
+                                          </p:stCondLst>
+                                        </p:cTn>
+                                        <p:tgtEl>
+                                          <p:spTgt spid="3">
+                                            <p:txEl>
+                                              <p:pRg st="7" end="7"/>
+                                            </p:txEl>
+                                          </p:spTgt>
+                                        </p:tgtEl>
+                                        <p:attrNameLst>
+                                          <p:attrName>style.visibility</p:attrName>
+                                        </p:attrNameLst>
+                                      </p:cBhvr>
+                                      <p:to>
+                                        <p:strVal val="visible"/>
+                                      </p:to>
+                                    </p:set>
+                                  </p:childTnLst>
+                                </p:cTn>
+                              </p:par>
+                              <p:par>
+                                <p:cTn id="37" presetID="1" presetClass="entr" presetSubtype="0" fill="hold" grpId="1" nodeType="withEffect">
+                                  <p:stCondLst>
+                                    <p:cond delay="0"/>
+                                  </p:stCondLst>
+                                  <p:childTnLst>
+                                    <p:set>
+                                      <p:cBhvr>
+                                        <p:cTn id="38" dur="1" fill="hold">
+                                          <p:stCondLst>
+                                            <p:cond delay="0"/>
+                                          </p:stCondLst>
+                                        </p:cTn>
+                                        <p:tgtEl>
+                                          <p:spTgt spid="4"/>
+                                        </p:tgtEl>
+                                        <p:attrNameLst>
+                                          <p:attrName>style.visibility</p:attrName>
+                                        </p:attrNameLst>
+                                      </p:cBhvr>
+                                      <p:to>
+                                        <p:strVal val="visible"/>
+                                      </p:to>
+                                    </p:set>
+                                  </p:childTnLst>
+                                </p:cTn>
+                              </p:par>
+                              <p:par>
+                                <p:cTn id="39" presetID="1" presetClass="entr" presetSubtype="0" fill="hold" grpId="1" nodeType="withEffect">
+                                  <p:stCondLst>
+                                    <p:cond delay="0"/>
+                                  </p:stCondLst>
+                                  <p:childTnLst>
+                                    <p:set>
+                                      <p:cBhvr>
+                                        <p:cTn id="40" dur="1" fill="hold">
+                                          <p:stCondLst>
+                                            <p:cond delay="0"/>
+                                          </p:stCondLst>
+                                        </p:cTn>
+                                        <p:tgtEl>
+                                          <p:spTgt spid="14"/>
+                                        </p:tgtEl>
+                                        <p:attrNameLst>
+                                          <p:attrName>style.visibility</p:attrName>
+                                        </p:attrNameLst>
+                                      </p:cBhvr>
+                                      <p:to>
+                                        <p:strVal val="visible"/>
+                                      </p:to>
+                                    </p:set>
+                                  </p:childTnLst>
+                                </p:cTn>
+                              </p:par>
+                            </p:childTnLst>
+                          </p:cTn>
+                        </p:par>
+                      </p:childTnLst>
+                    </p:cTn>
+                  </p:par>
+                </p:childTnLst>
+              </p:cTn>
+              <p:prevCondLst>
+                <p:cond evt="onPrev" delay="0">
+                  <p:tgtEl>
+                    <p:sldTgt/>
+                  </p:tgtEl>
+                </p:cond>
+              </p:prevCondLst>
+              <p:nextCondLst>
+                <p:cond evt="onNext" delay="0">
+                  <p:tgtEl>
+                    <p:sldTgt/>
+                  </p:tgtEl>
+                </p:cond>
+              </p:nextCondLst>
+            </p:seq>
+          </p:childTnLst>
+        </p:cTn>
+      </p:par>
+    </p:tnLst>
+    <p:bldLst>
+      <p:bldP spid="4" grpId="0" animBg="1"/>
+      <p:bldP spid="4" grpId="1" animBg="1"/>
+      <p:bldP spid="14" grpId="0" animBg="1"/>
+      <p:bldP spid="14" grpId="1" animBg="1"/>
+      <p:bldP spid="13" grpId="0" animBg="1"/>
+    </p:bldLst>
+  </p:timing>
+</p:sld>
+</file>
+
+<file path=ppt/slides/slide13.xml><?xml version="1.0" encoding="utf-8"?>
+<p:sld xmlns:a="http://schemas.openxmlformats.org/drawingml/2006/main" xmlns:r="http://schemas.openxmlformats.org/officeDocument/2006/relationships" xmlns:p="http://schemas.openxmlformats.org/presentationml/2006/main">
+  <p:cSld>
+    <p:spTree>
+      <p:nvGrpSpPr>
+        <p:cNvPr id="1" name=""/>
+        <p:cNvGrpSpPr/>
+        <p:nvPr/>
+      </p:nvGrpSpPr>
+      <p:grpSpPr>
+        <a:xfrm>
+          <a:off x="0" y="0"/>
+          <a:ext cx="0" cy="0"/>
+          <a:chOff x="0" y="0"/>
+          <a:chExt cx="0" cy="0"/>
+        </a:xfrm>
+      </p:grpSpPr>
+      <p:sp>
+        <p:nvSpPr>
+          <p:cNvPr id="2" name="Title 1">
+            <a:extLst>
+              <a:ext uri="{FF2B5EF4-FFF2-40B4-BE49-F238E27FC236}">
+                <a16:creationId xmlns:a16="http://schemas.microsoft.com/office/drawing/2014/main" id="{465FE338-8D59-4C44-9919-282B3DCF3828}"/>
+              </a:ext>
+            </a:extLst>
+          </p:cNvPr>
+          <p:cNvSpPr>
+            <a:spLocks noGrp="1"/>
+          </p:cNvSpPr>
+          <p:nvPr>
+            <p:ph type="title"/>
+          </p:nvPr>
+        </p:nvSpPr>
+        <p:spPr/>
+        <p:txBody>
+          <a:bodyPr/>
+          <a:lstStyle/>
+          <a:p>
+            <a:r>
+              <a:rPr lang="ko-KR" altLang="en-US" dirty="0"/>
+              <a:t>시그널 </a:t>
+            </a:r>
+            <a:r>
+              <a:rPr lang="en-US" altLang="ko-KR" dirty="0"/>
+              <a:t>– Polar</a:t>
+            </a:r>
+            <a:r>
+              <a:rPr lang="ko-KR" altLang="en-US" dirty="0"/>
+              <a:t> </a:t>
+            </a:r>
+            <a:r>
+              <a:rPr lang="en-US" altLang="ko-KR" dirty="0"/>
+              <a:t>coordinate</a:t>
+            </a:r>
+            <a:endParaRPr lang="en-US" dirty="0"/>
+          </a:p>
+        </p:txBody>
+      </p:sp>
+      <p:sp>
+        <p:nvSpPr>
+          <p:cNvPr id="8" name="Arrow: Quad 7">
+            <a:extLst>
+              <a:ext uri="{FF2B5EF4-FFF2-40B4-BE49-F238E27FC236}">
+                <a16:creationId xmlns:a16="http://schemas.microsoft.com/office/drawing/2014/main" id="{4DA6CCD6-C350-412C-9F9E-A8325D28A0EA}"/>
+              </a:ext>
+            </a:extLst>
+          </p:cNvPr>
+          <p:cNvSpPr/>
+          <p:nvPr/>
+        </p:nvSpPr>
+        <p:spPr>
+          <a:xfrm>
+            <a:off x="1491343" y="2783234"/>
+            <a:ext cx="3561347" cy="3561347"/>
+          </a:xfrm>
+          <a:prstGeom prst="quadArrow">
+            <a:avLst>
+              <a:gd name="adj1" fmla="val 2027"/>
+              <a:gd name="adj2" fmla="val 2215"/>
+              <a:gd name="adj3" fmla="val 0"/>
+            </a:avLst>
+          </a:prstGeom>
+        </p:spPr>
+        <p:style>
+          <a:lnRef idx="2">
+            <a:schemeClr val="accent1">
+              <a:shade val="50000"/>
+            </a:schemeClr>
+          </a:lnRef>
+          <a:fillRef idx="1">
+            <a:schemeClr val="accent1"/>
+          </a:fillRef>
+          <a:effectRef idx="0">
+            <a:schemeClr val="accent1"/>
+          </a:effectRef>
+          <a:fontRef idx="minor">
+            <a:schemeClr val="lt1"/>
+          </a:fontRef>
+        </p:style>
+        <p:txBody>
+          <a:bodyPr rtlCol="0" anchor="ctr"/>
+          <a:lstStyle/>
+          <a:p>
+            <a:pPr algn="ctr"/>
+            <a:endParaRPr lang="en-US" dirty="0"/>
+          </a:p>
+        </p:txBody>
+      </p:sp>
+      <p:sp>
+        <p:nvSpPr>
+          <p:cNvPr id="12" name="Oval 11">
+            <a:extLst>
+              <a:ext uri="{FF2B5EF4-FFF2-40B4-BE49-F238E27FC236}">
+                <a16:creationId xmlns:a16="http://schemas.microsoft.com/office/drawing/2014/main" id="{54A38BA8-A5BC-4195-8764-55FCC25EC54A}"/>
+              </a:ext>
+            </a:extLst>
+          </p:cNvPr>
+          <p:cNvSpPr/>
+          <p:nvPr/>
+        </p:nvSpPr>
+        <p:spPr>
+          <a:xfrm>
+            <a:off x="1966590" y="3258480"/>
+            <a:ext cx="2610853" cy="2610853"/>
+          </a:xfrm>
+          <a:prstGeom prst="ellipse">
+            <a:avLst/>
+          </a:prstGeom>
+          <a:noFill/>
+          <a:ln w="69850">
+            <a:solidFill>
+              <a:schemeClr val="bg1"/>
+            </a:solidFill>
+          </a:ln>
+        </p:spPr>
+        <p:style>
+          <a:lnRef idx="2">
+            <a:schemeClr val="accent1">
+              <a:shade val="50000"/>
+            </a:schemeClr>
+          </a:lnRef>
+          <a:fillRef idx="1">
+            <a:schemeClr val="accent1"/>
+          </a:fillRef>
+          <a:effectRef idx="0">
+            <a:schemeClr val="accent1"/>
+          </a:effectRef>
+          <a:fontRef idx="minor">
+            <a:schemeClr val="lt1"/>
+          </a:fontRef>
+        </p:style>
+        <p:txBody>
+          <a:bodyPr rtlCol="0" anchor="ctr"/>
+          <a:lstStyle/>
+          <a:p>
+            <a:pPr algn="ctr"/>
+            <a:endParaRPr lang="en-US"/>
+          </a:p>
+        </p:txBody>
+      </p:sp>
+      <p:sp>
+        <p:nvSpPr>
+          <p:cNvPr id="13" name="Oval 12">
+            <a:extLst>
+              <a:ext uri="{FF2B5EF4-FFF2-40B4-BE49-F238E27FC236}">
+                <a16:creationId xmlns:a16="http://schemas.microsoft.com/office/drawing/2014/main" id="{275F3302-EBC8-4443-BFFE-846029780EA6}"/>
+              </a:ext>
+            </a:extLst>
+          </p:cNvPr>
+          <p:cNvSpPr/>
+          <p:nvPr/>
+        </p:nvSpPr>
+        <p:spPr>
+          <a:xfrm>
+            <a:off x="4501186" y="4472167"/>
+            <a:ext cx="169231" cy="169231"/>
+          </a:xfrm>
+          <a:prstGeom prst="ellipse">
+            <a:avLst/>
+          </a:prstGeom>
+          <a:solidFill>
+            <a:srgbClr val="FFC000"/>
+          </a:solidFill>
+        </p:spPr>
+        <p:style>
+          <a:lnRef idx="2">
+            <a:schemeClr val="accent1">
+              <a:shade val="50000"/>
+            </a:schemeClr>
+          </a:lnRef>
+          <a:fillRef idx="1">
+            <a:schemeClr val="accent1"/>
+          </a:fillRef>
+          <a:effectRef idx="0">
+            <a:schemeClr val="accent1"/>
+          </a:effectRef>
+          <a:fontRef idx="minor">
+            <a:schemeClr val="lt1"/>
+          </a:fontRef>
+        </p:style>
+        <p:txBody>
+          <a:bodyPr rtlCol="0" anchor="ctr"/>
+          <a:lstStyle/>
+          <a:p>
+            <a:pPr algn="ctr"/>
+            <a:endParaRPr lang="en-US"/>
+          </a:p>
+        </p:txBody>
+      </p:sp>
+      <p:pic>
+        <p:nvPicPr>
+          <p:cNvPr id="15" name="Picture 14">
+            <a:extLst>
+              <a:ext uri="{FF2B5EF4-FFF2-40B4-BE49-F238E27FC236}">
+                <a16:creationId xmlns:a16="http://schemas.microsoft.com/office/drawing/2014/main" id="{82F3992E-56FB-41E3-953B-D1A87216AABB}"/>
+              </a:ext>
+            </a:extLst>
+          </p:cNvPr>
+          <p:cNvPicPr>
+            <a:picLocks noChangeAspect="1"/>
+          </p:cNvPicPr>
+          <p:nvPr/>
+        </p:nvPicPr>
+        <p:blipFill>
+          <a:blip r:embed="rId3">
+            <a:extLst>
+              <a:ext uri="{28A0092B-C50C-407E-A947-70E740481C1C}">
+                <a14:useLocalDpi xmlns:a14="http://schemas.microsoft.com/office/drawing/2010/main" val="0"/>
+              </a:ext>
+            </a:extLst>
+          </a:blip>
+          <a:stretch>
+            <a:fillRect/>
+          </a:stretch>
+        </p:blipFill>
+        <p:spPr>
+          <a:xfrm>
+            <a:off x="6890657" y="3163504"/>
+            <a:ext cx="3810000" cy="2771775"/>
+          </a:xfrm>
+          <a:prstGeom prst="rect">
+            <a:avLst/>
+          </a:prstGeom>
+        </p:spPr>
+      </p:pic>
+    </p:spTree>
+    <p:extLst>
+      <p:ext uri="{BB962C8B-B14F-4D97-AF65-F5344CB8AC3E}">
+        <p14:creationId xmlns:p14="http://schemas.microsoft.com/office/powerpoint/2010/main" val="3596610737"/>
+      </p:ext>
+    </p:extLst>
+  </p:cSld>
+  <p:clrMapOvr>
+    <a:masterClrMapping/>
+  </p:clrMapOvr>
+  <p:timing>
+    <p:tnLst>
+      <p:par>
+        <p:cTn id="1" dur="indefinite" restart="never" nodeType="tmRoot">
+          <p:childTnLst>
+            <p:seq concurrent="1" nextAc="seek">
+              <p:cTn id="2" dur="indefinite" nodeType="mainSeq">
+                <p:childTnLst>
+                  <p:par>
+                    <p:cTn id="3" fill="hold">
+                      <p:stCondLst>
+                        <p:cond delay="indefinite"/>
+                        <p:cond evt="onBegin" delay="0">
+                          <p:tn val="2"/>
+                        </p:cond>
+                      </p:stCondLst>
+                      <p:childTnLst>
+                        <p:par>
+                          <p:cTn id="4" fill="hold">
+                            <p:stCondLst>
+                              <p:cond delay="0"/>
+                            </p:stCondLst>
+                            <p:childTnLst>
+                              <p:par>
+                                <p:cTn id="5" presetID="1" presetClass="path" presetSubtype="0" repeatCount="indefinite" fill="hold" grpId="0" nodeType="withEffect">
+                                  <p:stCondLst>
+                                    <p:cond delay="0"/>
+                                  </p:stCondLst>
+                                  <p:childTnLst>
+                                    <p:animMotion origin="layout" path="M -8.33333E-7 4.81481E-6 C -8.33333E-7 -0.10463 -0.04883 -0.19028 -0.10768 -0.19028 C -0.16654 -0.19028 -0.21419 -0.10463 -0.21419 4.81481E-6 C -0.21419 0.10555 -0.16654 0.18935 -0.10768 0.18935 C -0.04883 0.18935 -8.33333E-7 0.10555 -8.33333E-7 4.81481E-6 Z " pathEditMode="fixed" rAng="16200000" ptsTypes="AAAAA">
+                                      <p:cBhvr>
+                                        <p:cTn id="6" dur="3000" fill="hold"/>
+                                        <p:tgtEl>
+                                          <p:spTgt spid="13"/>
+                                        </p:tgtEl>
+                                        <p:attrNameLst>
+                                          <p:attrName>ppt_x</p:attrName>
+                                          <p:attrName>ppt_y</p:attrName>
+                                        </p:attrNameLst>
+                                      </p:cBhvr>
+                                      <p:rCtr x="-10716" y="-46"/>
+                                    </p:animMotion>
+                                  </p:childTnLst>
+                                </p:cTn>
+                              </p:par>
+                            </p:childTnLst>
+                          </p:cTn>
+                        </p:par>
+                      </p:childTnLst>
+                    </p:cTn>
+                  </p:par>
+                </p:childTnLst>
+              </p:cTn>
+              <p:prevCondLst>
+                <p:cond evt="onPrev" delay="0">
+                  <p:tgtEl>
+                    <p:sldTgt/>
+                  </p:tgtEl>
+                </p:cond>
+              </p:prevCondLst>
+              <p:nextCondLst>
+                <p:cond evt="onNext" delay="0">
+                  <p:tgtEl>
+                    <p:sldTgt/>
+                  </p:tgtEl>
+                </p:cond>
+              </p:nextCondLst>
+            </p:seq>
+          </p:childTnLst>
+        </p:cTn>
+      </p:par>
+    </p:tnLst>
+    <p:bldLst>
+      <p:bldP spid="13" grpId="0" animBg="1"/>
+    </p:bldLst>
+  </p:timing>
+</p:sld>
+</file>
+
+<file path=ppt/slides/slide14.xml><?xml version="1.0" encoding="utf-8"?>
+<p:sld xmlns:a="http://schemas.openxmlformats.org/drawingml/2006/main" xmlns:r="http://schemas.openxmlformats.org/officeDocument/2006/relationships" xmlns:p="http://schemas.openxmlformats.org/presentationml/2006/main">
+  <p:cSld>
+    <p:spTree>
+      <p:nvGrpSpPr>
+        <p:cNvPr id="1" name=""/>
+        <p:cNvGrpSpPr/>
+        <p:nvPr/>
+      </p:nvGrpSpPr>
+      <p:grpSpPr>
+        <a:xfrm>
+          <a:off x="0" y="0"/>
+          <a:ext cx="0" cy="0"/>
+          <a:chOff x="0" y="0"/>
+          <a:chExt cx="0" cy="0"/>
+        </a:xfrm>
+      </p:grpSpPr>
+      <p:sp>
+        <p:nvSpPr>
+          <p:cNvPr id="2" name="Title 1">
+            <a:extLst>
+              <a:ext uri="{FF2B5EF4-FFF2-40B4-BE49-F238E27FC236}">
+                <a16:creationId xmlns:a16="http://schemas.microsoft.com/office/drawing/2014/main" id="{0DA3CD04-00CB-4696-A08D-5990CBD2AC45}"/>
+              </a:ext>
+            </a:extLst>
+          </p:cNvPr>
+          <p:cNvSpPr>
+            <a:spLocks noGrp="1"/>
+          </p:cNvSpPr>
+          <p:nvPr>
+            <p:ph type="title"/>
+          </p:nvPr>
+        </p:nvSpPr>
+        <p:spPr/>
+        <p:txBody>
+          <a:bodyPr/>
+          <a:lstStyle/>
+          <a:p>
+            <a:r>
+              <a:rPr lang="ko-KR" altLang="en-US" dirty="0"/>
+              <a:t>시그널 </a:t>
+            </a:r>
+            <a:r>
+              <a:rPr lang="en-US" altLang="ko-KR" dirty="0"/>
+              <a:t>– Polar</a:t>
+            </a:r>
+            <a:r>
+              <a:rPr lang="ko-KR" altLang="en-US" dirty="0"/>
+              <a:t> </a:t>
+            </a:r>
+            <a:r>
+              <a:rPr lang="en-US" altLang="ko-KR" dirty="0"/>
+              <a:t>coordinate</a:t>
+            </a:r>
+            <a:endParaRPr lang="en-US" dirty="0"/>
+          </a:p>
+        </p:txBody>
+      </p:sp>
+      <p:sp>
+        <p:nvSpPr>
+          <p:cNvPr id="3" name="Content Placeholder 2">
+            <a:extLst>
+              <a:ext uri="{FF2B5EF4-FFF2-40B4-BE49-F238E27FC236}">
+                <a16:creationId xmlns:a16="http://schemas.microsoft.com/office/drawing/2014/main" id="{1D92BC8A-CC45-4F59-A004-FAB942118483}"/>
+              </a:ext>
+            </a:extLst>
+          </p:cNvPr>
+          <p:cNvSpPr>
+            <a:spLocks noGrp="1"/>
+          </p:cNvSpPr>
+          <p:nvPr>
+            <p:ph idx="1"/>
+          </p:nvPr>
+        </p:nvSpPr>
+        <p:spPr/>
+        <p:txBody>
+          <a:bodyPr/>
+          <a:lstStyle/>
+          <a:p>
+            <a:r>
+              <a:rPr lang="en-US" dirty="0"/>
+              <a:t>Easy to manipulate</a:t>
+            </a:r>
+          </a:p>
+          <a:p>
+            <a:pPr lvl="1"/>
+            <a:r>
+              <a:rPr lang="en-US" dirty="0"/>
+              <a:t>4</a:t>
+            </a:r>
+            <a:r>
+              <a:rPr lang="ko-KR" altLang="en-US" dirty="0"/>
+              <a:t>칙연삭</a:t>
+            </a:r>
+            <a:endParaRPr lang="en-US" altLang="ko-KR" dirty="0"/>
+          </a:p>
+          <a:p>
+            <a:pPr lvl="1"/>
+            <a:r>
+              <a:rPr lang="en-US" dirty="0"/>
+              <a:t>Shifting = * </a:t>
+            </a:r>
+            <a:r>
+              <a:rPr lang="en-US" dirty="0" err="1"/>
+              <a:t>e</a:t>
+            </a:r>
+            <a:r>
+              <a:rPr lang="en-US" baseline="30000" dirty="0" err="1"/>
+              <a:t>i</a:t>
+            </a:r>
+            <a:r>
+              <a:rPr lang="en-US" baseline="30000" dirty="0"/>
+              <a:t>*</a:t>
+            </a:r>
+            <a:r>
+              <a:rPr lang="en-US" baseline="30000" dirty="0" err="1"/>
+              <a:t>shifting</a:t>
+            </a:r>
+            <a:r>
+              <a:rPr lang="en-US" altLang="ko-KR" baseline="30000" dirty="0" err="1"/>
+              <a:t>θ</a:t>
+            </a:r>
+            <a:r>
+              <a:rPr lang="en-US" altLang="ko-KR" baseline="30000" dirty="0"/>
+              <a:t> </a:t>
+            </a:r>
+            <a:r>
+              <a:rPr lang="en-US" altLang="ko-KR" dirty="0"/>
+              <a:t>= rotation</a:t>
+            </a:r>
+            <a:r>
+              <a:rPr lang="en-US" altLang="ko-KR" baseline="30000" dirty="0"/>
+              <a:t> </a:t>
+            </a:r>
+            <a:endParaRPr lang="en-US" baseline="30000" dirty="0"/>
+          </a:p>
+          <a:p>
+            <a:r>
+              <a:rPr lang="en-US" dirty="0"/>
+              <a:t>Easy to picture</a:t>
+            </a:r>
+          </a:p>
+          <a:p>
+            <a:r>
+              <a:rPr lang="en-US" dirty="0"/>
+              <a:t>Analyzing</a:t>
+            </a:r>
+          </a:p>
+        </p:txBody>
+      </p:sp>
+      <p:pic>
+        <p:nvPicPr>
+          <p:cNvPr id="6" name="Content Placeholder 4">
+            <a:extLst>
+              <a:ext uri="{FF2B5EF4-FFF2-40B4-BE49-F238E27FC236}">
+                <a16:creationId xmlns:a16="http://schemas.microsoft.com/office/drawing/2014/main" id="{D686B6A2-A6B3-4B71-B9D8-73277D1D50F1}"/>
+              </a:ext>
+            </a:extLst>
+          </p:cNvPr>
+          <p:cNvPicPr>
+            <a:picLocks noChangeAspect="1"/>
+          </p:cNvPicPr>
+          <p:nvPr/>
+        </p:nvPicPr>
+        <p:blipFill>
+          <a:blip r:embed="rId3">
+            <a:extLst>
+              <a:ext uri="{28A0092B-C50C-407E-A947-70E740481C1C}">
+                <a14:useLocalDpi xmlns:a14="http://schemas.microsoft.com/office/drawing/2010/main" val="0"/>
+              </a:ext>
+            </a:extLst>
+          </a:blip>
+          <a:stretch>
+            <a:fillRect/>
+          </a:stretch>
+        </p:blipFill>
+        <p:spPr>
+          <a:xfrm>
+            <a:off x="6293570" y="3670893"/>
+            <a:ext cx="2438400" cy="2438400"/>
+          </a:xfrm>
+          <a:prstGeom prst="rect">
+            <a:avLst/>
+          </a:prstGeom>
+        </p:spPr>
+      </p:pic>
+      <p:pic>
+        <p:nvPicPr>
+          <p:cNvPr id="8" name="Picture 7">
+            <a:extLst>
+              <a:ext uri="{FF2B5EF4-FFF2-40B4-BE49-F238E27FC236}">
+                <a16:creationId xmlns:a16="http://schemas.microsoft.com/office/drawing/2014/main" id="{27D65069-F02D-4573-AFC5-46009FF744A4}"/>
+              </a:ext>
+            </a:extLst>
+          </p:cNvPr>
+          <p:cNvPicPr>
+            <a:picLocks noChangeAspect="1"/>
+          </p:cNvPicPr>
+          <p:nvPr/>
+        </p:nvPicPr>
+        <p:blipFill>
+          <a:blip r:embed="rId4">
+            <a:extLst>
+              <a:ext uri="{28A0092B-C50C-407E-A947-70E740481C1C}">
+                <a14:useLocalDpi xmlns:a14="http://schemas.microsoft.com/office/drawing/2010/main" val="0"/>
+              </a:ext>
+            </a:extLst>
+          </a:blip>
+          <a:stretch>
+            <a:fillRect/>
+          </a:stretch>
+        </p:blipFill>
+        <p:spPr>
+          <a:xfrm>
+            <a:off x="3357865" y="3670893"/>
+            <a:ext cx="2438400" cy="2438400"/>
+          </a:xfrm>
+          <a:prstGeom prst="rect">
+            <a:avLst/>
+          </a:prstGeom>
+        </p:spPr>
+      </p:pic>
+    </p:spTree>
+    <p:extLst>
+      <p:ext uri="{BB962C8B-B14F-4D97-AF65-F5344CB8AC3E}">
+        <p14:creationId xmlns:p14="http://schemas.microsoft.com/office/powerpoint/2010/main" val="1145793643"/>
+      </p:ext>
+    </p:extLst>
+  </p:cSld>
+  <p:clrMapOvr>
+    <a:masterClrMapping/>
+  </p:clrMapOvr>
+  <p:timing>
+    <p:tnLst>
+      <p:par>
+        <p:cTn id="1" dur="indefinite" restart="never" nodeType="tmRoot">
+          <p:childTnLst>
+            <p:seq concurrent="1" nextAc="seek">
+              <p:cTn id="2" dur="indefinite" nodeType="mainSeq">
+                <p:childTnLst>
+                  <p:par>
+                    <p:cTn id="3" fill="hold">
+                      <p:stCondLst>
+                        <p:cond delay="indefinite"/>
+                        <p:cond evt="onBegin" delay="0">
+                          <p:tn val="2"/>
+                        </p:cond>
+                      </p:stCondLst>
+                      <p:childTnLst>
+                        <p:par>
+                          <p:cTn id="4" fill="hold">
+                            <p:stCondLst>
+                              <p:cond delay="0"/>
+                            </p:stCondLst>
+                            <p:childTnLst>
+                              <p:par>
+                                <p:cTn id="5" presetID="1" presetClass="exit" presetSubtype="0" fill="hold" grpId="0" nodeType="withEffect">
+                                  <p:stCondLst>
+                                    <p:cond delay="0"/>
+                                  </p:stCondLst>
+                                  <p:childTnLst>
+                                    <p:set>
+                                      <p:cBhvr>
+                                        <p:cTn id="6" dur="1" fill="hold">
+                                          <p:stCondLst>
+                                            <p:cond delay="0"/>
+                                          </p:stCondLst>
+                                        </p:cTn>
+                                        <p:tgtEl>
+                                          <p:spTgt spid="3">
+                                            <p:txEl>
+                                              <p:pRg st="0" end="0"/>
+                                            </p:txEl>
+                                          </p:spTgt>
+                                        </p:tgtEl>
+                                        <p:attrNameLst>
+                                          <p:attrName>style.visibility</p:attrName>
+                                        </p:attrNameLst>
+                                      </p:cBhvr>
+                                      <p:to>
+                                        <p:strVal val="hidden"/>
+                                      </p:to>
+                                    </p:set>
+                                  </p:childTnLst>
+                                </p:cTn>
+                              </p:par>
+                              <p:par>
+                                <p:cTn id="7" presetID="1" presetClass="exit" presetSubtype="0" fill="hold" grpId="0" nodeType="withEffect">
+                                  <p:stCondLst>
+                                    <p:cond delay="0"/>
+                                  </p:stCondLst>
+                                  <p:childTnLst>
+                                    <p:set>
+                                      <p:cBhvr>
+                                        <p:cTn id="8" dur="1" fill="hold">
+                                          <p:stCondLst>
+                                            <p:cond delay="0"/>
+                                          </p:stCondLst>
+                                        </p:cTn>
+                                        <p:tgtEl>
+                                          <p:spTgt spid="3">
+                                            <p:txEl>
+                                              <p:pRg st="1" end="1"/>
+                                            </p:txEl>
+                                          </p:spTgt>
+                                        </p:tgtEl>
+                                        <p:attrNameLst>
+                                          <p:attrName>style.visibility</p:attrName>
+                                        </p:attrNameLst>
+                                      </p:cBhvr>
+                                      <p:to>
+                                        <p:strVal val="hidden"/>
+                                      </p:to>
+                                    </p:set>
+                                  </p:childTnLst>
+                                </p:cTn>
+                              </p:par>
+                              <p:par>
+                                <p:cTn id="9" presetID="1" presetClass="exit" presetSubtype="0" fill="hold" grpId="0" nodeType="withEffect">
+                                  <p:stCondLst>
+                                    <p:cond delay="0"/>
+                                  </p:stCondLst>
+                                  <p:childTnLst>
+                                    <p:set>
+                                      <p:cBhvr>
+                                        <p:cTn id="10" dur="1" fill="hold">
+                                          <p:stCondLst>
+                                            <p:cond delay="0"/>
+                                          </p:stCondLst>
+                                        </p:cTn>
+                                        <p:tgtEl>
+                                          <p:spTgt spid="3">
+                                            <p:txEl>
+                                              <p:pRg st="2" end="2"/>
+                                            </p:txEl>
+                                          </p:spTgt>
+                                        </p:tgtEl>
+                                        <p:attrNameLst>
+                                          <p:attrName>style.visibility</p:attrName>
+                                        </p:attrNameLst>
+                                      </p:cBhvr>
+                                      <p:to>
+                                        <p:strVal val="hidden"/>
+                                      </p:to>
+                                    </p:set>
+                                  </p:childTnLst>
+                                </p:cTn>
+                              </p:par>
+                              <p:par>
+                                <p:cTn id="11" presetID="1" presetClass="exit" presetSubtype="0" fill="hold" grpId="0" nodeType="withEffect">
+                                  <p:stCondLst>
+                                    <p:cond delay="0"/>
+                                  </p:stCondLst>
+                                  <p:childTnLst>
+                                    <p:set>
+                                      <p:cBhvr>
+                                        <p:cTn id="12" dur="1" fill="hold">
+                                          <p:stCondLst>
+                                            <p:cond delay="0"/>
+                                          </p:stCondLst>
+                                        </p:cTn>
+                                        <p:tgtEl>
+                                          <p:spTgt spid="3">
+                                            <p:txEl>
+                                              <p:pRg st="3" end="3"/>
+                                            </p:txEl>
+                                          </p:spTgt>
+                                        </p:tgtEl>
+                                        <p:attrNameLst>
+                                          <p:attrName>style.visibility</p:attrName>
+                                        </p:attrNameLst>
+                                      </p:cBhvr>
+                                      <p:to>
+                                        <p:strVal val="hidden"/>
+                                      </p:to>
+                                    </p:set>
+                                  </p:childTnLst>
+                                </p:cTn>
+                              </p:par>
+                              <p:par>
+                                <p:cTn id="13" presetID="1" presetClass="exit" presetSubtype="0" fill="hold" grpId="0" nodeType="withEffect">
+                                  <p:stCondLst>
+                                    <p:cond delay="0"/>
+                                  </p:stCondLst>
+                                  <p:childTnLst>
+                                    <p:set>
+                                      <p:cBhvr>
+                                        <p:cTn id="14" dur="1" fill="hold">
+                                          <p:stCondLst>
+                                            <p:cond delay="0"/>
+                                          </p:stCondLst>
+                                        </p:cTn>
+                                        <p:tgtEl>
+                                          <p:spTgt spid="3">
+                                            <p:txEl>
+                                              <p:pRg st="4" end="4"/>
+                                            </p:txEl>
+                                          </p:spTgt>
+                                        </p:tgtEl>
+                                        <p:attrNameLst>
+                                          <p:attrName>style.visibility</p:attrName>
+                                        </p:attrNameLst>
+                                      </p:cBhvr>
+                                      <p:to>
+                                        <p:strVal val="hidden"/>
+                                      </p:to>
+                                    </p:set>
+                                  </p:childTnLst>
+                                </p:cTn>
+                              </p:par>
+                              <p:par>
+                                <p:cTn id="15" presetID="1" presetClass="exit" presetSubtype="0" fill="hold" nodeType="withEffect">
+                                  <p:stCondLst>
+                                    <p:cond delay="0"/>
+                                  </p:stCondLst>
+                                  <p:childTnLst>
+                                    <p:set>
+                                      <p:cBhvr>
+                                        <p:cTn id="16" dur="1" fill="hold">
+                                          <p:stCondLst>
+                                            <p:cond delay="0"/>
+                                          </p:stCondLst>
+                                        </p:cTn>
+                                        <p:tgtEl>
+                                          <p:spTgt spid="8"/>
+                                        </p:tgtEl>
+                                        <p:attrNameLst>
+                                          <p:attrName>style.visibility</p:attrName>
+                                        </p:attrNameLst>
+                                      </p:cBhvr>
+                                      <p:to>
+                                        <p:strVal val="hidden"/>
+                                      </p:to>
+                                    </p:set>
+                                  </p:childTnLst>
+                                </p:cTn>
+                              </p:par>
+                              <p:par>
+                                <p:cTn id="17" presetID="1" presetClass="exit" presetSubtype="0" fill="hold" nodeType="withEffect">
+                                  <p:stCondLst>
+                                    <p:cond delay="0"/>
+                                  </p:stCondLst>
+                                  <p:childTnLst>
+                                    <p:set>
+                                      <p:cBhvr>
+                                        <p:cTn id="18" dur="1" fill="hold">
+                                          <p:stCondLst>
+                                            <p:cond delay="0"/>
+                                          </p:stCondLst>
+                                        </p:cTn>
+                                        <p:tgtEl>
+                                          <p:spTgt spid="6"/>
+                                        </p:tgtEl>
+                                        <p:attrNameLst>
+                                          <p:attrName>style.visibility</p:attrName>
+                                        </p:attrNameLst>
+                                      </p:cBhvr>
+                                      <p:to>
+                                        <p:strVal val="hidden"/>
+                                      </p:to>
+                                    </p:set>
+                                  </p:childTnLst>
+                                </p:cTn>
+                              </p:par>
+                            </p:childTnLst>
+                          </p:cTn>
+                        </p:par>
+                      </p:childTnLst>
+                    </p:cTn>
+                  </p:par>
+                  <p:par>
+                    <p:cTn id="19" fill="hold">
+                      <p:stCondLst>
+                        <p:cond delay="indefinite"/>
+                      </p:stCondLst>
+                      <p:childTnLst>
+                        <p:par>
+                          <p:cTn id="20" fill="hold">
+                            <p:stCondLst>
+                              <p:cond delay="0"/>
+                            </p:stCondLst>
+                            <p:childTnLst>
+                              <p:par>
+                                <p:cTn id="21" presetID="1" presetClass="entr" presetSubtype="0" fill="hold" grpId="1" nodeType="clickEffect">
+                                  <p:stCondLst>
+                                    <p:cond delay="0"/>
+                                  </p:stCondLst>
+                                  <p:childTnLst>
+                                    <p:set>
+                                      <p:cBhvr>
+                                        <p:cTn id="22" dur="1" fill="hold">
+                                          <p:stCondLst>
+                                            <p:cond delay="0"/>
+                                          </p:stCondLst>
+                                        </p:cTn>
+                                        <p:tgtEl>
+                                          <p:spTgt spid="3">
+                                            <p:txEl>
+                                              <p:pRg st="0" end="0"/>
+                                            </p:txEl>
+                                          </p:spTgt>
+                                        </p:tgtEl>
+                                        <p:attrNameLst>
+                                          <p:attrName>style.visibility</p:attrName>
+                                        </p:attrNameLst>
+                                      </p:cBhvr>
+                                      <p:to>
+                                        <p:strVal val="visible"/>
+                                      </p:to>
+                                    </p:set>
+                                  </p:childTnLst>
+                                </p:cTn>
+                              </p:par>
+                            </p:childTnLst>
+                          </p:cTn>
+                        </p:par>
+                      </p:childTnLst>
+                    </p:cTn>
+                  </p:par>
+                  <p:par>
+                    <p:cTn id="23" fill="hold">
+                      <p:stCondLst>
+                        <p:cond delay="indefinite"/>
+                      </p:stCondLst>
+                      <p:childTnLst>
+                        <p:par>
+                          <p:cTn id="24" fill="hold">
+                            <p:stCondLst>
+                              <p:cond delay="0"/>
+                            </p:stCondLst>
+                            <p:childTnLst>
+                              <p:par>
+                                <p:cTn id="25" presetID="1" presetClass="entr" presetSubtype="0" fill="hold" grpId="1" nodeType="clickEffect">
+                                  <p:stCondLst>
+                                    <p:cond delay="0"/>
+                                  </p:stCondLst>
+                                  <p:childTnLst>
+                                    <p:set>
+                                      <p:cBhvr>
+                                        <p:cTn id="26" dur="1" fill="hold">
+                                          <p:stCondLst>
+                                            <p:cond delay="0"/>
+                                          </p:stCondLst>
+                                        </p:cTn>
+                                        <p:tgtEl>
+                                          <p:spTgt spid="3">
+                                            <p:txEl>
+                                              <p:pRg st="1" end="1"/>
+                                            </p:txEl>
+                                          </p:spTgt>
+                                        </p:tgtEl>
+                                        <p:attrNameLst>
+                                          <p:attrName>style.visibility</p:attrName>
+                                        </p:attrNameLst>
+                                      </p:cBhvr>
+                                      <p:to>
+                                        <p:strVal val="visible"/>
+                                      </p:to>
+                                    </p:set>
+                                  </p:childTnLst>
+                                </p:cTn>
+                              </p:par>
+                            </p:childTnLst>
+                          </p:cTn>
+                        </p:par>
+                      </p:childTnLst>
+                    </p:cTn>
+                  </p:par>
+                  <p:par>
+                    <p:cTn id="27" fill="hold">
+                      <p:stCondLst>
+                        <p:cond delay="indefinite"/>
+                      </p:stCondLst>
+                      <p:childTnLst>
+                        <p:par>
+                          <p:cTn id="28" fill="hold">
+                            <p:stCondLst>
+                              <p:cond delay="0"/>
+                            </p:stCondLst>
+                            <p:childTnLst>
+                              <p:par>
+                                <p:cTn id="29" presetID="1" presetClass="entr" presetSubtype="0" fill="hold" grpId="1" nodeType="clickEffect">
+                                  <p:stCondLst>
+                                    <p:cond delay="0"/>
+                                  </p:stCondLst>
+                                  <p:childTnLst>
+                                    <p:set>
+                                      <p:cBhvr>
+                                        <p:cTn id="30" dur="1" fill="hold">
+                                          <p:stCondLst>
+                                            <p:cond delay="0"/>
+                                          </p:stCondLst>
+                                        </p:cTn>
+                                        <p:tgtEl>
+                                          <p:spTgt spid="3">
+                                            <p:txEl>
+                                              <p:pRg st="2" end="2"/>
+                                            </p:txEl>
+                                          </p:spTgt>
+                                        </p:tgtEl>
+                                        <p:attrNameLst>
+                                          <p:attrName>style.visibility</p:attrName>
+                                        </p:attrNameLst>
+                                      </p:cBhvr>
+                                      <p:to>
+                                        <p:strVal val="visible"/>
+                                      </p:to>
+                                    </p:set>
+                                  </p:childTnLst>
+                                </p:cTn>
+                              </p:par>
+                            </p:childTnLst>
+                          </p:cTn>
+                        </p:par>
+                      </p:childTnLst>
+                    </p:cTn>
+                  </p:par>
+                  <p:par>
+                    <p:cTn id="31" fill="hold">
+                      <p:stCondLst>
+                        <p:cond delay="indefinite"/>
+                      </p:stCondLst>
+                      <p:childTnLst>
+                        <p:par>
+                          <p:cTn id="32" fill="hold">
+                            <p:stCondLst>
+                              <p:cond delay="0"/>
+                            </p:stCondLst>
+                            <p:childTnLst>
+                              <p:par>
+                                <p:cTn id="33" presetID="1" presetClass="entr" presetSubtype="0" fill="hold" grpId="1" nodeType="clickEffect">
+                                  <p:stCondLst>
+                                    <p:cond delay="0"/>
+                                  </p:stCondLst>
+                                  <p:childTnLst>
+                                    <p:set>
+                                      <p:cBhvr>
+                                        <p:cTn id="34" dur="1" fill="hold">
+                                          <p:stCondLst>
+                                            <p:cond delay="0"/>
+                                          </p:stCondLst>
+                                        </p:cTn>
+                                        <p:tgtEl>
+                                          <p:spTgt spid="3">
+                                            <p:txEl>
+                                              <p:pRg st="3" end="3"/>
+                                            </p:txEl>
+                                          </p:spTgt>
+                                        </p:tgtEl>
+                                        <p:attrNameLst>
+                                          <p:attrName>style.visibility</p:attrName>
+                                        </p:attrNameLst>
+                                      </p:cBhvr>
+                                      <p:to>
+                                        <p:strVal val="visible"/>
+                                      </p:to>
+                                    </p:set>
+                                  </p:childTnLst>
+                                </p:cTn>
+                              </p:par>
+                              <p:par>
+                                <p:cTn id="35" presetID="1" presetClass="entr" presetSubtype="0" fill="hold" nodeType="withEffect">
+                                  <p:stCondLst>
+                                    <p:cond delay="0"/>
+                                  </p:stCondLst>
+                                  <p:childTnLst>
+                                    <p:set>
+                                      <p:cBhvr>
+                                        <p:cTn id="36" dur="1" fill="hold">
+                                          <p:stCondLst>
+                                            <p:cond delay="0"/>
+                                          </p:stCondLst>
+                                        </p:cTn>
+                                        <p:tgtEl>
+                                          <p:spTgt spid="8"/>
+                                        </p:tgtEl>
+                                        <p:attrNameLst>
+                                          <p:attrName>style.visibility</p:attrName>
+                                        </p:attrNameLst>
+                                      </p:cBhvr>
+                                      <p:to>
+                                        <p:strVal val="visible"/>
+                                      </p:to>
+                                    </p:set>
+                                  </p:childTnLst>
+                                </p:cTn>
+                              </p:par>
+                              <p:par>
+                                <p:cTn id="37" presetID="1" presetClass="entr" presetSubtype="0" fill="hold" nodeType="withEffect">
+                                  <p:stCondLst>
+                                    <p:cond delay="0"/>
+                                  </p:stCondLst>
+                                  <p:childTnLst>
+                                    <p:set>
+                                      <p:cBhvr>
+                                        <p:cTn id="38" dur="1" fill="hold">
+                                          <p:stCondLst>
+                                            <p:cond delay="0"/>
+                                          </p:stCondLst>
+                                        </p:cTn>
+                                        <p:tgtEl>
+                                          <p:spTgt spid="6"/>
+                                        </p:tgtEl>
+                                        <p:attrNameLst>
+                                          <p:attrName>style.visibility</p:attrName>
+                                        </p:attrNameLst>
+                                      </p:cBhvr>
+                                      <p:to>
+                                        <p:strVal val="visible"/>
+                                      </p:to>
+                                    </p:set>
+                                  </p:childTnLst>
+                                </p:cTn>
+                              </p:par>
+                            </p:childTnLst>
+                          </p:cTn>
+                        </p:par>
+                      </p:childTnLst>
+                    </p:cTn>
+                  </p:par>
+                  <p:par>
+                    <p:cTn id="39" fill="hold">
+                      <p:stCondLst>
+                        <p:cond delay="indefinite"/>
+                      </p:stCondLst>
+                      <p:childTnLst>
+                        <p:par>
+                          <p:cTn id="40" fill="hold">
+                            <p:stCondLst>
+                              <p:cond delay="0"/>
+                            </p:stCondLst>
+                            <p:childTnLst>
+                              <p:par>
+                                <p:cTn id="41" presetID="1" presetClass="entr" presetSubtype="0" fill="hold" grpId="1" nodeType="clickEffect">
+                                  <p:stCondLst>
+                                    <p:cond delay="0"/>
+                                  </p:stCondLst>
+                                  <p:childTnLst>
+                                    <p:set>
+                                      <p:cBhvr>
+                                        <p:cTn id="42" dur="1" fill="hold">
+                                          <p:stCondLst>
+                                            <p:cond delay="0"/>
+                                          </p:stCondLst>
+                                        </p:cTn>
+                                        <p:tgtEl>
+                                          <p:spTgt spid="3">
+                                            <p:txEl>
+                                              <p:pRg st="4" end="4"/>
+                                            </p:txEl>
+                                          </p:spTgt>
+                                        </p:tgtEl>
+                                        <p:attrNameLst>
+                                          <p:attrName>style.visibility</p:attrName>
+                                        </p:attrNameLst>
+                                      </p:cBhvr>
+                                      <p:to>
+                                        <p:strVal val="visible"/>
+                                      </p:to>
+                                    </p:set>
+                                  </p:childTnLst>
+                                </p:cTn>
+                              </p:par>
+                            </p:childTnLst>
+                          </p:cTn>
+                        </p:par>
+                      </p:childTnLst>
+                    </p:cTn>
+                  </p:par>
+                </p:childTnLst>
+              </p:cTn>
+              <p:prevCondLst>
+                <p:cond evt="onPrev" delay="0">
+                  <p:tgtEl>
+                    <p:sldTgt/>
+                  </p:tgtEl>
+                </p:cond>
+              </p:prevCondLst>
+              <p:nextCondLst>
+                <p:cond evt="onNext" delay="0">
+                  <p:tgtEl>
+                    <p:sldTgt/>
+                  </p:tgtEl>
+                </p:cond>
+              </p:nextCondLst>
+            </p:seq>
+          </p:childTnLst>
+        </p:cTn>
+      </p:par>
+    </p:tnLst>
+    <p:bldLst>
+      <p:bldP spid="3" grpId="0" build="p"/>
+      <p:bldP spid="3" grpId="1" uiExpand="1" build="p"/>
+    </p:bldLst>
+  </p:timing>
+</p:sld>
+</file>
+
+<file path=ppt/slides/slide15.xml><?xml version="1.0" encoding="utf-8"?>
+<p:sld xmlns:a="http://schemas.openxmlformats.org/drawingml/2006/main" xmlns:r="http://schemas.openxmlformats.org/officeDocument/2006/relationships" xmlns:p="http://schemas.openxmlformats.org/presentationml/2006/main">
+  <p:cSld>
+    <p:spTree>
+      <p:nvGrpSpPr>
+        <p:cNvPr id="1" name=""/>
+        <p:cNvGrpSpPr/>
+        <p:nvPr/>
+      </p:nvGrpSpPr>
+      <p:grpSpPr>
+        <a:xfrm>
+          <a:off x="0" y="0"/>
+          <a:ext cx="0" cy="0"/>
+          <a:chOff x="0" y="0"/>
+          <a:chExt cx="0" cy="0"/>
+        </a:xfrm>
+      </p:grpSpPr>
     </p:spTree>
     <p:extLst>
       <p:ext uri="{BB962C8B-B14F-4D97-AF65-F5344CB8AC3E}">
@@ -4681,7 +9288,627 @@
 </p:sld>
 </file>
 
-<file path=ppt/slides/slide11.xml><?xml version="1.0" encoding="utf-8"?>
+<file path=ppt/slides/slide16.xml><?xml version="1.0" encoding="utf-8"?>
+<p:sld xmlns:a="http://schemas.openxmlformats.org/drawingml/2006/main" xmlns:r="http://schemas.openxmlformats.org/officeDocument/2006/relationships" xmlns:p="http://schemas.openxmlformats.org/presentationml/2006/main">
+  <p:cSld>
+    <p:spTree>
+      <p:nvGrpSpPr>
+        <p:cNvPr id="1" name=""/>
+        <p:cNvGrpSpPr/>
+        <p:nvPr/>
+      </p:nvGrpSpPr>
+      <p:grpSpPr>
+        <a:xfrm>
+          <a:off x="0" y="0"/>
+          <a:ext cx="0" cy="0"/>
+          <a:chOff x="0" y="0"/>
+          <a:chExt cx="0" cy="0"/>
+        </a:xfrm>
+      </p:grpSpPr>
+    </p:spTree>
+    <p:extLst>
+      <p:ext uri="{BB962C8B-B14F-4D97-AF65-F5344CB8AC3E}">
+        <p14:creationId xmlns:p14="http://schemas.microsoft.com/office/powerpoint/2010/main" val="3569152453"/>
+      </p:ext>
+    </p:extLst>
+  </p:cSld>
+  <p:clrMapOvr>
+    <a:masterClrMapping/>
+  </p:clrMapOvr>
+</p:sld>
+</file>
+
+<file path=ppt/slides/slide17.xml><?xml version="1.0" encoding="utf-8"?>
+<p:sld xmlns:a="http://schemas.openxmlformats.org/drawingml/2006/main" xmlns:r="http://schemas.openxmlformats.org/officeDocument/2006/relationships" xmlns:p="http://schemas.openxmlformats.org/presentationml/2006/main">
+  <p:cSld>
+    <p:spTree>
+      <p:nvGrpSpPr>
+        <p:cNvPr id="1" name=""/>
+        <p:cNvGrpSpPr/>
+        <p:nvPr/>
+      </p:nvGrpSpPr>
+      <p:grpSpPr>
+        <a:xfrm>
+          <a:off x="0" y="0"/>
+          <a:ext cx="0" cy="0"/>
+          <a:chOff x="0" y="0"/>
+          <a:chExt cx="0" cy="0"/>
+        </a:xfrm>
+      </p:grpSpPr>
+    </p:spTree>
+    <p:extLst>
+      <p:ext uri="{BB962C8B-B14F-4D97-AF65-F5344CB8AC3E}">
+        <p14:creationId xmlns:p14="http://schemas.microsoft.com/office/powerpoint/2010/main" val="3361209465"/>
+      </p:ext>
+    </p:extLst>
+  </p:cSld>
+  <p:clrMapOvr>
+    <a:masterClrMapping/>
+  </p:clrMapOvr>
+</p:sld>
+</file>
+
+<file path=ppt/slides/slide18.xml><?xml version="1.0" encoding="utf-8"?>
+<p:sld xmlns:a="http://schemas.openxmlformats.org/drawingml/2006/main" xmlns:r="http://schemas.openxmlformats.org/officeDocument/2006/relationships" xmlns:p="http://schemas.openxmlformats.org/presentationml/2006/main">
+  <p:cSld>
+    <p:spTree>
+      <p:nvGrpSpPr>
+        <p:cNvPr id="1" name=""/>
+        <p:cNvGrpSpPr/>
+        <p:nvPr/>
+      </p:nvGrpSpPr>
+      <p:grpSpPr>
+        <a:xfrm>
+          <a:off x="0" y="0"/>
+          <a:ext cx="0" cy="0"/>
+          <a:chOff x="0" y="0"/>
+          <a:chExt cx="0" cy="0"/>
+        </a:xfrm>
+      </p:grpSpPr>
+    </p:spTree>
+    <p:extLst>
+      <p:ext uri="{BB962C8B-B14F-4D97-AF65-F5344CB8AC3E}">
+        <p14:creationId xmlns:p14="http://schemas.microsoft.com/office/powerpoint/2010/main" val="3951541509"/>
+      </p:ext>
+    </p:extLst>
+  </p:cSld>
+  <p:clrMapOvr>
+    <a:masterClrMapping/>
+  </p:clrMapOvr>
+</p:sld>
+</file>
+
+<file path=ppt/slides/slide19.xml><?xml version="1.0" encoding="utf-8"?>
+<p:sld xmlns:a="http://schemas.openxmlformats.org/drawingml/2006/main" xmlns:r="http://schemas.openxmlformats.org/officeDocument/2006/relationships" xmlns:p="http://schemas.openxmlformats.org/presentationml/2006/main">
+  <p:cSld>
+    <p:spTree>
+      <p:nvGrpSpPr>
+        <p:cNvPr id="1" name=""/>
+        <p:cNvGrpSpPr/>
+        <p:nvPr/>
+      </p:nvGrpSpPr>
+      <p:grpSpPr>
+        <a:xfrm>
+          <a:off x="0" y="0"/>
+          <a:ext cx="0" cy="0"/>
+          <a:chOff x="0" y="0"/>
+          <a:chExt cx="0" cy="0"/>
+        </a:xfrm>
+      </p:grpSpPr>
+    </p:spTree>
+    <p:extLst>
+      <p:ext uri="{BB962C8B-B14F-4D97-AF65-F5344CB8AC3E}">
+        <p14:creationId xmlns:p14="http://schemas.microsoft.com/office/powerpoint/2010/main" val="1419767154"/>
+      </p:ext>
+    </p:extLst>
+  </p:cSld>
+  <p:clrMapOvr>
+    <a:masterClrMapping/>
+  </p:clrMapOvr>
+</p:sld>
+</file>
+
+<file path=ppt/slides/slide2.xml><?xml version="1.0" encoding="utf-8"?>
+<p:sld xmlns:a="http://schemas.openxmlformats.org/drawingml/2006/main" xmlns:r="http://schemas.openxmlformats.org/officeDocument/2006/relationships" xmlns:p="http://schemas.openxmlformats.org/presentationml/2006/main">
+  <p:cSld>
+    <p:spTree>
+      <p:nvGrpSpPr>
+        <p:cNvPr id="1" name=""/>
+        <p:cNvGrpSpPr/>
+        <p:nvPr/>
+      </p:nvGrpSpPr>
+      <p:grpSpPr>
+        <a:xfrm>
+          <a:off x="0" y="0"/>
+          <a:ext cx="0" cy="0"/>
+          <a:chOff x="0" y="0"/>
+          <a:chExt cx="0" cy="0"/>
+        </a:xfrm>
+      </p:grpSpPr>
+      <p:sp>
+        <p:nvSpPr>
+          <p:cNvPr id="2" name="Title 1">
+            <a:extLst>
+              <a:ext uri="{FF2B5EF4-FFF2-40B4-BE49-F238E27FC236}">
+                <a16:creationId xmlns:a16="http://schemas.microsoft.com/office/drawing/2014/main" id="{11210BD1-E480-4347-B90F-C3776575C021}"/>
+              </a:ext>
+            </a:extLst>
+          </p:cNvPr>
+          <p:cNvSpPr>
+            <a:spLocks noGrp="1"/>
+          </p:cNvSpPr>
+          <p:nvPr>
+            <p:ph type="title"/>
+          </p:nvPr>
+        </p:nvSpPr>
+        <p:spPr/>
+        <p:txBody>
+          <a:bodyPr/>
+          <a:lstStyle/>
+          <a:p>
+            <a:r>
+              <a:rPr lang="en-US" sz="4800" dirty="0"/>
+              <a:t>Introduction To DSP – Analog Signal</a:t>
+            </a:r>
+            <a:endParaRPr lang="en-US" dirty="0"/>
+          </a:p>
+        </p:txBody>
+      </p:sp>
+      <p:pic>
+        <p:nvPicPr>
+          <p:cNvPr id="5" name="Content Placeholder 4">
+            <a:extLst>
+              <a:ext uri="{FF2B5EF4-FFF2-40B4-BE49-F238E27FC236}">
+                <a16:creationId xmlns:a16="http://schemas.microsoft.com/office/drawing/2014/main" id="{A7581426-4D92-493A-ACB9-A72C4383B2A8}"/>
+              </a:ext>
+            </a:extLst>
+          </p:cNvPr>
+          <p:cNvPicPr>
+            <a:picLocks noGrp="1" noChangeAspect="1"/>
+          </p:cNvPicPr>
+          <p:nvPr>
+            <p:ph idx="1"/>
+          </p:nvPr>
+        </p:nvPicPr>
+        <p:blipFill rotWithShape="1">
+          <a:blip r:embed="rId3">
+            <a:extLst>
+              <a:ext uri="{28A0092B-C50C-407E-A947-70E740481C1C}">
+                <a14:useLocalDpi xmlns:a14="http://schemas.microsoft.com/office/drawing/2010/main" val="0"/>
+              </a:ext>
+            </a:extLst>
+          </a:blip>
+          <a:srcRect l="7406" t="13970" r="9902" b="20705"/>
+          <a:stretch/>
+        </p:blipFill>
+        <p:spPr>
+          <a:xfrm>
+            <a:off x="730968" y="2743309"/>
+            <a:ext cx="4487779" cy="2658932"/>
+          </a:xfrm>
+        </p:spPr>
+      </p:pic>
+      <p:sp>
+        <p:nvSpPr>
+          <p:cNvPr id="6" name="TextBox 5">
+            <a:extLst>
+              <a:ext uri="{FF2B5EF4-FFF2-40B4-BE49-F238E27FC236}">
+                <a16:creationId xmlns:a16="http://schemas.microsoft.com/office/drawing/2014/main" id="{40502EE1-F794-4AFF-9F85-27DC023F3901}"/>
+              </a:ext>
+            </a:extLst>
+          </p:cNvPr>
+          <p:cNvSpPr txBox="1"/>
+          <p:nvPr/>
+        </p:nvSpPr>
+        <p:spPr>
+          <a:xfrm>
+            <a:off x="5480236" y="3334111"/>
+            <a:ext cx="760144" cy="1477328"/>
+          </a:xfrm>
+          <a:prstGeom prst="rect">
+            <a:avLst/>
+          </a:prstGeom>
+          <a:noFill/>
+        </p:spPr>
+        <p:txBody>
+          <a:bodyPr wrap="none" rtlCol="0">
+            <a:spAutoFit/>
+          </a:bodyPr>
+          <a:lstStyle/>
+          <a:p>
+            <a:r>
+              <a:rPr lang="en-US" sz="9000" dirty="0"/>
+              <a:t>=</a:t>
+            </a:r>
+          </a:p>
+        </p:txBody>
+      </p:sp>
+      <p:sp>
+        <p:nvSpPr>
+          <p:cNvPr id="7" name="TextBox 6">
+            <a:extLst>
+              <a:ext uri="{FF2B5EF4-FFF2-40B4-BE49-F238E27FC236}">
+                <a16:creationId xmlns:a16="http://schemas.microsoft.com/office/drawing/2014/main" id="{6E3BD8B4-0490-4E54-952D-2F6A27A8FBCE}"/>
+              </a:ext>
+            </a:extLst>
+          </p:cNvPr>
+          <p:cNvSpPr txBox="1"/>
+          <p:nvPr/>
+        </p:nvSpPr>
+        <p:spPr>
+          <a:xfrm>
+            <a:off x="5860308" y="3429000"/>
+            <a:ext cx="5719392" cy="1323439"/>
+          </a:xfrm>
+          <a:prstGeom prst="rect">
+            <a:avLst/>
+          </a:prstGeom>
+          <a:noFill/>
+        </p:spPr>
+        <p:txBody>
+          <a:bodyPr wrap="square" rtlCol="0">
+            <a:spAutoFit/>
+          </a:bodyPr>
+          <a:lstStyle/>
+          <a:p>
+            <a:pPr algn="ctr"/>
+            <a:r>
+              <a:rPr lang="en-US" sz="4000" dirty="0"/>
+              <a:t>Sin</a:t>
+            </a:r>
+            <a:r>
+              <a:rPr lang="en-US" altLang="ko-KR" sz="4000" dirty="0"/>
+              <a:t>θ</a:t>
+            </a:r>
+            <a:r>
+              <a:rPr lang="en-US" altLang="ko-KR" sz="4000" baseline="-25000" dirty="0"/>
+              <a:t>1</a:t>
+            </a:r>
+            <a:r>
+              <a:rPr lang="en-US" sz="4000" dirty="0"/>
+              <a:t> + Sin</a:t>
+            </a:r>
+            <a:r>
+              <a:rPr lang="en-US" altLang="ko-KR" sz="4000" dirty="0"/>
+              <a:t>θ</a:t>
+            </a:r>
+            <a:r>
+              <a:rPr lang="en-US" altLang="ko-KR" sz="4000" baseline="-25000" dirty="0"/>
+              <a:t>2</a:t>
+            </a:r>
+            <a:r>
+              <a:rPr lang="en-US" sz="4000" dirty="0"/>
+              <a:t> + Sin</a:t>
+            </a:r>
+            <a:r>
+              <a:rPr lang="en-US" altLang="ko-KR" sz="4000" dirty="0"/>
+              <a:t>θ</a:t>
+            </a:r>
+            <a:r>
+              <a:rPr lang="en-US" altLang="ko-KR" sz="4000" baseline="-25000" dirty="0"/>
+              <a:t>3</a:t>
+            </a:r>
+            <a:r>
+              <a:rPr lang="en-US" sz="4000" dirty="0"/>
+              <a:t> + Sin</a:t>
+            </a:r>
+            <a:r>
+              <a:rPr lang="en-US" altLang="ko-KR" sz="4000" dirty="0"/>
+              <a:t>θ</a:t>
+            </a:r>
+            <a:r>
+              <a:rPr lang="en-US" altLang="ko-KR" sz="4000" baseline="-25000" dirty="0"/>
+              <a:t>4</a:t>
+            </a:r>
+            <a:r>
+              <a:rPr lang="en-US" sz="4000" dirty="0"/>
+              <a:t> + Sin</a:t>
+            </a:r>
+            <a:r>
+              <a:rPr lang="en-US" altLang="ko-KR" sz="4000" dirty="0"/>
+              <a:t>θ</a:t>
+            </a:r>
+            <a:r>
+              <a:rPr lang="en-US" altLang="ko-KR" sz="4000" baseline="-25000" dirty="0"/>
+              <a:t>5</a:t>
+            </a:r>
+            <a:r>
+              <a:rPr lang="en-US" altLang="ko-KR" sz="4000" dirty="0"/>
+              <a:t> + </a:t>
+            </a:r>
+            <a:r>
+              <a:rPr lang="en-US" sz="4000" dirty="0"/>
+              <a:t>…...</a:t>
+            </a:r>
+          </a:p>
+        </p:txBody>
+      </p:sp>
+    </p:spTree>
+    <p:extLst>
+      <p:ext uri="{BB962C8B-B14F-4D97-AF65-F5344CB8AC3E}">
+        <p14:creationId xmlns:p14="http://schemas.microsoft.com/office/powerpoint/2010/main" val="3025786822"/>
+      </p:ext>
+    </p:extLst>
+  </p:cSld>
+  <p:clrMapOvr>
+    <a:masterClrMapping/>
+  </p:clrMapOvr>
+  <p:timing>
+    <p:tnLst>
+      <p:par>
+        <p:cTn id="1" dur="indefinite" restart="never" nodeType="tmRoot">
+          <p:childTnLst>
+            <p:seq concurrent="1" nextAc="seek">
+              <p:cTn id="2" dur="indefinite" nodeType="mainSeq">
+                <p:childTnLst>
+                  <p:par>
+                    <p:cTn id="3" fill="hold">
+                      <p:stCondLst>
+                        <p:cond delay="indefinite"/>
+                        <p:cond evt="onBegin" delay="0">
+                          <p:tn val="2"/>
+                        </p:cond>
+                      </p:stCondLst>
+                      <p:childTnLst>
+                        <p:par>
+                          <p:cTn id="4" fill="hold">
+                            <p:stCondLst>
+                              <p:cond delay="0"/>
+                            </p:stCondLst>
+                            <p:childTnLst>
+                              <p:par>
+                                <p:cTn id="5" presetID="1" presetClass="exit" presetSubtype="0" fill="hold" grpId="0" nodeType="withEffect">
+                                  <p:stCondLst>
+                                    <p:cond delay="0"/>
+                                  </p:stCondLst>
+                                  <p:childTnLst>
+                                    <p:set>
+                                      <p:cBhvr>
+                                        <p:cTn id="6" dur="1" fill="hold">
+                                          <p:stCondLst>
+                                            <p:cond delay="0"/>
+                                          </p:stCondLst>
+                                        </p:cTn>
+                                        <p:tgtEl>
+                                          <p:spTgt spid="6"/>
+                                        </p:tgtEl>
+                                        <p:attrNameLst>
+                                          <p:attrName>style.visibility</p:attrName>
+                                        </p:attrNameLst>
+                                      </p:cBhvr>
+                                      <p:to>
+                                        <p:strVal val="hidden"/>
+                                      </p:to>
+                                    </p:set>
+                                  </p:childTnLst>
+                                </p:cTn>
+                              </p:par>
+                              <p:par>
+                                <p:cTn id="7" presetID="1" presetClass="exit" presetSubtype="0" fill="hold" grpId="0" nodeType="withEffect">
+                                  <p:stCondLst>
+                                    <p:cond delay="0"/>
+                                  </p:stCondLst>
+                                  <p:childTnLst>
+                                    <p:set>
+                                      <p:cBhvr>
+                                        <p:cTn id="8" dur="1" fill="hold">
+                                          <p:stCondLst>
+                                            <p:cond delay="0"/>
+                                          </p:stCondLst>
+                                        </p:cTn>
+                                        <p:tgtEl>
+                                          <p:spTgt spid="7"/>
+                                        </p:tgtEl>
+                                        <p:attrNameLst>
+                                          <p:attrName>style.visibility</p:attrName>
+                                        </p:attrNameLst>
+                                      </p:cBhvr>
+                                      <p:to>
+                                        <p:strVal val="hidden"/>
+                                      </p:to>
+                                    </p:set>
+                                  </p:childTnLst>
+                                </p:cTn>
+                              </p:par>
+                            </p:childTnLst>
+                          </p:cTn>
+                        </p:par>
+                      </p:childTnLst>
+                    </p:cTn>
+                  </p:par>
+                  <p:par>
+                    <p:cTn id="9" fill="hold">
+                      <p:stCondLst>
+                        <p:cond delay="indefinite"/>
+                      </p:stCondLst>
+                      <p:childTnLst>
+                        <p:par>
+                          <p:cTn id="10" fill="hold">
+                            <p:stCondLst>
+                              <p:cond delay="0"/>
+                            </p:stCondLst>
+                            <p:childTnLst>
+                              <p:par>
+                                <p:cTn id="11" presetID="1" presetClass="entr" presetSubtype="0" fill="hold" grpId="1" nodeType="clickEffect">
+                                  <p:stCondLst>
+                                    <p:cond delay="0"/>
+                                  </p:stCondLst>
+                                  <p:childTnLst>
+                                    <p:set>
+                                      <p:cBhvr>
+                                        <p:cTn id="12" dur="1" fill="hold">
+                                          <p:stCondLst>
+                                            <p:cond delay="0"/>
+                                          </p:stCondLst>
+                                        </p:cTn>
+                                        <p:tgtEl>
+                                          <p:spTgt spid="6"/>
+                                        </p:tgtEl>
+                                        <p:attrNameLst>
+                                          <p:attrName>style.visibility</p:attrName>
+                                        </p:attrNameLst>
+                                      </p:cBhvr>
+                                      <p:to>
+                                        <p:strVal val="visible"/>
+                                      </p:to>
+                                    </p:set>
+                                  </p:childTnLst>
+                                </p:cTn>
+                              </p:par>
+                              <p:par>
+                                <p:cTn id="13" presetID="1" presetClass="entr" presetSubtype="0" fill="hold" grpId="1" nodeType="withEffect">
+                                  <p:stCondLst>
+                                    <p:cond delay="0"/>
+                                  </p:stCondLst>
+                                  <p:childTnLst>
+                                    <p:set>
+                                      <p:cBhvr>
+                                        <p:cTn id="14" dur="1" fill="hold">
+                                          <p:stCondLst>
+                                            <p:cond delay="0"/>
+                                          </p:stCondLst>
+                                        </p:cTn>
+                                        <p:tgtEl>
+                                          <p:spTgt spid="7"/>
+                                        </p:tgtEl>
+                                        <p:attrNameLst>
+                                          <p:attrName>style.visibility</p:attrName>
+                                        </p:attrNameLst>
+                                      </p:cBhvr>
+                                      <p:to>
+                                        <p:strVal val="visible"/>
+                                      </p:to>
+                                    </p:set>
+                                  </p:childTnLst>
+                                </p:cTn>
+                              </p:par>
+                            </p:childTnLst>
+                          </p:cTn>
+                        </p:par>
+                      </p:childTnLst>
+                    </p:cTn>
+                  </p:par>
+                </p:childTnLst>
+              </p:cTn>
+              <p:prevCondLst>
+                <p:cond evt="onPrev" delay="0">
+                  <p:tgtEl>
+                    <p:sldTgt/>
+                  </p:tgtEl>
+                </p:cond>
+              </p:prevCondLst>
+              <p:nextCondLst>
+                <p:cond evt="onNext" delay="0">
+                  <p:tgtEl>
+                    <p:sldTgt/>
+                  </p:tgtEl>
+                </p:cond>
+              </p:nextCondLst>
+            </p:seq>
+          </p:childTnLst>
+        </p:cTn>
+      </p:par>
+    </p:tnLst>
+    <p:bldLst>
+      <p:bldP spid="6" grpId="0"/>
+      <p:bldP spid="6" grpId="1"/>
+      <p:bldP spid="7" grpId="0"/>
+      <p:bldP spid="7" grpId="1"/>
+    </p:bldLst>
+  </p:timing>
+</p:sld>
+</file>
+
+<file path=ppt/slides/slide20.xml><?xml version="1.0" encoding="utf-8"?>
+<p:sld xmlns:a="http://schemas.openxmlformats.org/drawingml/2006/main" xmlns:r="http://schemas.openxmlformats.org/officeDocument/2006/relationships" xmlns:p="http://schemas.openxmlformats.org/presentationml/2006/main">
+  <p:cSld>
+    <p:spTree>
+      <p:nvGrpSpPr>
+        <p:cNvPr id="1" name=""/>
+        <p:cNvGrpSpPr/>
+        <p:nvPr/>
+      </p:nvGrpSpPr>
+      <p:grpSpPr>
+        <a:xfrm>
+          <a:off x="0" y="0"/>
+          <a:ext cx="0" cy="0"/>
+          <a:chOff x="0" y="0"/>
+          <a:chExt cx="0" cy="0"/>
+        </a:xfrm>
+      </p:grpSpPr>
+      <p:sp>
+        <p:nvSpPr>
+          <p:cNvPr id="4" name="TextBox 3">
+            <a:extLst>
+              <a:ext uri="{FF2B5EF4-FFF2-40B4-BE49-F238E27FC236}">
+                <a16:creationId xmlns:a16="http://schemas.microsoft.com/office/drawing/2014/main" id="{6D12C7EB-32B7-41EB-AD7C-19D04058260D}"/>
+              </a:ext>
+            </a:extLst>
+          </p:cNvPr>
+          <p:cNvSpPr txBox="1"/>
+          <p:nvPr/>
+        </p:nvSpPr>
+        <p:spPr>
+          <a:xfrm>
+            <a:off x="290763" y="881743"/>
+            <a:ext cx="11610473" cy="1754326"/>
+          </a:xfrm>
+          <a:prstGeom prst="rect">
+            <a:avLst/>
+          </a:prstGeom>
+          <a:noFill/>
+        </p:spPr>
+        <p:txBody>
+          <a:bodyPr wrap="square" rtlCol="0">
+            <a:spAutoFit/>
+          </a:bodyPr>
+          <a:lstStyle/>
+          <a:p>
+            <a:r>
+              <a:rPr lang="en-US" dirty="0"/>
+              <a:t>References</a:t>
+            </a:r>
+          </a:p>
+          <a:p>
+            <a:endParaRPr lang="en-US" dirty="0"/>
+          </a:p>
+          <a:p>
+            <a:r>
+              <a:rPr lang="en-US" dirty="0"/>
+              <a:t>http://www.ccp14.ac.uk/ccp/web-mirrors/isotropy/~stokesh/violin.html</a:t>
+            </a:r>
+          </a:p>
+          <a:p>
+            <a:r>
+              <a:rPr lang="en-US" dirty="0"/>
+              <a:t>https://en.wikipedia.org/wiki/Sine_wave</a:t>
+            </a:r>
+          </a:p>
+          <a:p>
+            <a:r>
+              <a:rPr lang="en-US" dirty="0"/>
+              <a:t>https://en.wikipedia.org/wiki/Fourier_series</a:t>
+            </a:r>
+          </a:p>
+          <a:p>
+            <a:endParaRPr lang="en-US" dirty="0"/>
+          </a:p>
+        </p:txBody>
+      </p:sp>
+    </p:spTree>
+    <p:extLst>
+      <p:ext uri="{BB962C8B-B14F-4D97-AF65-F5344CB8AC3E}">
+        <p14:creationId xmlns:p14="http://schemas.microsoft.com/office/powerpoint/2010/main" val="64093631"/>
+      </p:ext>
+    </p:extLst>
+  </p:cSld>
+  <p:clrMapOvr>
+    <a:masterClrMapping/>
+  </p:clrMapOvr>
+</p:sld>
+</file>
+
+<file path=ppt/slides/slide21.xml><?xml version="1.0" encoding="utf-8"?>
 <p:sld xmlns:a="http://schemas.openxmlformats.org/drawingml/2006/main" xmlns:r="http://schemas.openxmlformats.org/officeDocument/2006/relationships" xmlns:p="http://schemas.openxmlformats.org/presentationml/2006/main">
   <p:cSld>
     <p:spTree>
@@ -4985,7 +10212,7 @@
 </p:sld>
 </file>
 
-<file path=ppt/slides/slide2.xml><?xml version="1.0" encoding="utf-8"?>
+<file path=ppt/slides/slide3.xml><?xml version="1.0" encoding="utf-8"?>
 <p:sld xmlns:a="http://schemas.openxmlformats.org/drawingml/2006/main" xmlns:r="http://schemas.openxmlformats.org/officeDocument/2006/relationships" xmlns:p="http://schemas.openxmlformats.org/presentationml/2006/main">
   <p:cSld>
     <p:spTree>
@@ -5002,20 +10229,1074 @@
           <a:chExt cx="0" cy="0"/>
         </a:xfrm>
       </p:grpSpPr>
+      <p:sp>
+        <p:nvSpPr>
+          <p:cNvPr id="2" name="Title 1">
+            <a:extLst>
+              <a:ext uri="{FF2B5EF4-FFF2-40B4-BE49-F238E27FC236}">
+                <a16:creationId xmlns:a16="http://schemas.microsoft.com/office/drawing/2014/main" id="{11210BD1-E480-4347-B90F-C3776575C021}"/>
+              </a:ext>
+            </a:extLst>
+          </p:cNvPr>
+          <p:cNvSpPr>
+            <a:spLocks noGrp="1"/>
+          </p:cNvSpPr>
+          <p:nvPr>
+            <p:ph type="title"/>
+          </p:nvPr>
+        </p:nvSpPr>
+        <p:spPr/>
+        <p:txBody>
+          <a:bodyPr/>
+          <a:lstStyle/>
+          <a:p>
+            <a:r>
+              <a:rPr lang="en-US" sz="4800" dirty="0"/>
+              <a:t>Introduction To DSP – Digital Signal</a:t>
+            </a:r>
+            <a:endParaRPr lang="en-US" dirty="0"/>
+          </a:p>
+        </p:txBody>
+      </p:sp>
+      <p:pic>
+        <p:nvPicPr>
+          <p:cNvPr id="5" name="Content Placeholder 4">
+            <a:extLst>
+              <a:ext uri="{FF2B5EF4-FFF2-40B4-BE49-F238E27FC236}">
+                <a16:creationId xmlns:a16="http://schemas.microsoft.com/office/drawing/2014/main" id="{A7581426-4D92-493A-ACB9-A72C4383B2A8}"/>
+              </a:ext>
+            </a:extLst>
+          </p:cNvPr>
+          <p:cNvPicPr>
+            <a:picLocks noGrp="1" noChangeAspect="1"/>
+          </p:cNvPicPr>
+          <p:nvPr>
+            <p:ph idx="1"/>
+          </p:nvPr>
+        </p:nvPicPr>
+        <p:blipFill rotWithShape="1">
+          <a:blip r:embed="rId3">
+            <a:extLst>
+              <a:ext uri="{28A0092B-C50C-407E-A947-70E740481C1C}">
+                <a14:useLocalDpi xmlns:a14="http://schemas.microsoft.com/office/drawing/2010/main" val="0"/>
+              </a:ext>
+            </a:extLst>
+          </a:blip>
+          <a:srcRect l="7406" t="13970" r="9902" b="20705"/>
+          <a:stretch/>
+        </p:blipFill>
+        <p:spPr>
+          <a:xfrm>
+            <a:off x="730968" y="2743309"/>
+            <a:ext cx="4487779" cy="2658932"/>
+          </a:xfrm>
+        </p:spPr>
+      </p:pic>
+      <p:sp>
+        <p:nvSpPr>
+          <p:cNvPr id="6" name="TextBox 5">
+            <a:extLst>
+              <a:ext uri="{FF2B5EF4-FFF2-40B4-BE49-F238E27FC236}">
+                <a16:creationId xmlns:a16="http://schemas.microsoft.com/office/drawing/2014/main" id="{40502EE1-F794-4AFF-9F85-27DC023F3901}"/>
+              </a:ext>
+            </a:extLst>
+          </p:cNvPr>
+          <p:cNvSpPr txBox="1"/>
+          <p:nvPr/>
+        </p:nvSpPr>
+        <p:spPr>
+          <a:xfrm>
+            <a:off x="5480236" y="3334111"/>
+            <a:ext cx="760144" cy="1477328"/>
+          </a:xfrm>
+          <a:prstGeom prst="rect">
+            <a:avLst/>
+          </a:prstGeom>
+          <a:noFill/>
+        </p:spPr>
+        <p:txBody>
+          <a:bodyPr wrap="none" rtlCol="0">
+            <a:spAutoFit/>
+          </a:bodyPr>
+          <a:lstStyle/>
+          <a:p>
+            <a:r>
+              <a:rPr lang="en-US" sz="9000" dirty="0"/>
+              <a:t>=</a:t>
+            </a:r>
+          </a:p>
+        </p:txBody>
+      </p:sp>
+      <p:sp>
+        <p:nvSpPr>
+          <p:cNvPr id="3" name="TextBox 2">
+            <a:extLst>
+              <a:ext uri="{FF2B5EF4-FFF2-40B4-BE49-F238E27FC236}">
+                <a16:creationId xmlns:a16="http://schemas.microsoft.com/office/drawing/2014/main" id="{EBA19E40-8753-425A-B89B-278F5F6E7C2C}"/>
+              </a:ext>
+            </a:extLst>
+          </p:cNvPr>
+          <p:cNvSpPr txBox="1"/>
+          <p:nvPr/>
+        </p:nvSpPr>
+        <p:spPr>
+          <a:xfrm>
+            <a:off x="6501869" y="3411055"/>
+            <a:ext cx="5240951" cy="1323439"/>
+          </a:xfrm>
+          <a:prstGeom prst="rect">
+            <a:avLst/>
+          </a:prstGeom>
+          <a:noFill/>
+        </p:spPr>
+        <p:txBody>
+          <a:bodyPr wrap="square" rtlCol="0">
+            <a:spAutoFit/>
+          </a:bodyPr>
+          <a:lstStyle/>
+          <a:p>
+            <a:r>
+              <a:rPr lang="en-US" sz="4000" dirty="0"/>
+              <a:t>INT Signal[t] = </a:t>
+            </a:r>
+          </a:p>
+          <a:p>
+            <a:r>
+              <a:rPr lang="en-US" sz="4000" dirty="0"/>
+              <a:t>{ x</a:t>
+            </a:r>
+            <a:r>
+              <a:rPr lang="en-US" sz="4000" baseline="-25000" dirty="0"/>
+              <a:t>1</a:t>
+            </a:r>
+            <a:r>
+              <a:rPr lang="en-US" sz="4000" dirty="0"/>
+              <a:t>, x</a:t>
+            </a:r>
+            <a:r>
+              <a:rPr lang="en-US" sz="4000" baseline="-25000" dirty="0"/>
+              <a:t>2</a:t>
+            </a:r>
+            <a:r>
+              <a:rPr lang="en-US" sz="4000" dirty="0"/>
+              <a:t>, x</a:t>
+            </a:r>
+            <a:r>
+              <a:rPr lang="en-US" sz="4000" baseline="-25000" dirty="0"/>
+              <a:t>3</a:t>
+            </a:r>
+            <a:r>
+              <a:rPr lang="en-US" sz="4000" dirty="0"/>
+              <a:t>, x</a:t>
+            </a:r>
+            <a:r>
+              <a:rPr lang="en-US" sz="4000" baseline="-25000" dirty="0"/>
+              <a:t>4</a:t>
+            </a:r>
+            <a:r>
+              <a:rPr lang="en-US" sz="4000" dirty="0"/>
+              <a:t>, x</a:t>
+            </a:r>
+            <a:r>
+              <a:rPr lang="en-US" sz="4000" baseline="-25000" dirty="0"/>
+              <a:t>5</a:t>
+            </a:r>
+            <a:r>
+              <a:rPr lang="en-US" sz="4000" dirty="0"/>
+              <a:t>, x</a:t>
+            </a:r>
+            <a:r>
+              <a:rPr lang="en-US" sz="4000" baseline="-25000" dirty="0"/>
+              <a:t>6</a:t>
+            </a:r>
+            <a:r>
+              <a:rPr lang="en-US" sz="4000" dirty="0"/>
+              <a:t>, ….. }</a:t>
+            </a:r>
+          </a:p>
+        </p:txBody>
+      </p:sp>
     </p:spTree>
     <p:extLst>
       <p:ext uri="{BB962C8B-B14F-4D97-AF65-F5344CB8AC3E}">
-        <p14:creationId xmlns:p14="http://schemas.microsoft.com/office/powerpoint/2010/main" val="3025786822"/>
+        <p14:creationId xmlns:p14="http://schemas.microsoft.com/office/powerpoint/2010/main" val="1165184917"/>
       </p:ext>
     </p:extLst>
   </p:cSld>
   <p:clrMapOvr>
     <a:masterClrMapping/>
   </p:clrMapOvr>
+  <p:timing>
+    <p:tnLst>
+      <p:par>
+        <p:cTn id="1" dur="indefinite" restart="never" nodeType="tmRoot">
+          <p:childTnLst>
+            <p:seq concurrent="1" nextAc="seek">
+              <p:cTn id="2" dur="indefinite" nodeType="mainSeq">
+                <p:childTnLst>
+                  <p:par>
+                    <p:cTn id="3" fill="hold">
+                      <p:stCondLst>
+                        <p:cond delay="indefinite"/>
+                        <p:cond evt="onBegin" delay="0">
+                          <p:tn val="2"/>
+                        </p:cond>
+                      </p:stCondLst>
+                      <p:childTnLst>
+                        <p:par>
+                          <p:cTn id="4" fill="hold">
+                            <p:stCondLst>
+                              <p:cond delay="0"/>
+                            </p:stCondLst>
+                            <p:childTnLst>
+                              <p:par>
+                                <p:cTn id="5" presetID="1" presetClass="exit" presetSubtype="0" fill="hold" grpId="0" nodeType="withEffect">
+                                  <p:stCondLst>
+                                    <p:cond delay="0"/>
+                                  </p:stCondLst>
+                                  <p:childTnLst>
+                                    <p:set>
+                                      <p:cBhvr>
+                                        <p:cTn id="6" dur="1" fill="hold">
+                                          <p:stCondLst>
+                                            <p:cond delay="0"/>
+                                          </p:stCondLst>
+                                        </p:cTn>
+                                        <p:tgtEl>
+                                          <p:spTgt spid="3"/>
+                                        </p:tgtEl>
+                                        <p:attrNameLst>
+                                          <p:attrName>style.visibility</p:attrName>
+                                        </p:attrNameLst>
+                                      </p:cBhvr>
+                                      <p:to>
+                                        <p:strVal val="hidden"/>
+                                      </p:to>
+                                    </p:set>
+                                  </p:childTnLst>
+                                </p:cTn>
+                              </p:par>
+                              <p:par>
+                                <p:cTn id="7" presetID="1" presetClass="exit" presetSubtype="0" fill="hold" grpId="0" nodeType="withEffect">
+                                  <p:stCondLst>
+                                    <p:cond delay="0"/>
+                                  </p:stCondLst>
+                                  <p:childTnLst>
+                                    <p:set>
+                                      <p:cBhvr>
+                                        <p:cTn id="8" dur="1" fill="hold">
+                                          <p:stCondLst>
+                                            <p:cond delay="0"/>
+                                          </p:stCondLst>
+                                        </p:cTn>
+                                        <p:tgtEl>
+                                          <p:spTgt spid="6"/>
+                                        </p:tgtEl>
+                                        <p:attrNameLst>
+                                          <p:attrName>style.visibility</p:attrName>
+                                        </p:attrNameLst>
+                                      </p:cBhvr>
+                                      <p:to>
+                                        <p:strVal val="hidden"/>
+                                      </p:to>
+                                    </p:set>
+                                  </p:childTnLst>
+                                </p:cTn>
+                              </p:par>
+                            </p:childTnLst>
+                          </p:cTn>
+                        </p:par>
+                      </p:childTnLst>
+                    </p:cTn>
+                  </p:par>
+                  <p:par>
+                    <p:cTn id="9" fill="hold">
+                      <p:stCondLst>
+                        <p:cond delay="indefinite"/>
+                      </p:stCondLst>
+                      <p:childTnLst>
+                        <p:par>
+                          <p:cTn id="10" fill="hold">
+                            <p:stCondLst>
+                              <p:cond delay="0"/>
+                            </p:stCondLst>
+                            <p:childTnLst>
+                              <p:par>
+                                <p:cTn id="11" presetID="1" presetClass="entr" presetSubtype="0" fill="hold" grpId="1" nodeType="clickEffect">
+                                  <p:stCondLst>
+                                    <p:cond delay="0"/>
+                                  </p:stCondLst>
+                                  <p:childTnLst>
+                                    <p:set>
+                                      <p:cBhvr>
+                                        <p:cTn id="12" dur="1" fill="hold">
+                                          <p:stCondLst>
+                                            <p:cond delay="0"/>
+                                          </p:stCondLst>
+                                        </p:cTn>
+                                        <p:tgtEl>
+                                          <p:spTgt spid="3"/>
+                                        </p:tgtEl>
+                                        <p:attrNameLst>
+                                          <p:attrName>style.visibility</p:attrName>
+                                        </p:attrNameLst>
+                                      </p:cBhvr>
+                                      <p:to>
+                                        <p:strVal val="visible"/>
+                                      </p:to>
+                                    </p:set>
+                                  </p:childTnLst>
+                                </p:cTn>
+                              </p:par>
+                              <p:par>
+                                <p:cTn id="13" presetID="1" presetClass="entr" presetSubtype="0" fill="hold" grpId="1" nodeType="withEffect">
+                                  <p:stCondLst>
+                                    <p:cond delay="0"/>
+                                  </p:stCondLst>
+                                  <p:childTnLst>
+                                    <p:set>
+                                      <p:cBhvr>
+                                        <p:cTn id="14" dur="1" fill="hold">
+                                          <p:stCondLst>
+                                            <p:cond delay="0"/>
+                                          </p:stCondLst>
+                                        </p:cTn>
+                                        <p:tgtEl>
+                                          <p:spTgt spid="6"/>
+                                        </p:tgtEl>
+                                        <p:attrNameLst>
+                                          <p:attrName>style.visibility</p:attrName>
+                                        </p:attrNameLst>
+                                      </p:cBhvr>
+                                      <p:to>
+                                        <p:strVal val="visible"/>
+                                      </p:to>
+                                    </p:set>
+                                  </p:childTnLst>
+                                </p:cTn>
+                              </p:par>
+                            </p:childTnLst>
+                          </p:cTn>
+                        </p:par>
+                      </p:childTnLst>
+                    </p:cTn>
+                  </p:par>
+                </p:childTnLst>
+              </p:cTn>
+              <p:prevCondLst>
+                <p:cond evt="onPrev" delay="0">
+                  <p:tgtEl>
+                    <p:sldTgt/>
+                  </p:tgtEl>
+                </p:cond>
+              </p:prevCondLst>
+              <p:nextCondLst>
+                <p:cond evt="onNext" delay="0">
+                  <p:tgtEl>
+                    <p:sldTgt/>
+                  </p:tgtEl>
+                </p:cond>
+              </p:nextCondLst>
+            </p:seq>
+          </p:childTnLst>
+        </p:cTn>
+      </p:par>
+    </p:tnLst>
+    <p:bldLst>
+      <p:bldP spid="6" grpId="0"/>
+      <p:bldP spid="6" grpId="1"/>
+      <p:bldP spid="3" grpId="0"/>
+      <p:bldP spid="3" grpId="1"/>
+    </p:bldLst>
+  </p:timing>
 </p:sld>
 </file>
 
-<file path=ppt/slides/slide3.xml><?xml version="1.0" encoding="utf-8"?>
+<file path=ppt/slides/slide4.xml><?xml version="1.0" encoding="utf-8"?>
+<p:sld xmlns:a="http://schemas.openxmlformats.org/drawingml/2006/main" xmlns:r="http://schemas.openxmlformats.org/officeDocument/2006/relationships" xmlns:p="http://schemas.openxmlformats.org/presentationml/2006/main">
+  <p:cSld>
+    <p:spTree>
+      <p:nvGrpSpPr>
+        <p:cNvPr id="1" name=""/>
+        <p:cNvGrpSpPr/>
+        <p:nvPr/>
+      </p:nvGrpSpPr>
+      <p:grpSpPr>
+        <a:xfrm>
+          <a:off x="0" y="0"/>
+          <a:ext cx="0" cy="0"/>
+          <a:chOff x="0" y="0"/>
+          <a:chExt cx="0" cy="0"/>
+        </a:xfrm>
+      </p:grpSpPr>
+      <p:sp>
+        <p:nvSpPr>
+          <p:cNvPr id="2" name="Title 1">
+            <a:extLst>
+              <a:ext uri="{FF2B5EF4-FFF2-40B4-BE49-F238E27FC236}">
+                <a16:creationId xmlns:a16="http://schemas.microsoft.com/office/drawing/2014/main" id="{11210BD1-E480-4347-B90F-C3776575C021}"/>
+              </a:ext>
+            </a:extLst>
+          </p:cNvPr>
+          <p:cNvSpPr>
+            <a:spLocks noGrp="1"/>
+          </p:cNvSpPr>
+          <p:nvPr>
+            <p:ph type="title"/>
+          </p:nvPr>
+        </p:nvSpPr>
+        <p:spPr>
+          <a:xfrm>
+            <a:off x="606636" y="1451855"/>
+            <a:ext cx="10972800" cy="505280"/>
+          </a:xfrm>
+        </p:spPr>
+        <p:txBody>
+          <a:bodyPr/>
+          <a:lstStyle/>
+          <a:p>
+            <a:r>
+              <a:rPr lang="en-US" sz="4800" dirty="0"/>
+              <a:t>Introduction To DSP – Low Pass MAGIC</a:t>
+            </a:r>
+            <a:endParaRPr lang="en-US" dirty="0"/>
+          </a:p>
+        </p:txBody>
+      </p:sp>
+      <p:sp>
+        <p:nvSpPr>
+          <p:cNvPr id="3" name="TextBox 2">
+            <a:extLst>
+              <a:ext uri="{FF2B5EF4-FFF2-40B4-BE49-F238E27FC236}">
+                <a16:creationId xmlns:a16="http://schemas.microsoft.com/office/drawing/2014/main" id="{EBA19E40-8753-425A-B89B-278F5F6E7C2C}"/>
+              </a:ext>
+            </a:extLst>
+          </p:cNvPr>
+          <p:cNvSpPr txBox="1"/>
+          <p:nvPr/>
+        </p:nvSpPr>
+        <p:spPr>
+          <a:xfrm>
+            <a:off x="606636" y="2412858"/>
+            <a:ext cx="8247078" cy="707886"/>
+          </a:xfrm>
+          <a:prstGeom prst="rect">
+            <a:avLst/>
+          </a:prstGeom>
+          <a:noFill/>
+        </p:spPr>
+        <p:txBody>
+          <a:bodyPr wrap="square" rtlCol="0">
+            <a:spAutoFit/>
+          </a:bodyPr>
+          <a:lstStyle/>
+          <a:p>
+            <a:r>
+              <a:rPr lang="en-US" sz="4000" dirty="0"/>
+              <a:t>INT Signal[t] = { x</a:t>
+            </a:r>
+            <a:r>
+              <a:rPr lang="en-US" sz="4000" baseline="-25000" dirty="0"/>
+              <a:t>1</a:t>
+            </a:r>
+            <a:r>
+              <a:rPr lang="en-US" sz="4000" dirty="0"/>
+              <a:t>, x</a:t>
+            </a:r>
+            <a:r>
+              <a:rPr lang="en-US" sz="4000" baseline="-25000" dirty="0"/>
+              <a:t>2</a:t>
+            </a:r>
+            <a:r>
+              <a:rPr lang="en-US" sz="4000" dirty="0"/>
+              <a:t>, x</a:t>
+            </a:r>
+            <a:r>
+              <a:rPr lang="en-US" sz="4000" baseline="-25000" dirty="0"/>
+              <a:t>3</a:t>
+            </a:r>
+            <a:r>
+              <a:rPr lang="en-US" sz="4000" dirty="0"/>
+              <a:t>, x</a:t>
+            </a:r>
+            <a:r>
+              <a:rPr lang="en-US" sz="4000" baseline="-25000" dirty="0"/>
+              <a:t>4</a:t>
+            </a:r>
+            <a:r>
+              <a:rPr lang="en-US" sz="4000" dirty="0"/>
+              <a:t>, x</a:t>
+            </a:r>
+            <a:r>
+              <a:rPr lang="en-US" sz="4000" baseline="-25000" dirty="0"/>
+              <a:t>5</a:t>
+            </a:r>
+            <a:r>
+              <a:rPr lang="en-US" sz="4000" dirty="0"/>
+              <a:t>, x</a:t>
+            </a:r>
+            <a:r>
+              <a:rPr lang="en-US" sz="4000" baseline="-25000" dirty="0"/>
+              <a:t>6</a:t>
+            </a:r>
+            <a:r>
+              <a:rPr lang="en-US" sz="4000" dirty="0"/>
+              <a:t>, ….. }</a:t>
+            </a:r>
+          </a:p>
+        </p:txBody>
+      </p:sp>
+      <p:sp>
+        <p:nvSpPr>
+          <p:cNvPr id="7" name="Title 1">
+            <a:extLst>
+              <a:ext uri="{FF2B5EF4-FFF2-40B4-BE49-F238E27FC236}">
+                <a16:creationId xmlns:a16="http://schemas.microsoft.com/office/drawing/2014/main" id="{670E2BD8-5B96-49FE-B975-7202E5BD4F2E}"/>
+              </a:ext>
+            </a:extLst>
+          </p:cNvPr>
+          <p:cNvSpPr txBox="1">
+            <a:spLocks/>
+          </p:cNvSpPr>
+          <p:nvPr/>
+        </p:nvSpPr>
+        <p:spPr>
+          <a:xfrm>
+            <a:off x="606636" y="1451855"/>
+            <a:ext cx="10972800" cy="505280"/>
+          </a:xfrm>
+          <a:prstGeom prst="rect">
+            <a:avLst/>
+          </a:prstGeom>
+        </p:spPr>
+        <p:txBody>
+          <a:bodyPr vert="horz" lIns="91440" tIns="45720" rIns="91440" bIns="45720" rtlCol="0" anchor="ctr">
+            <a:noAutofit/>
+          </a:bodyPr>
+          <a:lstStyle>
+            <a:lvl1pPr algn="l" defTabSz="914400" rtl="0" eaLnBrk="1" latinLnBrk="0" hangingPunct="1">
+              <a:spcBef>
+                <a:spcPct val="0"/>
+              </a:spcBef>
+              <a:buNone/>
+              <a:defRPr sz="4500" kern="1200">
+                <a:solidFill>
+                  <a:srgbClr val="00B0F0"/>
+                </a:solidFill>
+                <a:latin typeface="+mj-lt"/>
+                <a:ea typeface="+mj-ea"/>
+                <a:cs typeface="+mj-cs"/>
+              </a:defRPr>
+            </a:lvl1pPr>
+          </a:lstStyle>
+          <a:p>
+            <a:r>
+              <a:rPr lang="en-US" sz="4800" dirty="0"/>
+              <a:t>Introduction To DSP – Low Pass</a:t>
+            </a:r>
+            <a:endParaRPr lang="en-US" dirty="0"/>
+          </a:p>
+        </p:txBody>
+      </p:sp>
+      <p:sp>
+        <p:nvSpPr>
+          <p:cNvPr id="12" name="TextBox 11">
+            <a:extLst>
+              <a:ext uri="{FF2B5EF4-FFF2-40B4-BE49-F238E27FC236}">
+                <a16:creationId xmlns:a16="http://schemas.microsoft.com/office/drawing/2014/main" id="{7BB44917-C0E9-4F6D-B5F0-9DBA49BE09BC}"/>
+              </a:ext>
+            </a:extLst>
+          </p:cNvPr>
+          <p:cNvSpPr txBox="1"/>
+          <p:nvPr/>
+        </p:nvSpPr>
+        <p:spPr>
+          <a:xfrm>
+            <a:off x="606636" y="3272799"/>
+            <a:ext cx="6429828" cy="707886"/>
+          </a:xfrm>
+          <a:prstGeom prst="rect">
+            <a:avLst/>
+          </a:prstGeom>
+          <a:noFill/>
+        </p:spPr>
+        <p:txBody>
+          <a:bodyPr wrap="square" rtlCol="0">
+            <a:spAutoFit/>
+          </a:bodyPr>
+          <a:lstStyle/>
+          <a:p>
+            <a:r>
+              <a:rPr lang="en-US" sz="4000" dirty="0"/>
+              <a:t>INT </a:t>
+            </a:r>
+            <a:r>
+              <a:rPr lang="en-US" sz="4000" dirty="0" err="1"/>
+              <a:t>LowPassedSignal</a:t>
+            </a:r>
+            <a:r>
+              <a:rPr lang="en-US" sz="4000" dirty="0"/>
+              <a:t>[t]</a:t>
+            </a:r>
+          </a:p>
+        </p:txBody>
+      </p:sp>
+      <p:sp>
+        <p:nvSpPr>
+          <p:cNvPr id="13" name="TextBox 12">
+            <a:extLst>
+              <a:ext uri="{FF2B5EF4-FFF2-40B4-BE49-F238E27FC236}">
+                <a16:creationId xmlns:a16="http://schemas.microsoft.com/office/drawing/2014/main" id="{B27EEE82-5042-4009-A646-623E565D2A15}"/>
+              </a:ext>
+            </a:extLst>
+          </p:cNvPr>
+          <p:cNvSpPr txBox="1"/>
+          <p:nvPr/>
+        </p:nvSpPr>
+        <p:spPr>
+          <a:xfrm>
+            <a:off x="606636" y="4698259"/>
+            <a:ext cx="10409707" cy="707886"/>
+          </a:xfrm>
+          <a:prstGeom prst="rect">
+            <a:avLst/>
+          </a:prstGeom>
+          <a:noFill/>
+        </p:spPr>
+        <p:txBody>
+          <a:bodyPr wrap="square" rtlCol="0" anchor="ctr">
+            <a:spAutoFit/>
+          </a:bodyPr>
+          <a:lstStyle/>
+          <a:p>
+            <a:r>
+              <a:rPr lang="en-US" sz="4000" dirty="0" err="1"/>
+              <a:t>LowPassedSignal</a:t>
+            </a:r>
+            <a:r>
+              <a:rPr lang="en-US" sz="4000" dirty="0"/>
+              <a:t>[y] = ( Signal[y-1] + Signal[y] ) / 2</a:t>
+            </a:r>
+          </a:p>
+        </p:txBody>
+      </p:sp>
+    </p:spTree>
+    <p:extLst>
+      <p:ext uri="{BB962C8B-B14F-4D97-AF65-F5344CB8AC3E}">
+        <p14:creationId xmlns:p14="http://schemas.microsoft.com/office/powerpoint/2010/main" val="933417442"/>
+      </p:ext>
+    </p:extLst>
+  </p:cSld>
+  <p:clrMapOvr>
+    <a:masterClrMapping/>
+  </p:clrMapOvr>
+  <p:timing>
+    <p:tnLst>
+      <p:par>
+        <p:cTn id="1" dur="indefinite" restart="never" nodeType="tmRoot">
+          <p:childTnLst>
+            <p:seq concurrent="1" nextAc="seek">
+              <p:cTn id="2" dur="indefinite" nodeType="mainSeq">
+                <p:childTnLst>
+                  <p:par>
+                    <p:cTn id="3" fill="hold">
+                      <p:stCondLst>
+                        <p:cond delay="indefinite"/>
+                        <p:cond evt="onBegin" delay="0">
+                          <p:tn val="2"/>
+                        </p:cond>
+                      </p:stCondLst>
+                      <p:childTnLst>
+                        <p:par>
+                          <p:cTn id="4" fill="hold">
+                            <p:stCondLst>
+                              <p:cond delay="0"/>
+                            </p:stCondLst>
+                            <p:childTnLst>
+                              <p:par>
+                                <p:cTn id="5" presetID="1" presetClass="exit" presetSubtype="0" fill="hold" grpId="0" nodeType="withEffect">
+                                  <p:stCondLst>
+                                    <p:cond delay="0"/>
+                                  </p:stCondLst>
+                                  <p:iterate type="lt">
+                                    <p:tmAbs val="0"/>
+                                  </p:iterate>
+                                  <p:childTnLst>
+                                    <p:set>
+                                      <p:cBhvr>
+                                        <p:cTn id="6" dur="1" fill="hold">
+                                          <p:stCondLst>
+                                            <p:cond delay="0"/>
+                                          </p:stCondLst>
+                                        </p:cTn>
+                                        <p:tgtEl>
+                                          <p:spTgt spid="2"/>
+                                        </p:tgtEl>
+                                        <p:attrNameLst>
+                                          <p:attrName>style.visibility</p:attrName>
+                                        </p:attrNameLst>
+                                      </p:cBhvr>
+                                      <p:to>
+                                        <p:strVal val="hidden"/>
+                                      </p:to>
+                                    </p:set>
+                                  </p:childTnLst>
+                                </p:cTn>
+                              </p:par>
+                              <p:par>
+                                <p:cTn id="7" presetID="1" presetClass="exit" presetSubtype="0" fill="hold" grpId="0" nodeType="withEffect">
+                                  <p:stCondLst>
+                                    <p:cond delay="0"/>
+                                  </p:stCondLst>
+                                  <p:iterate type="lt">
+                                    <p:tmAbs val="0"/>
+                                  </p:iterate>
+                                  <p:childTnLst>
+                                    <p:set>
+                                      <p:cBhvr>
+                                        <p:cTn id="8" dur="1" fill="hold">
+                                          <p:stCondLst>
+                                            <p:cond delay="0"/>
+                                          </p:stCondLst>
+                                        </p:cTn>
+                                        <p:tgtEl>
+                                          <p:spTgt spid="13"/>
+                                        </p:tgtEl>
+                                        <p:attrNameLst>
+                                          <p:attrName>style.visibility</p:attrName>
+                                        </p:attrNameLst>
+                                      </p:cBhvr>
+                                      <p:to>
+                                        <p:strVal val="hidden"/>
+                                      </p:to>
+                                    </p:set>
+                                  </p:childTnLst>
+                                </p:cTn>
+                              </p:par>
+                            </p:childTnLst>
+                          </p:cTn>
+                        </p:par>
+                      </p:childTnLst>
+                    </p:cTn>
+                  </p:par>
+                  <p:par>
+                    <p:cTn id="9" fill="hold">
+                      <p:stCondLst>
+                        <p:cond delay="indefinite"/>
+                      </p:stCondLst>
+                      <p:childTnLst>
+                        <p:par>
+                          <p:cTn id="10" fill="hold">
+                            <p:stCondLst>
+                              <p:cond delay="0"/>
+                            </p:stCondLst>
+                            <p:childTnLst>
+                              <p:par>
+                                <p:cTn id="11" presetID="1" presetClass="entr" presetSubtype="0" fill="hold" grpId="2" nodeType="clickEffect">
+                                  <p:stCondLst>
+                                    <p:cond delay="0"/>
+                                  </p:stCondLst>
+                                  <p:iterate type="lt">
+                                    <p:tmAbs val="0"/>
+                                  </p:iterate>
+                                  <p:childTnLst>
+                                    <p:set>
+                                      <p:cBhvr>
+                                        <p:cTn id="12" dur="1" fill="hold">
+                                          <p:stCondLst>
+                                            <p:cond delay="0"/>
+                                          </p:stCondLst>
+                                        </p:cTn>
+                                        <p:tgtEl>
+                                          <p:spTgt spid="2"/>
+                                        </p:tgtEl>
+                                        <p:attrNameLst>
+                                          <p:attrName>style.visibility</p:attrName>
+                                        </p:attrNameLst>
+                                      </p:cBhvr>
+                                      <p:to>
+                                        <p:strVal val="visible"/>
+                                      </p:to>
+                                    </p:set>
+                                  </p:childTnLst>
+                                </p:cTn>
+                              </p:par>
+                              <p:par>
+                                <p:cTn id="13" presetID="34" presetClass="emph" presetSubtype="0" fill="hold" grpId="1" nodeType="withEffect">
+                                  <p:stCondLst>
+                                    <p:cond delay="0"/>
+                                  </p:stCondLst>
+                                  <p:iterate type="lt">
+                                    <p:tmPct val="10000"/>
+                                  </p:iterate>
+                                  <p:childTnLst>
+                                    <p:animMotion origin="layout" path="M 4.16667E-7 -0.00139 L 4.16667E-7 -0.0368 " pathEditMode="relative" rAng="0" ptsTypes="AA">
+                                      <p:cBhvr>
+                                        <p:cTn id="14" dur="250" accel="50000" decel="50000" autoRev="1" fill="hold">
+                                          <p:stCondLst>
+                                            <p:cond delay="0"/>
+                                          </p:stCondLst>
+                                        </p:cTn>
+                                        <p:tgtEl>
+                                          <p:spTgt spid="2"/>
+                                        </p:tgtEl>
+                                        <p:attrNameLst>
+                                          <p:attrName>ppt_x</p:attrName>
+                                          <p:attrName>ppt_y</p:attrName>
+                                        </p:attrNameLst>
+                                      </p:cBhvr>
+                                      <p:rCtr x="0" y="-1782"/>
+                                    </p:animMotion>
+                                    <p:animRot by="1500000">
+                                      <p:cBhvr>
+                                        <p:cTn id="15" dur="125" fill="hold">
+                                          <p:stCondLst>
+                                            <p:cond delay="0"/>
+                                          </p:stCondLst>
+                                        </p:cTn>
+                                        <p:tgtEl>
+                                          <p:spTgt spid="2"/>
+                                        </p:tgtEl>
+                                        <p:attrNameLst>
+                                          <p:attrName>r</p:attrName>
+                                        </p:attrNameLst>
+                                      </p:cBhvr>
+                                    </p:animRot>
+                                    <p:animRot by="-1500000">
+                                      <p:cBhvr>
+                                        <p:cTn id="16" dur="125" fill="hold">
+                                          <p:stCondLst>
+                                            <p:cond delay="125"/>
+                                          </p:stCondLst>
+                                        </p:cTn>
+                                        <p:tgtEl>
+                                          <p:spTgt spid="2"/>
+                                        </p:tgtEl>
+                                        <p:attrNameLst>
+                                          <p:attrName>r</p:attrName>
+                                        </p:attrNameLst>
+                                      </p:cBhvr>
+                                    </p:animRot>
+                                    <p:animRot by="-1500000">
+                                      <p:cBhvr>
+                                        <p:cTn id="17" dur="125" fill="hold">
+                                          <p:stCondLst>
+                                            <p:cond delay="250"/>
+                                          </p:stCondLst>
+                                        </p:cTn>
+                                        <p:tgtEl>
+                                          <p:spTgt spid="2"/>
+                                        </p:tgtEl>
+                                        <p:attrNameLst>
+                                          <p:attrName>r</p:attrName>
+                                        </p:attrNameLst>
+                                      </p:cBhvr>
+                                    </p:animRot>
+                                    <p:animRot by="1500000">
+                                      <p:cBhvr>
+                                        <p:cTn id="18" dur="125" fill="hold">
+                                          <p:stCondLst>
+                                            <p:cond delay="375"/>
+                                          </p:stCondLst>
+                                        </p:cTn>
+                                        <p:tgtEl>
+                                          <p:spTgt spid="2"/>
+                                        </p:tgtEl>
+                                        <p:attrNameLst>
+                                          <p:attrName>r</p:attrName>
+                                        </p:attrNameLst>
+                                      </p:cBhvr>
+                                    </p:animRot>
+                                  </p:childTnLst>
+                                </p:cTn>
+                              </p:par>
+                              <p:par>
+                                <p:cTn id="19" presetID="1" presetClass="exit" presetSubtype="0" fill="hold" grpId="1" nodeType="withEffect">
+                                  <p:stCondLst>
+                                    <p:cond delay="0"/>
+                                  </p:stCondLst>
+                                  <p:childTnLst>
+                                    <p:set>
+                                      <p:cBhvr>
+                                        <p:cTn id="20" dur="1" fill="hold">
+                                          <p:stCondLst>
+                                            <p:cond delay="0"/>
+                                          </p:stCondLst>
+                                        </p:cTn>
+                                        <p:tgtEl>
+                                          <p:spTgt spid="7"/>
+                                        </p:tgtEl>
+                                        <p:attrNameLst>
+                                          <p:attrName>style.visibility</p:attrName>
+                                        </p:attrNameLst>
+                                      </p:cBhvr>
+                                      <p:to>
+                                        <p:strVal val="hidden"/>
+                                      </p:to>
+                                    </p:set>
+                                  </p:childTnLst>
+                                </p:cTn>
+                              </p:par>
+                              <p:par>
+                                <p:cTn id="21" presetID="1" presetClass="entr" presetSubtype="0" fill="hold" grpId="2" nodeType="withEffect">
+                                  <p:stCondLst>
+                                    <p:cond delay="0"/>
+                                  </p:stCondLst>
+                                  <p:iterate type="lt">
+                                    <p:tmAbs val="0"/>
+                                  </p:iterate>
+                                  <p:childTnLst>
+                                    <p:set>
+                                      <p:cBhvr>
+                                        <p:cTn id="22" dur="1" fill="hold">
+                                          <p:stCondLst>
+                                            <p:cond delay="0"/>
+                                          </p:stCondLst>
+                                        </p:cTn>
+                                        <p:tgtEl>
+                                          <p:spTgt spid="13"/>
+                                        </p:tgtEl>
+                                        <p:attrNameLst>
+                                          <p:attrName>style.visibility</p:attrName>
+                                        </p:attrNameLst>
+                                      </p:cBhvr>
+                                      <p:to>
+                                        <p:strVal val="visible"/>
+                                      </p:to>
+                                    </p:set>
+                                  </p:childTnLst>
+                                </p:cTn>
+                              </p:par>
+                              <p:par>
+                                <p:cTn id="23" presetID="34" presetClass="emph" presetSubtype="0" fill="hold" grpId="1" nodeType="withEffect">
+                                  <p:stCondLst>
+                                    <p:cond delay="0"/>
+                                  </p:stCondLst>
+                                  <p:iterate type="lt">
+                                    <p:tmPct val="10000"/>
+                                  </p:iterate>
+                                  <p:childTnLst>
+                                    <p:animMotion origin="layout" path="M -2.5E-6 -4.07407E-6 L -2.5E-6 -0.05138 " pathEditMode="relative" rAng="0" ptsTypes="AA">
+                                      <p:cBhvr>
+                                        <p:cTn id="24" dur="250" accel="50000" decel="50000" autoRev="1" fill="hold">
+                                          <p:stCondLst>
+                                            <p:cond delay="0"/>
+                                          </p:stCondLst>
+                                        </p:cTn>
+                                        <p:tgtEl>
+                                          <p:spTgt spid="13"/>
+                                        </p:tgtEl>
+                                        <p:attrNameLst>
+                                          <p:attrName>ppt_x</p:attrName>
+                                          <p:attrName>ppt_y</p:attrName>
+                                        </p:attrNameLst>
+                                      </p:cBhvr>
+                                      <p:rCtr x="0" y="-2569"/>
+                                    </p:animMotion>
+                                    <p:animRot by="1500000">
+                                      <p:cBhvr>
+                                        <p:cTn id="25" dur="125" fill="hold">
+                                          <p:stCondLst>
+                                            <p:cond delay="0"/>
+                                          </p:stCondLst>
+                                        </p:cTn>
+                                        <p:tgtEl>
+                                          <p:spTgt spid="13"/>
+                                        </p:tgtEl>
+                                        <p:attrNameLst>
+                                          <p:attrName>r</p:attrName>
+                                        </p:attrNameLst>
+                                      </p:cBhvr>
+                                    </p:animRot>
+                                    <p:animRot by="-1500000">
+                                      <p:cBhvr>
+                                        <p:cTn id="26" dur="125" fill="hold">
+                                          <p:stCondLst>
+                                            <p:cond delay="125"/>
+                                          </p:stCondLst>
+                                        </p:cTn>
+                                        <p:tgtEl>
+                                          <p:spTgt spid="13"/>
+                                        </p:tgtEl>
+                                        <p:attrNameLst>
+                                          <p:attrName>r</p:attrName>
+                                        </p:attrNameLst>
+                                      </p:cBhvr>
+                                    </p:animRot>
+                                    <p:animRot by="-1500000">
+                                      <p:cBhvr>
+                                        <p:cTn id="27" dur="125" fill="hold">
+                                          <p:stCondLst>
+                                            <p:cond delay="250"/>
+                                          </p:stCondLst>
+                                        </p:cTn>
+                                        <p:tgtEl>
+                                          <p:spTgt spid="13"/>
+                                        </p:tgtEl>
+                                        <p:attrNameLst>
+                                          <p:attrName>r</p:attrName>
+                                        </p:attrNameLst>
+                                      </p:cBhvr>
+                                    </p:animRot>
+                                    <p:animRot by="1500000">
+                                      <p:cBhvr>
+                                        <p:cTn id="28" dur="125" fill="hold">
+                                          <p:stCondLst>
+                                            <p:cond delay="375"/>
+                                          </p:stCondLst>
+                                        </p:cTn>
+                                        <p:tgtEl>
+                                          <p:spTgt spid="13"/>
+                                        </p:tgtEl>
+                                        <p:attrNameLst>
+                                          <p:attrName>r</p:attrName>
+                                        </p:attrNameLst>
+                                      </p:cBhvr>
+                                    </p:animRot>
+                                  </p:childTnLst>
+                                </p:cTn>
+                              </p:par>
+                            </p:childTnLst>
+                          </p:cTn>
+                        </p:par>
+                      </p:childTnLst>
+                    </p:cTn>
+                  </p:par>
+                </p:childTnLst>
+              </p:cTn>
+              <p:prevCondLst>
+                <p:cond evt="onPrev" delay="0">
+                  <p:tgtEl>
+                    <p:sldTgt/>
+                  </p:tgtEl>
+                </p:cond>
+              </p:prevCondLst>
+              <p:nextCondLst>
+                <p:cond evt="onNext" delay="0">
+                  <p:tgtEl>
+                    <p:sldTgt/>
+                  </p:tgtEl>
+                </p:cond>
+              </p:nextCondLst>
+            </p:seq>
+          </p:childTnLst>
+        </p:cTn>
+      </p:par>
+    </p:tnLst>
+    <p:bldLst>
+      <p:bldP spid="2" grpId="0"/>
+      <p:bldP spid="2" grpId="1"/>
+      <p:bldP spid="2" grpId="2"/>
+      <p:bldP spid="7" grpId="1"/>
+      <p:bldP spid="13" grpId="0"/>
+      <p:bldP spid="13" grpId="1"/>
+      <p:bldP spid="13" grpId="2"/>
+    </p:bldLst>
+  </p:timing>
+</p:sld>
+</file>
+
+<file path=ppt/slides/slide5.xml><?xml version="1.0" encoding="utf-8"?>
 <p:sld xmlns:a="http://schemas.openxmlformats.org/drawingml/2006/main" xmlns:r="http://schemas.openxmlformats.org/officeDocument/2006/relationships" xmlns:p="http://schemas.openxmlformats.org/presentationml/2006/main">
   <p:cSld>
     <p:spTree>
@@ -5371,7 +11652,7 @@
 </p:sld>
 </file>
 
-<file path=ppt/slides/slide4.xml><?xml version="1.0" encoding="utf-8"?>
+<file path=ppt/slides/slide6.xml><?xml version="1.0" encoding="utf-8"?>
 <p:sld xmlns:a="http://schemas.openxmlformats.org/drawingml/2006/main" xmlns:r="http://schemas.openxmlformats.org/officeDocument/2006/relationships" xmlns:p="http://schemas.openxmlformats.org/presentationml/2006/main">
   <p:cSld>
     <p:spTree>
@@ -5526,10 +11807,104 @@
   <p:clrMapOvr>
     <a:masterClrMapping/>
   </p:clrMapOvr>
+  <p:timing>
+    <p:tnLst>
+      <p:par>
+        <p:cTn id="1" dur="indefinite" restart="never" nodeType="tmRoot">
+          <p:childTnLst>
+            <p:seq concurrent="1" nextAc="seek">
+              <p:cTn id="2" dur="indefinite" nodeType="mainSeq">
+                <p:childTnLst>
+                  <p:par>
+                    <p:cTn id="3" fill="hold">
+                      <p:stCondLst>
+                        <p:cond delay="indefinite"/>
+                      </p:stCondLst>
+                      <p:childTnLst>
+                        <p:par>
+                          <p:cTn id="4" fill="hold">
+                            <p:stCondLst>
+                              <p:cond delay="0"/>
+                            </p:stCondLst>
+                            <p:childTnLst>
+                              <p:par>
+                                <p:cTn id="5" presetID="14" presetClass="exit" presetSubtype="10" fill="hold" grpId="2" nodeType="clickEffect">
+                                  <p:stCondLst>
+                                    <p:cond delay="0"/>
+                                  </p:stCondLst>
+                                  <p:childTnLst>
+                                    <p:animEffect transition="out" filter="randombar(horizontal)">
+                                      <p:cBhvr>
+                                        <p:cTn id="6" dur="3000"/>
+                                        <p:tgtEl>
+                                          <p:spTgt spid="5">
+                                            <p:txEl>
+                                              <p:pRg st="0" end="0"/>
+                                            </p:txEl>
+                                          </p:spTgt>
+                                        </p:tgtEl>
+                                      </p:cBhvr>
+                                    </p:animEffect>
+                                    <p:set>
+                                      <p:cBhvr>
+                                        <p:cTn id="7" dur="1" fill="hold">
+                                          <p:stCondLst>
+                                            <p:cond delay="2999"/>
+                                          </p:stCondLst>
+                                        </p:cTn>
+                                        <p:tgtEl>
+                                          <p:spTgt spid="5">
+                                            <p:txEl>
+                                              <p:pRg st="0" end="0"/>
+                                            </p:txEl>
+                                          </p:spTgt>
+                                        </p:tgtEl>
+                                        <p:attrNameLst>
+                                          <p:attrName>style.visibility</p:attrName>
+                                        </p:attrNameLst>
+                                      </p:cBhvr>
+                                      <p:to>
+                                        <p:strVal val="hidden"/>
+                                      </p:to>
+                                    </p:set>
+                                  </p:childTnLst>
+                                </p:cTn>
+                              </p:par>
+                            </p:childTnLst>
+                          </p:cTn>
+                        </p:par>
+                      </p:childTnLst>
+                    </p:cTn>
+                  </p:par>
+                </p:childTnLst>
+              </p:cTn>
+              <p:prevCondLst>
+                <p:cond evt="onPrev" delay="0">
+                  <p:tgtEl>
+                    <p:sldTgt/>
+                  </p:tgtEl>
+                </p:cond>
+              </p:prevCondLst>
+              <p:nextCondLst>
+                <p:cond evt="onNext" delay="0">
+                  <p:tgtEl>
+                    <p:sldTgt/>
+                  </p:tgtEl>
+                </p:cond>
+              </p:nextCondLst>
+            </p:seq>
+          </p:childTnLst>
+        </p:cTn>
+      </p:par>
+    </p:tnLst>
+    <p:bldLst>
+      <p:bldP spid="5" grpId="2" build="p"/>
+    </p:bldLst>
+  </p:timing>
 </p:sld>
 </file>
 
-<file path=ppt/slides/slide5.xml><?xml version="1.0" encoding="utf-8"?>
+<file path=ppt/slides/slide7.xml><?xml version="1.0" encoding="utf-8"?>
 <p:sld xmlns:a="http://schemas.openxmlformats.org/drawingml/2006/main" xmlns:r="http://schemas.openxmlformats.org/officeDocument/2006/relationships" xmlns:p="http://schemas.openxmlformats.org/presentationml/2006/main">
   <p:cSld>
     <p:spTree>
@@ -5569,7 +11944,7 @@
           <a:p>
             <a:r>
               <a:rPr lang="ko-KR" altLang="en-US" dirty="0"/>
-              <a:t>디지털 세상의 시그널</a:t>
+              <a:t>시그널</a:t>
             </a:r>
             <a:endParaRPr lang="en-US" dirty="0"/>
           </a:p>
@@ -5729,26 +12104,8 @@
                                   </p:childTnLst>
                                 </p:cTn>
                               </p:par>
-                            </p:childTnLst>
-                          </p:cTn>
-                        </p:par>
-                      </p:childTnLst>
-                    </p:cTn>
-                  </p:par>
-                  <p:par>
-                    <p:cTn id="7" fill="hold">
-                      <p:stCondLst>
-                        <p:cond delay="indefinite"/>
-                      </p:stCondLst>
-                      <p:childTnLst>
-                        <p:par>
-                          <p:cTn id="8" fill="hold">
-                            <p:stCondLst>
-                              <p:cond delay="0"/>
-                            </p:stCondLst>
-                            <p:childTnLst>
                               <p:par>
-                                <p:cTn id="9" presetID="1" presetClass="exit" presetSubtype="0" fill="hold" grpId="0" nodeType="clickEffect">
+                                <p:cTn id="7" presetID="1" presetClass="exit" presetSubtype="0" fill="hold" grpId="0" nodeType="withEffect">
                                   <p:stCondLst>
                                     <p:cond delay="0"/>
                                   </p:stCondLst>
@@ -5758,7 +12115,7 @@
                                   <p:childTnLst>
                                     <p:set>
                                       <p:cBhvr>
-                                        <p:cTn id="10" dur="1" fill="hold">
+                                        <p:cTn id="8" dur="1" fill="hold">
                                           <p:stCondLst>
                                             <p:cond delay="0"/>
                                           </p:stCondLst>
@@ -5788,29 +12145,29 @@
                     </p:cTn>
                   </p:par>
                   <p:par>
-                    <p:cTn id="11" fill="hold">
+                    <p:cTn id="9" fill="hold">
                       <p:stCondLst>
                         <p:cond delay="indefinite"/>
                       </p:stCondLst>
                       <p:childTnLst>
                         <p:par>
-                          <p:cTn id="12" fill="hold">
+                          <p:cTn id="10" fill="hold">
                             <p:stCondLst>
                               <p:cond delay="0"/>
                             </p:stCondLst>
                             <p:childTnLst>
                               <p:par>
-                                <p:cTn id="13" presetID="10" presetClass="entr" presetSubtype="0" fill="hold" nodeType="clickEffect">
+                                <p:cTn id="11" presetID="10" presetClass="entr" presetSubtype="0" fill="hold" nodeType="clickEffect">
                                   <p:stCondLst>
                                     <p:cond delay="0"/>
                                   </p:stCondLst>
                                   <p:iterate type="wd">
-                                    <p:tmPct val="500000"/>
+                                    <p:tmPct val="350000"/>
                                   </p:iterate>
                                   <p:childTnLst>
                                     <p:set>
                                       <p:cBhvr>
-                                        <p:cTn id="14" dur="1" fill="hold">
+                                        <p:cTn id="12" dur="1" fill="hold">
                                           <p:stCondLst>
                                             <p:cond delay="0"/>
                                           </p:stCondLst>
@@ -5832,7 +12189,7 @@
                                     </p:set>
                                     <p:animEffect transition="in" filter="fade">
                                       <p:cBhvr>
-                                        <p:cTn id="15" dur="500"/>
+                                        <p:cTn id="13" dur="500"/>
                                         <p:tgtEl>
                                           <p:spTgt spid="3">
                                             <p:txEl>
@@ -5852,19 +12209,19 @@
                     </p:cTn>
                   </p:par>
                   <p:par>
-                    <p:cTn id="16" fill="hold">
+                    <p:cTn id="14" fill="hold">
                       <p:stCondLst>
                         <p:cond delay="indefinite"/>
                       </p:stCondLst>
                       <p:childTnLst>
                         <p:par>
-                          <p:cTn id="17" fill="hold">
+                          <p:cTn id="15" fill="hold">
                             <p:stCondLst>
                               <p:cond delay="0"/>
                             </p:stCondLst>
                             <p:childTnLst>
                               <p:par>
-                                <p:cTn id="18" presetID="10" presetClass="entr" presetSubtype="0" fill="hold" nodeType="clickEffect">
+                                <p:cTn id="16" presetID="10" presetClass="entr" presetSubtype="0" fill="hold" nodeType="clickEffect">
                                   <p:stCondLst>
                                     <p:cond delay="0"/>
                                   </p:stCondLst>
@@ -5874,7 +12231,7 @@
                                   <p:childTnLst>
                                     <p:set>
                                       <p:cBhvr>
-                                        <p:cTn id="19" dur="1" fill="hold">
+                                        <p:cTn id="17" dur="1" fill="hold">
                                           <p:stCondLst>
                                             <p:cond delay="0"/>
                                           </p:stCondLst>
@@ -5896,7 +12253,7 @@
                                     </p:set>
                                     <p:animEffect transition="in" filter="fade">
                                       <p:cBhvr>
-                                        <p:cTn id="20" dur="500"/>
+                                        <p:cTn id="18" dur="500"/>
                                         <p:tgtEl>
                                           <p:spTgt spid="3">
                                             <p:txEl>
@@ -5943,7 +12300,7 @@
 </p:sld>
 </file>
 
-<file path=ppt/slides/slide6.xml><?xml version="1.0" encoding="utf-8"?>
+<file path=ppt/slides/slide8.xml><?xml version="1.0" encoding="utf-8"?>
 <p:sld xmlns:a="http://schemas.openxmlformats.org/drawingml/2006/main" xmlns:r="http://schemas.openxmlformats.org/officeDocument/2006/relationships" xmlns:p="http://schemas.openxmlformats.org/presentationml/2006/main">
   <p:cSld>
     <p:spTree>
@@ -5983,11 +12340,11 @@
           <a:p>
             <a:r>
               <a:rPr lang="ko-KR" altLang="en-US" dirty="0"/>
-              <a:t>디지털 세상의 시그널 </a:t>
+              <a:t>시그널 </a:t>
             </a:r>
             <a:r>
               <a:rPr lang="en-US" altLang="ko-KR" dirty="0"/>
-              <a:t>= Sinusoid</a:t>
+              <a:t>- Sinusoid</a:t>
             </a:r>
             <a:endParaRPr lang="en-US" dirty="0"/>
           </a:p>
@@ -7274,7 +13631,7 @@
 </p:sld>
 </file>
 
-<file path=ppt/slides/slide7.xml><?xml version="1.0" encoding="utf-8"?>
+<file path=ppt/slides/slide9.xml><?xml version="1.0" encoding="utf-8"?>
 <p:sld xmlns:a="http://schemas.openxmlformats.org/drawingml/2006/main" xmlns:r="http://schemas.openxmlformats.org/officeDocument/2006/relationships" xmlns:p="http://schemas.openxmlformats.org/presentationml/2006/main">
   <p:cSld>
     <p:spTree>
@@ -7314,11 +13671,11 @@
           <a:p>
             <a:r>
               <a:rPr lang="ko-KR" altLang="en-US" dirty="0"/>
-              <a:t>디지털 세상의 시그널 </a:t>
+              <a:t>시그널 </a:t>
             </a:r>
             <a:r>
               <a:rPr lang="en-US" altLang="ko-KR" dirty="0"/>
-              <a:t>= Sinusoid</a:t>
+              <a:t>- Sinusoid</a:t>
             </a:r>
             <a:endParaRPr lang="en-US" dirty="0"/>
           </a:p>
@@ -7540,690 +13897,6 @@
       <p:bldP spid="3" grpId="1"/>
     </p:bldLst>
   </p:timing>
-</p:sld>
-</file>
-
-<file path=ppt/slides/slide8.xml><?xml version="1.0" encoding="utf-8"?>
-<p:sld xmlns:a="http://schemas.openxmlformats.org/drawingml/2006/main" xmlns:r="http://schemas.openxmlformats.org/officeDocument/2006/relationships" xmlns:p="http://schemas.openxmlformats.org/presentationml/2006/main">
-  <p:cSld>
-    <p:spTree>
-      <p:nvGrpSpPr>
-        <p:cNvPr id="1" name=""/>
-        <p:cNvGrpSpPr/>
-        <p:nvPr/>
-      </p:nvGrpSpPr>
-      <p:grpSpPr>
-        <a:xfrm>
-          <a:off x="0" y="0"/>
-          <a:ext cx="0" cy="0"/>
-          <a:chOff x="0" y="0"/>
-          <a:chExt cx="0" cy="0"/>
-        </a:xfrm>
-      </p:grpSpPr>
-      <p:sp>
-        <p:nvSpPr>
-          <p:cNvPr id="2" name="Title 1">
-            <a:extLst>
-              <a:ext uri="{FF2B5EF4-FFF2-40B4-BE49-F238E27FC236}">
-                <a16:creationId xmlns:a16="http://schemas.microsoft.com/office/drawing/2014/main" id="{465FE338-8D59-4C44-9919-282B3DCF3828}"/>
-              </a:ext>
-            </a:extLst>
-          </p:cNvPr>
-          <p:cNvSpPr>
-            <a:spLocks noGrp="1"/>
-          </p:cNvSpPr>
-          <p:nvPr>
-            <p:ph type="title"/>
-          </p:nvPr>
-        </p:nvSpPr>
-        <p:spPr/>
-        <p:txBody>
-          <a:bodyPr/>
-          <a:lstStyle/>
-          <a:p>
-            <a:r>
-              <a:rPr lang="ko-KR" altLang="en-US" dirty="0"/>
-              <a:t>디지털 세상의 시그널 </a:t>
-            </a:r>
-            <a:r>
-              <a:rPr lang="en-US" altLang="ko-KR" dirty="0"/>
-              <a:t>= Sinusoid</a:t>
-            </a:r>
-            <a:endParaRPr lang="en-US" dirty="0"/>
-          </a:p>
-        </p:txBody>
-      </p:sp>
-      <p:sp>
-        <p:nvSpPr>
-          <p:cNvPr id="3" name="Content Placeholder 2">
-            <a:extLst>
-              <a:ext uri="{FF2B5EF4-FFF2-40B4-BE49-F238E27FC236}">
-                <a16:creationId xmlns:a16="http://schemas.microsoft.com/office/drawing/2014/main" id="{496199A0-D814-40DD-948E-59BEABF12F6A}"/>
-              </a:ext>
-            </a:extLst>
-          </p:cNvPr>
-          <p:cNvSpPr>
-            <a:spLocks noGrp="1"/>
-          </p:cNvSpPr>
-          <p:nvPr>
-            <p:ph idx="1"/>
-          </p:nvPr>
-        </p:nvSpPr>
-        <p:spPr>
-          <a:xfrm>
-            <a:off x="598620" y="2054655"/>
-            <a:ext cx="10972800" cy="4069419"/>
-          </a:xfrm>
-        </p:spPr>
-        <p:txBody>
-          <a:bodyPr anchor="ctr">
-            <a:normAutofit/>
-          </a:bodyPr>
-          <a:lstStyle/>
-          <a:p>
-            <a:pPr marL="0" indent="0">
-              <a:buNone/>
-            </a:pPr>
-            <a:r>
-              <a:rPr lang="en-US" altLang="ko-KR" sz="15000" dirty="0" err="1"/>
-              <a:t>re</a:t>
-            </a:r>
-            <a:r>
-              <a:rPr lang="en-US" altLang="ko-KR" sz="15000" baseline="30000" dirty="0" err="1"/>
-              <a:t>iθ</a:t>
-            </a:r>
-            <a:endParaRPr lang="ko-KR" altLang="en-US" sz="15000" baseline="30000" dirty="0"/>
-          </a:p>
-        </p:txBody>
-      </p:sp>
-      <p:sp>
-        <p:nvSpPr>
-          <p:cNvPr id="4" name="TextBox 3">
-            <a:extLst>
-              <a:ext uri="{FF2B5EF4-FFF2-40B4-BE49-F238E27FC236}">
-                <a16:creationId xmlns:a16="http://schemas.microsoft.com/office/drawing/2014/main" id="{6C9AC25A-9B15-4683-B071-C8765E26540E}"/>
-              </a:ext>
-            </a:extLst>
-          </p:cNvPr>
-          <p:cNvSpPr txBox="1"/>
-          <p:nvPr/>
-        </p:nvSpPr>
-        <p:spPr>
-          <a:xfrm>
-            <a:off x="5384799" y="4813999"/>
-            <a:ext cx="2023311" cy="1477328"/>
-          </a:xfrm>
-          <a:prstGeom prst="rect">
-            <a:avLst/>
-          </a:prstGeom>
-          <a:noFill/>
-        </p:spPr>
-        <p:txBody>
-          <a:bodyPr wrap="none" rtlCol="0">
-            <a:spAutoFit/>
-          </a:bodyPr>
-          <a:lstStyle/>
-          <a:p>
-            <a:r>
-              <a:rPr lang="en-US" altLang="ko-KR" dirty="0"/>
-              <a:t>r</a:t>
-            </a:r>
-            <a:r>
-              <a:rPr lang="ko-KR" altLang="en-US" dirty="0"/>
-              <a:t>도 알고</a:t>
-            </a:r>
-            <a:endParaRPr lang="en-US" altLang="ko-KR" dirty="0"/>
-          </a:p>
-          <a:p>
-            <a:r>
-              <a:rPr lang="en-US" altLang="ko-KR" dirty="0"/>
-              <a:t>e</a:t>
-            </a:r>
-            <a:r>
-              <a:rPr lang="ko-KR" altLang="en-US" dirty="0"/>
-              <a:t>도알고</a:t>
-            </a:r>
-            <a:endParaRPr lang="en-US" altLang="ko-KR" dirty="0"/>
-          </a:p>
-          <a:p>
-            <a:r>
-              <a:rPr lang="en-US" altLang="ko-KR" dirty="0" err="1"/>
-              <a:t>i</a:t>
-            </a:r>
-            <a:r>
-              <a:rPr lang="ko-KR" altLang="en-US" dirty="0"/>
-              <a:t>도 알고</a:t>
-            </a:r>
-            <a:endParaRPr lang="en-US" altLang="ko-KR" dirty="0"/>
-          </a:p>
-          <a:p>
-            <a:r>
-              <a:rPr lang="en-US" altLang="ko-KR" dirty="0"/>
-              <a:t>θ</a:t>
-            </a:r>
-            <a:r>
-              <a:rPr lang="ko-KR" altLang="en-US" dirty="0"/>
-              <a:t>도 아는데</a:t>
-            </a:r>
-            <a:endParaRPr lang="en-US" altLang="ko-KR" dirty="0"/>
-          </a:p>
-          <a:p>
-            <a:r>
-              <a:rPr lang="ko-KR" altLang="en-US" dirty="0"/>
-              <a:t>이건 </a:t>
-            </a:r>
-            <a:r>
-              <a:rPr lang="en-US" altLang="ko-KR" dirty="0"/>
-              <a:t>1</a:t>
-            </a:r>
-            <a:r>
-              <a:rPr lang="ko-KR" altLang="en-US" dirty="0"/>
-              <a:t>도 모르겠다</a:t>
-            </a:r>
-            <a:endParaRPr lang="en-US" altLang="ko-KR" dirty="0"/>
-          </a:p>
-        </p:txBody>
-      </p:sp>
-    </p:spTree>
-    <p:extLst>
-      <p:ext uri="{BB962C8B-B14F-4D97-AF65-F5344CB8AC3E}">
-        <p14:creationId xmlns:p14="http://schemas.microsoft.com/office/powerpoint/2010/main" val="3375650675"/>
-      </p:ext>
-    </p:extLst>
-  </p:cSld>
-  <p:clrMapOvr>
-    <a:masterClrMapping/>
-  </p:clrMapOvr>
-  <p:timing>
-    <p:tnLst>
-      <p:par>
-        <p:cTn id="1" dur="indefinite" restart="never" nodeType="tmRoot">
-          <p:childTnLst>
-            <p:seq concurrent="1" nextAc="seek">
-              <p:cTn id="2" dur="indefinite" nodeType="mainSeq">
-                <p:childTnLst>
-                  <p:par>
-                    <p:cTn id="3" fill="hold">
-                      <p:stCondLst>
-                        <p:cond delay="indefinite"/>
-                        <p:cond evt="onBegin" delay="0">
-                          <p:tn val="2"/>
-                        </p:cond>
-                      </p:stCondLst>
-                      <p:childTnLst>
-                        <p:par>
-                          <p:cTn id="4" fill="hold">
-                            <p:stCondLst>
-                              <p:cond delay="0"/>
-                            </p:stCondLst>
-                            <p:childTnLst>
-                              <p:par>
-                                <p:cTn id="5" presetID="1" presetClass="exit" presetSubtype="0" fill="hold" grpId="0" nodeType="withEffect">
-                                  <p:stCondLst>
-                                    <p:cond delay="0"/>
-                                  </p:stCondLst>
-                                  <p:childTnLst>
-                                    <p:set>
-                                      <p:cBhvr>
-                                        <p:cTn id="6" dur="1" fill="hold">
-                                          <p:stCondLst>
-                                            <p:cond delay="0"/>
-                                          </p:stCondLst>
-                                        </p:cTn>
-                                        <p:tgtEl>
-                                          <p:spTgt spid="3"/>
-                                        </p:tgtEl>
-                                        <p:attrNameLst>
-                                          <p:attrName>style.visibility</p:attrName>
-                                        </p:attrNameLst>
-                                      </p:cBhvr>
-                                      <p:to>
-                                        <p:strVal val="hidden"/>
-                                      </p:to>
-                                    </p:set>
-                                  </p:childTnLst>
-                                </p:cTn>
-                              </p:par>
-                              <p:par>
-                                <p:cTn id="7" presetID="1" presetClass="exit" presetSubtype="0" fill="hold" grpId="0" nodeType="withEffect">
-                                  <p:stCondLst>
-                                    <p:cond delay="0"/>
-                                  </p:stCondLst>
-                                  <p:childTnLst>
-                                    <p:set>
-                                      <p:cBhvr>
-                                        <p:cTn id="8" dur="1" fill="hold">
-                                          <p:stCondLst>
-                                            <p:cond delay="0"/>
-                                          </p:stCondLst>
-                                        </p:cTn>
-                                        <p:tgtEl>
-                                          <p:spTgt spid="4"/>
-                                        </p:tgtEl>
-                                        <p:attrNameLst>
-                                          <p:attrName>style.visibility</p:attrName>
-                                        </p:attrNameLst>
-                                      </p:cBhvr>
-                                      <p:to>
-                                        <p:strVal val="hidden"/>
-                                      </p:to>
-                                    </p:set>
-                                  </p:childTnLst>
-                                </p:cTn>
-                              </p:par>
-                            </p:childTnLst>
-                          </p:cTn>
-                        </p:par>
-                      </p:childTnLst>
-                    </p:cTn>
-                  </p:par>
-                  <p:par>
-                    <p:cTn id="9" fill="hold">
-                      <p:stCondLst>
-                        <p:cond delay="indefinite"/>
-                      </p:stCondLst>
-                      <p:childTnLst>
-                        <p:par>
-                          <p:cTn id="10" fill="hold">
-                            <p:stCondLst>
-                              <p:cond delay="0"/>
-                            </p:stCondLst>
-                            <p:childTnLst>
-                              <p:par>
-                                <p:cTn id="11" presetID="10" presetClass="entr" presetSubtype="0" fill="hold" grpId="1" nodeType="clickEffect">
-                                  <p:stCondLst>
-                                    <p:cond delay="0"/>
-                                  </p:stCondLst>
-                                  <p:childTnLst>
-                                    <p:set>
-                                      <p:cBhvr>
-                                        <p:cTn id="12" dur="1" fill="hold">
-                                          <p:stCondLst>
-                                            <p:cond delay="0"/>
-                                          </p:stCondLst>
-                                        </p:cTn>
-                                        <p:tgtEl>
-                                          <p:spTgt spid="3"/>
-                                        </p:tgtEl>
-                                        <p:attrNameLst>
-                                          <p:attrName>style.visibility</p:attrName>
-                                        </p:attrNameLst>
-                                      </p:cBhvr>
-                                      <p:to>
-                                        <p:strVal val="visible"/>
-                                      </p:to>
-                                    </p:set>
-                                    <p:animEffect transition="in" filter="fade">
-                                      <p:cBhvr>
-                                        <p:cTn id="13" dur="500"/>
-                                        <p:tgtEl>
-                                          <p:spTgt spid="3"/>
-                                        </p:tgtEl>
-                                      </p:cBhvr>
-                                    </p:animEffect>
-                                  </p:childTnLst>
-                                </p:cTn>
-                              </p:par>
-                            </p:childTnLst>
-                          </p:cTn>
-                        </p:par>
-                      </p:childTnLst>
-                    </p:cTn>
-                  </p:par>
-                  <p:par>
-                    <p:cTn id="14" fill="hold">
-                      <p:stCondLst>
-                        <p:cond delay="indefinite"/>
-                      </p:stCondLst>
-                      <p:childTnLst>
-                        <p:par>
-                          <p:cTn id="15" fill="hold">
-                            <p:stCondLst>
-                              <p:cond delay="0"/>
-                            </p:stCondLst>
-                            <p:childTnLst>
-                              <p:par>
-                                <p:cTn id="16" presetID="26" presetClass="entr" presetSubtype="0" fill="hold" grpId="1" nodeType="clickEffect">
-                                  <p:stCondLst>
-                                    <p:cond delay="0"/>
-                                  </p:stCondLst>
-                                  <p:childTnLst>
-                                    <p:set>
-                                      <p:cBhvr>
-                                        <p:cTn id="17" dur="1" fill="hold">
-                                          <p:stCondLst>
-                                            <p:cond delay="0"/>
-                                          </p:stCondLst>
-                                        </p:cTn>
-                                        <p:tgtEl>
-                                          <p:spTgt spid="4"/>
-                                        </p:tgtEl>
-                                        <p:attrNameLst>
-                                          <p:attrName>style.visibility</p:attrName>
-                                        </p:attrNameLst>
-                                      </p:cBhvr>
-                                      <p:to>
-                                        <p:strVal val="visible"/>
-                                      </p:to>
-                                    </p:set>
-                                    <p:animEffect transition="in" filter="wipe(down)">
-                                      <p:cBhvr>
-                                        <p:cTn id="18" dur="580">
-                                          <p:stCondLst>
-                                            <p:cond delay="0"/>
-                                          </p:stCondLst>
-                                        </p:cTn>
-                                        <p:tgtEl>
-                                          <p:spTgt spid="4"/>
-                                        </p:tgtEl>
-                                      </p:cBhvr>
-                                    </p:animEffect>
-                                    <p:anim calcmode="lin" valueType="num">
-                                      <p:cBhvr>
-                                        <p:cTn id="19" dur="1822" tmFilter="0,0; 0.14,0.36; 0.43,0.73; 0.71,0.91; 1.0,1.0">
-                                          <p:stCondLst>
-                                            <p:cond delay="0"/>
-                                          </p:stCondLst>
-                                        </p:cTn>
-                                        <p:tgtEl>
-                                          <p:spTgt spid="4"/>
-                                        </p:tgtEl>
-                                        <p:attrNameLst>
-                                          <p:attrName>ppt_x</p:attrName>
-                                        </p:attrNameLst>
-                                      </p:cBhvr>
-                                      <p:tavLst>
-                                        <p:tav tm="0">
-                                          <p:val>
-                                            <p:strVal val="#ppt_x-0.25"/>
-                                          </p:val>
-                                        </p:tav>
-                                        <p:tav tm="100000">
-                                          <p:val>
-                                            <p:strVal val="#ppt_x"/>
-                                          </p:val>
-                                        </p:tav>
-                                      </p:tavLst>
-                                    </p:anim>
-                                    <p:anim calcmode="lin" valueType="num">
-                                      <p:cBhvr>
-                                        <p:cTn id="20" dur="664" tmFilter="0.0,0.0; 0.25,0.07; 0.50,0.2; 0.75,0.467; 1.0,1.0">
-                                          <p:stCondLst>
-                                            <p:cond delay="0"/>
-                                          </p:stCondLst>
-                                        </p:cTn>
-                                        <p:tgtEl>
-                                          <p:spTgt spid="4"/>
-                                        </p:tgtEl>
-                                        <p:attrNameLst>
-                                          <p:attrName>ppt_y</p:attrName>
-                                        </p:attrNameLst>
-                                      </p:cBhvr>
-                                      <p:tavLst>
-                                        <p:tav tm="0" fmla="#ppt_y-sin(pi*$)/3">
-                                          <p:val>
-                                            <p:fltVal val="0.5"/>
-                                          </p:val>
-                                        </p:tav>
-                                        <p:tav tm="100000">
-                                          <p:val>
-                                            <p:fltVal val="1"/>
-                                          </p:val>
-                                        </p:tav>
-                                      </p:tavLst>
-                                    </p:anim>
-                                    <p:anim calcmode="lin" valueType="num">
-                                      <p:cBhvr>
-                                        <p:cTn id="21" dur="664" tmFilter="0, 0; 0.125,0.2665; 0.25,0.4; 0.375,0.465; 0.5,0.5;  0.625,0.535; 0.75,0.6; 0.875,0.7335; 1,1">
-                                          <p:stCondLst>
-                                            <p:cond delay="664"/>
-                                          </p:stCondLst>
-                                        </p:cTn>
-                                        <p:tgtEl>
-                                          <p:spTgt spid="4"/>
-                                        </p:tgtEl>
-                                        <p:attrNameLst>
-                                          <p:attrName>ppt_y</p:attrName>
-                                        </p:attrNameLst>
-                                      </p:cBhvr>
-                                      <p:tavLst>
-                                        <p:tav tm="0" fmla="#ppt_y-sin(pi*$)/9">
-                                          <p:val>
-                                            <p:fltVal val="0"/>
-                                          </p:val>
-                                        </p:tav>
-                                        <p:tav tm="100000">
-                                          <p:val>
-                                            <p:fltVal val="1"/>
-                                          </p:val>
-                                        </p:tav>
-                                      </p:tavLst>
-                                    </p:anim>
-                                    <p:anim calcmode="lin" valueType="num">
-                                      <p:cBhvr>
-                                        <p:cTn id="22" dur="332" tmFilter="0, 0; 0.125,0.2665; 0.25,0.4; 0.375,0.465; 0.5,0.5;  0.625,0.535; 0.75,0.6; 0.875,0.7335; 1,1">
-                                          <p:stCondLst>
-                                            <p:cond delay="1324"/>
-                                          </p:stCondLst>
-                                        </p:cTn>
-                                        <p:tgtEl>
-                                          <p:spTgt spid="4"/>
-                                        </p:tgtEl>
-                                        <p:attrNameLst>
-                                          <p:attrName>ppt_y</p:attrName>
-                                        </p:attrNameLst>
-                                      </p:cBhvr>
-                                      <p:tavLst>
-                                        <p:tav tm="0" fmla="#ppt_y-sin(pi*$)/27">
-                                          <p:val>
-                                            <p:fltVal val="0"/>
-                                          </p:val>
-                                        </p:tav>
-                                        <p:tav tm="100000">
-                                          <p:val>
-                                            <p:fltVal val="1"/>
-                                          </p:val>
-                                        </p:tav>
-                                      </p:tavLst>
-                                    </p:anim>
-                                    <p:anim calcmode="lin" valueType="num">
-                                      <p:cBhvr>
-                                        <p:cTn id="23" dur="164" tmFilter="0, 0; 0.125,0.2665; 0.25,0.4; 0.375,0.465; 0.5,0.5;  0.625,0.535; 0.75,0.6; 0.875,0.7335; 1,1">
-                                          <p:stCondLst>
-                                            <p:cond delay="1656"/>
-                                          </p:stCondLst>
-                                        </p:cTn>
-                                        <p:tgtEl>
-                                          <p:spTgt spid="4"/>
-                                        </p:tgtEl>
-                                        <p:attrNameLst>
-                                          <p:attrName>ppt_y</p:attrName>
-                                        </p:attrNameLst>
-                                      </p:cBhvr>
-                                      <p:tavLst>
-                                        <p:tav tm="0" fmla="#ppt_y-sin(pi*$)/81">
-                                          <p:val>
-                                            <p:fltVal val="0"/>
-                                          </p:val>
-                                        </p:tav>
-                                        <p:tav tm="100000">
-                                          <p:val>
-                                            <p:fltVal val="1"/>
-                                          </p:val>
-                                        </p:tav>
-                                      </p:tavLst>
-                                    </p:anim>
-                                    <p:animScale>
-                                      <p:cBhvr>
-                                        <p:cTn id="24" dur="26">
-                                          <p:stCondLst>
-                                            <p:cond delay="650"/>
-                                          </p:stCondLst>
-                                        </p:cTn>
-                                        <p:tgtEl>
-                                          <p:spTgt spid="4"/>
-                                        </p:tgtEl>
-                                      </p:cBhvr>
-                                      <p:to x="100000" y="60000"/>
-                                    </p:animScale>
-                                    <p:animScale>
-                                      <p:cBhvr>
-                                        <p:cTn id="25" dur="166" decel="50000">
-                                          <p:stCondLst>
-                                            <p:cond delay="676"/>
-                                          </p:stCondLst>
-                                        </p:cTn>
-                                        <p:tgtEl>
-                                          <p:spTgt spid="4"/>
-                                        </p:tgtEl>
-                                      </p:cBhvr>
-                                      <p:to x="100000" y="100000"/>
-                                    </p:animScale>
-                                    <p:animScale>
-                                      <p:cBhvr>
-                                        <p:cTn id="26" dur="26">
-                                          <p:stCondLst>
-                                            <p:cond delay="1312"/>
-                                          </p:stCondLst>
-                                        </p:cTn>
-                                        <p:tgtEl>
-                                          <p:spTgt spid="4"/>
-                                        </p:tgtEl>
-                                      </p:cBhvr>
-                                      <p:to x="100000" y="80000"/>
-                                    </p:animScale>
-                                    <p:animScale>
-                                      <p:cBhvr>
-                                        <p:cTn id="27" dur="166" decel="50000">
-                                          <p:stCondLst>
-                                            <p:cond delay="1338"/>
-                                          </p:stCondLst>
-                                        </p:cTn>
-                                        <p:tgtEl>
-                                          <p:spTgt spid="4"/>
-                                        </p:tgtEl>
-                                      </p:cBhvr>
-                                      <p:to x="100000" y="100000"/>
-                                    </p:animScale>
-                                    <p:animScale>
-                                      <p:cBhvr>
-                                        <p:cTn id="28" dur="26">
-                                          <p:stCondLst>
-                                            <p:cond delay="1642"/>
-                                          </p:stCondLst>
-                                        </p:cTn>
-                                        <p:tgtEl>
-                                          <p:spTgt spid="4"/>
-                                        </p:tgtEl>
-                                      </p:cBhvr>
-                                      <p:to x="100000" y="90000"/>
-                                    </p:animScale>
-                                    <p:animScale>
-                                      <p:cBhvr>
-                                        <p:cTn id="29" dur="166" decel="50000">
-                                          <p:stCondLst>
-                                            <p:cond delay="1668"/>
-                                          </p:stCondLst>
-                                        </p:cTn>
-                                        <p:tgtEl>
-                                          <p:spTgt spid="4"/>
-                                        </p:tgtEl>
-                                      </p:cBhvr>
-                                      <p:to x="100000" y="100000"/>
-                                    </p:animScale>
-                                    <p:animScale>
-                                      <p:cBhvr>
-                                        <p:cTn id="30" dur="26">
-                                          <p:stCondLst>
-                                            <p:cond delay="1808"/>
-                                          </p:stCondLst>
-                                        </p:cTn>
-                                        <p:tgtEl>
-                                          <p:spTgt spid="4"/>
-                                        </p:tgtEl>
-                                      </p:cBhvr>
-                                      <p:to x="100000" y="95000"/>
-                                    </p:animScale>
-                                    <p:animScale>
-                                      <p:cBhvr>
-                                        <p:cTn id="31" dur="166" decel="50000">
-                                          <p:stCondLst>
-                                            <p:cond delay="1834"/>
-                                          </p:stCondLst>
-                                        </p:cTn>
-                                        <p:tgtEl>
-                                          <p:spTgt spid="4"/>
-                                        </p:tgtEl>
-                                      </p:cBhvr>
-                                      <p:to x="100000" y="100000"/>
-                                    </p:animScale>
-                                  </p:childTnLst>
-                                </p:cTn>
-                              </p:par>
-                            </p:childTnLst>
-                          </p:cTn>
-                        </p:par>
-                      </p:childTnLst>
-                    </p:cTn>
-                  </p:par>
-                </p:childTnLst>
-              </p:cTn>
-              <p:prevCondLst>
-                <p:cond evt="onPrev" delay="0">
-                  <p:tgtEl>
-                    <p:sldTgt/>
-                  </p:tgtEl>
-                </p:cond>
-              </p:prevCondLst>
-              <p:nextCondLst>
-                <p:cond evt="onNext" delay="0">
-                  <p:tgtEl>
-                    <p:sldTgt/>
-                  </p:tgtEl>
-                </p:cond>
-              </p:nextCondLst>
-            </p:seq>
-          </p:childTnLst>
-        </p:cTn>
-      </p:par>
-    </p:tnLst>
-    <p:bldLst>
-      <p:bldP spid="3" grpId="0"/>
-      <p:bldP spid="3" grpId="1"/>
-      <p:bldP spid="4" grpId="0"/>
-      <p:bldP spid="4" grpId="1"/>
-    </p:bldLst>
-  </p:timing>
-</p:sld>
-</file>
-
-<file path=ppt/slides/slide9.xml><?xml version="1.0" encoding="utf-8"?>
-<p:sld xmlns:a="http://schemas.openxmlformats.org/drawingml/2006/main" xmlns:r="http://schemas.openxmlformats.org/officeDocument/2006/relationships" xmlns:p="http://schemas.openxmlformats.org/presentationml/2006/main">
-  <p:cSld>
-    <p:spTree>
-      <p:nvGrpSpPr>
-        <p:cNvPr id="1" name=""/>
-        <p:cNvGrpSpPr/>
-        <p:nvPr/>
-      </p:nvGrpSpPr>
-      <p:grpSpPr>
-        <a:xfrm>
-          <a:off x="0" y="0"/>
-          <a:ext cx="0" cy="0"/>
-          <a:chOff x="0" y="0"/>
-          <a:chExt cx="0" cy="0"/>
-        </a:xfrm>
-      </p:grpSpPr>
-    </p:spTree>
-    <p:extLst>
-      <p:ext uri="{BB962C8B-B14F-4D97-AF65-F5344CB8AC3E}">
-        <p14:creationId xmlns:p14="http://schemas.microsoft.com/office/powerpoint/2010/main" val="1145793643"/>
-      </p:ext>
-    </p:extLst>
-  </p:cSld>
-  <p:clrMapOvr>
-    <a:masterClrMapping/>
-  </p:clrMapOvr>
 </p:sld>
 </file>
 
